--- a/assets/GuardianAngle.pptx
+++ b/assets/GuardianAngle.pptx
@@ -5,27 +5,29 @@
     <p:sldMasterId id="2147483648" r:id="rId4"/>
   </p:sldMasterIdLst>
   <p:notesMasterIdLst>
-    <p:notesMasterId r:id="rId15"/>
+    <p:notesMasterId r:id="rId17"/>
   </p:notesMasterIdLst>
   <p:handoutMasterIdLst>
-    <p:handoutMasterId r:id="rId16"/>
+    <p:handoutMasterId r:id="rId18"/>
   </p:handoutMasterIdLst>
   <p:sldIdLst>
     <p:sldId id="573" r:id="rId5"/>
-    <p:sldId id="574" r:id="rId6"/>
-    <p:sldId id="588" r:id="rId7"/>
-    <p:sldId id="589" r:id="rId8"/>
-    <p:sldId id="583" r:id="rId9"/>
-    <p:sldId id="584" r:id="rId10"/>
-    <p:sldId id="582" r:id="rId11"/>
-    <p:sldId id="568" r:id="rId12"/>
-    <p:sldId id="587" r:id="rId13"/>
-    <p:sldId id="284" r:id="rId14"/>
+    <p:sldId id="590" r:id="rId6"/>
+    <p:sldId id="591" r:id="rId7"/>
+    <p:sldId id="592" r:id="rId8"/>
+    <p:sldId id="588" r:id="rId9"/>
+    <p:sldId id="589" r:id="rId10"/>
+    <p:sldId id="583" r:id="rId11"/>
+    <p:sldId id="584" r:id="rId12"/>
+    <p:sldId id="582" r:id="rId13"/>
+    <p:sldId id="568" r:id="rId14"/>
+    <p:sldId id="587" r:id="rId15"/>
+    <p:sldId id="284" r:id="rId16"/>
   </p:sldIdLst>
   <p:sldSz cx="11520488" cy="6480175"/>
   <p:notesSz cx="6858000" cy="9144000"/>
   <p:custDataLst>
-    <p:tags r:id="rId17"/>
+    <p:tags r:id="rId19"/>
   </p:custDataLst>
   <p:defaultTextStyle>
     <a:defPPr>
@@ -742,6 +744,174 @@
 </p:notes>
 </file>
 
+<file path=ppt/notesSlides/notesSlide10.xml><?xml version="1.0" encoding="utf-8"?>
+<p:notes xmlns:a="http://schemas.openxmlformats.org/drawingml/2006/main" xmlns:r="http://schemas.openxmlformats.org/officeDocument/2006/relationships" xmlns:p="http://schemas.openxmlformats.org/presentationml/2006/main">
+  <p:cSld>
+    <p:spTree>
+      <p:nvGrpSpPr>
+        <p:cNvPr id="1" name=""/>
+        <p:cNvGrpSpPr/>
+        <p:nvPr/>
+      </p:nvGrpSpPr>
+      <p:grpSpPr>
+        <a:xfrm>
+          <a:off x="0" y="0"/>
+          <a:ext cx="0" cy="0"/>
+          <a:chOff x="0" y="0"/>
+          <a:chExt cx="0" cy="0"/>
+        </a:xfrm>
+      </p:grpSpPr>
+      <p:sp>
+        <p:nvSpPr>
+          <p:cNvPr id="2" name="Slide Image Placeholder 1"/>
+          <p:cNvSpPr>
+            <a:spLocks noGrp="1" noRot="1" noChangeAspect="1"/>
+          </p:cNvSpPr>
+          <p:nvPr>
+            <p:ph type="sldImg"/>
+          </p:nvPr>
+        </p:nvSpPr>
+        <p:spPr/>
+      </p:sp>
+      <p:sp>
+        <p:nvSpPr>
+          <p:cNvPr id="3" name="Notes Placeholder 2"/>
+          <p:cNvSpPr>
+            <a:spLocks noGrp="1"/>
+          </p:cNvSpPr>
+          <p:nvPr>
+            <p:ph type="body" idx="1"/>
+          </p:nvPr>
+        </p:nvSpPr>
+        <p:spPr/>
+        <p:txBody>
+          <a:bodyPr/>
+          <a:lstStyle/>
+          <a:p>
+            <a:endParaRPr lang="de-DE"/>
+          </a:p>
+        </p:txBody>
+      </p:sp>
+      <p:sp>
+        <p:nvSpPr>
+          <p:cNvPr id="4" name="Slide Number Placeholder 3"/>
+          <p:cNvSpPr>
+            <a:spLocks noGrp="1"/>
+          </p:cNvSpPr>
+          <p:nvPr>
+            <p:ph type="sldNum" sz="quarter" idx="5"/>
+          </p:nvPr>
+        </p:nvSpPr>
+        <p:spPr/>
+        <p:txBody>
+          <a:bodyPr/>
+          <a:lstStyle/>
+          <a:p>
+            <a:fld id="{9502F7FA-3984-4F9D-BF36-30DAB3280DBC}" type="slidenum">
+              <a:rPr lang="de-DE" smtClean="0"/>
+              <a:t>11</a:t>
+            </a:fld>
+            <a:endParaRPr lang="de-DE"/>
+          </a:p>
+        </p:txBody>
+      </p:sp>
+    </p:spTree>
+    <p:extLst>
+      <p:ext uri="{BB962C8B-B14F-4D97-AF65-F5344CB8AC3E}">
+        <p14:creationId xmlns:p14="http://schemas.microsoft.com/office/powerpoint/2010/main" val="1434792287"/>
+      </p:ext>
+    </p:extLst>
+  </p:cSld>
+  <p:clrMapOvr>
+    <a:masterClrMapping/>
+  </p:clrMapOvr>
+</p:notes>
+</file>
+
+<file path=ppt/notesSlides/notesSlide11.xml><?xml version="1.0" encoding="utf-8"?>
+<p:notes xmlns:a="http://schemas.openxmlformats.org/drawingml/2006/main" xmlns:r="http://schemas.openxmlformats.org/officeDocument/2006/relationships" xmlns:p="http://schemas.openxmlformats.org/presentationml/2006/main">
+  <p:cSld>
+    <p:spTree>
+      <p:nvGrpSpPr>
+        <p:cNvPr id="1" name=""/>
+        <p:cNvGrpSpPr/>
+        <p:nvPr/>
+      </p:nvGrpSpPr>
+      <p:grpSpPr>
+        <a:xfrm>
+          <a:off x="0" y="0"/>
+          <a:ext cx="0" cy="0"/>
+          <a:chOff x="0" y="0"/>
+          <a:chExt cx="0" cy="0"/>
+        </a:xfrm>
+      </p:grpSpPr>
+      <p:sp>
+        <p:nvSpPr>
+          <p:cNvPr id="2" name="Slide Image Placeholder 1"/>
+          <p:cNvSpPr>
+            <a:spLocks noGrp="1" noRot="1" noChangeAspect="1"/>
+          </p:cNvSpPr>
+          <p:nvPr>
+            <p:ph type="sldImg"/>
+          </p:nvPr>
+        </p:nvSpPr>
+        <p:spPr/>
+      </p:sp>
+      <p:sp>
+        <p:nvSpPr>
+          <p:cNvPr id="3" name="Notes Placeholder 2"/>
+          <p:cNvSpPr>
+            <a:spLocks noGrp="1"/>
+          </p:cNvSpPr>
+          <p:nvPr>
+            <p:ph type="body" idx="1"/>
+          </p:nvPr>
+        </p:nvSpPr>
+        <p:spPr/>
+        <p:txBody>
+          <a:bodyPr/>
+          <a:lstStyle/>
+          <a:p>
+            <a:endParaRPr lang="de-DE"/>
+          </a:p>
+        </p:txBody>
+      </p:sp>
+      <p:sp>
+        <p:nvSpPr>
+          <p:cNvPr id="4" name="Slide Number Placeholder 3"/>
+          <p:cNvSpPr>
+            <a:spLocks noGrp="1"/>
+          </p:cNvSpPr>
+          <p:nvPr>
+            <p:ph type="sldNum" sz="quarter" idx="5"/>
+          </p:nvPr>
+        </p:nvSpPr>
+        <p:spPr/>
+        <p:txBody>
+          <a:bodyPr/>
+          <a:lstStyle/>
+          <a:p>
+            <a:fld id="{9502F7FA-3984-4F9D-BF36-30DAB3280DBC}" type="slidenum">
+              <a:rPr lang="de-DE" smtClean="0"/>
+              <a:t>12</a:t>
+            </a:fld>
+            <a:endParaRPr lang="de-DE"/>
+          </a:p>
+        </p:txBody>
+      </p:sp>
+    </p:spTree>
+    <p:extLst>
+      <p:ext uri="{BB962C8B-B14F-4D97-AF65-F5344CB8AC3E}">
+        <p14:creationId xmlns:p14="http://schemas.microsoft.com/office/powerpoint/2010/main" val="3956933428"/>
+      </p:ext>
+    </p:extLst>
+  </p:cSld>
+  <p:clrMapOvr>
+    <a:masterClrMapping/>
+  </p:clrMapOvr>
+</p:notes>
+</file>
+
 <file path=ppt/notesSlides/notesSlide2.xml><?xml version="1.0" encoding="utf-8"?>
 <p:notes xmlns:a="http://schemas.openxmlformats.org/drawingml/2006/main" xmlns:r="http://schemas.openxmlformats.org/officeDocument/2006/relationships" xmlns:p="http://schemas.openxmlformats.org/presentationml/2006/main">
   <p:cSld>
@@ -816,7 +986,7 @@
     </p:spTree>
     <p:extLst>
       <p:ext uri="{BB962C8B-B14F-4D97-AF65-F5344CB8AC3E}">
-        <p14:creationId xmlns:p14="http://schemas.microsoft.com/office/powerpoint/2010/main" val="1685377549"/>
+        <p14:creationId xmlns:p14="http://schemas.microsoft.com/office/powerpoint/2010/main" val="2188426655"/>
       </p:ext>
     </p:extLst>
   </p:cSld>
@@ -900,7 +1070,7 @@
     </p:spTree>
     <p:extLst>
       <p:ext uri="{BB962C8B-B14F-4D97-AF65-F5344CB8AC3E}">
-        <p14:creationId xmlns:p14="http://schemas.microsoft.com/office/powerpoint/2010/main" val="4104513894"/>
+        <p14:creationId xmlns:p14="http://schemas.microsoft.com/office/powerpoint/2010/main" val="604073992"/>
       </p:ext>
     </p:extLst>
   </p:cSld>
@@ -975,7 +1145,7 @@
           <a:p>
             <a:fld id="{9502F7FA-3984-4F9D-BF36-30DAB3280DBC}" type="slidenum">
               <a:rPr lang="de-DE" smtClean="0"/>
-              <a:t>5</a:t>
+              <a:t>4</a:t>
             </a:fld>
             <a:endParaRPr lang="de-DE"/>
           </a:p>
@@ -984,7 +1154,7 @@
     </p:spTree>
     <p:extLst>
       <p:ext uri="{BB962C8B-B14F-4D97-AF65-F5344CB8AC3E}">
-        <p14:creationId xmlns:p14="http://schemas.microsoft.com/office/powerpoint/2010/main" val="3396294488"/>
+        <p14:creationId xmlns:p14="http://schemas.microsoft.com/office/powerpoint/2010/main" val="4294324240"/>
       </p:ext>
     </p:extLst>
   </p:cSld>
@@ -1059,7 +1229,7 @@
           <a:p>
             <a:fld id="{9502F7FA-3984-4F9D-BF36-30DAB3280DBC}" type="slidenum">
               <a:rPr lang="de-DE" smtClean="0"/>
-              <a:t>6</a:t>
+              <a:t>5</a:t>
             </a:fld>
             <a:endParaRPr lang="de-DE"/>
           </a:p>
@@ -1068,7 +1238,7 @@
     </p:spTree>
     <p:extLst>
       <p:ext uri="{BB962C8B-B14F-4D97-AF65-F5344CB8AC3E}">
-        <p14:creationId xmlns:p14="http://schemas.microsoft.com/office/powerpoint/2010/main" val="4121007500"/>
+        <p14:creationId xmlns:p14="http://schemas.microsoft.com/office/powerpoint/2010/main" val="4104513894"/>
       </p:ext>
     </p:extLst>
   </p:cSld>
@@ -1152,7 +1322,7 @@
     </p:spTree>
     <p:extLst>
       <p:ext uri="{BB962C8B-B14F-4D97-AF65-F5344CB8AC3E}">
-        <p14:creationId xmlns:p14="http://schemas.microsoft.com/office/powerpoint/2010/main" val="2708540438"/>
+        <p14:creationId xmlns:p14="http://schemas.microsoft.com/office/powerpoint/2010/main" val="3396294488"/>
       </p:ext>
     </p:extLst>
   </p:cSld>
@@ -1236,7 +1406,7 @@
     </p:spTree>
     <p:extLst>
       <p:ext uri="{BB962C8B-B14F-4D97-AF65-F5344CB8AC3E}">
-        <p14:creationId xmlns:p14="http://schemas.microsoft.com/office/powerpoint/2010/main" val="1323945275"/>
+        <p14:creationId xmlns:p14="http://schemas.microsoft.com/office/powerpoint/2010/main" val="4121007500"/>
       </p:ext>
     </p:extLst>
   </p:cSld>
@@ -1320,7 +1490,7 @@
     </p:spTree>
     <p:extLst>
       <p:ext uri="{BB962C8B-B14F-4D97-AF65-F5344CB8AC3E}">
-        <p14:creationId xmlns:p14="http://schemas.microsoft.com/office/powerpoint/2010/main" val="1434792287"/>
+        <p14:creationId xmlns:p14="http://schemas.microsoft.com/office/powerpoint/2010/main" val="2708540438"/>
       </p:ext>
     </p:extLst>
   </p:cSld>
@@ -1404,7 +1574,7 @@
     </p:spTree>
     <p:extLst>
       <p:ext uri="{BB962C8B-B14F-4D97-AF65-F5344CB8AC3E}">
-        <p14:creationId xmlns:p14="http://schemas.microsoft.com/office/powerpoint/2010/main" val="3956933428"/>
+        <p14:creationId xmlns:p14="http://schemas.microsoft.com/office/powerpoint/2010/main" val="1323945275"/>
       </p:ext>
     </p:extLst>
   </p:cSld>
@@ -5586,6 +5756,391 @@
 </file>
 
 <file path=ppt/slides/slide10.xml><?xml version="1.0" encoding="utf-8"?>
+<p:sld xmlns:a="http://schemas.openxmlformats.org/drawingml/2006/main" xmlns:r="http://schemas.openxmlformats.org/officeDocument/2006/relationships" xmlns:p="http://schemas.openxmlformats.org/presentationml/2006/main">
+  <p:cSld>
+    <p:spTree>
+      <p:nvGrpSpPr>
+        <p:cNvPr id="1" name=""/>
+        <p:cNvGrpSpPr/>
+        <p:nvPr/>
+      </p:nvGrpSpPr>
+      <p:grpSpPr>
+        <a:xfrm>
+          <a:off x="0" y="0"/>
+          <a:ext cx="0" cy="0"/>
+          <a:chOff x="0" y="0"/>
+          <a:chExt cx="0" cy="0"/>
+        </a:xfrm>
+      </p:grpSpPr>
+      <p:pic>
+        <p:nvPicPr>
+          <p:cNvPr id="27" name="Bildplatzhalter 26">
+            <a:extLst>
+              <a:ext uri="{FF2B5EF4-FFF2-40B4-BE49-F238E27FC236}">
+                <a16:creationId xmlns:a16="http://schemas.microsoft.com/office/drawing/2014/main" id="{AA7D4377-EB53-4F7B-BAA3-1931CE3F3BBC}"/>
+              </a:ext>
+            </a:extLst>
+          </p:cNvPr>
+          <p:cNvPicPr>
+            <a:picLocks noGrp="1" noRot="1" noChangeAspect="1" noMove="1" noResize="1" noEditPoints="1" noAdjustHandles="1" noChangeArrowheads="1" noChangeShapeType="1" noCrop="1"/>
+          </p:cNvPicPr>
+          <p:nvPr>
+            <p:ph type="pic" sz="quarter" idx="12"/>
+          </p:nvPr>
+        </p:nvPicPr>
+        <p:blipFill rotWithShape="1">
+          <a:blip r:embed="rId5">
+            <a:extLst>
+              <a:ext uri="{28A0092B-C50C-407E-A947-70E740481C1C}">
+                <a14:useLocalDpi xmlns:a14="http://schemas.microsoft.com/office/drawing/2010/main" val="0"/>
+              </a:ext>
+            </a:extLst>
+          </a:blip>
+          <a:srcRect l="118" r="118"/>
+          <a:stretch/>
+        </p:blipFill>
+        <p:spPr/>
+      </p:pic>
+      <p:sp>
+        <p:nvSpPr>
+          <p:cNvPr id="9" name="Titel 8">
+            <a:extLst>
+              <a:ext uri="{FF2B5EF4-FFF2-40B4-BE49-F238E27FC236}">
+                <a16:creationId xmlns:a16="http://schemas.microsoft.com/office/drawing/2014/main" id="{6C64DF7B-1299-4430-8C2B-55C18EF257C7}"/>
+              </a:ext>
+            </a:extLst>
+          </p:cNvPr>
+          <p:cNvSpPr>
+            <a:spLocks noGrp="1"/>
+          </p:cNvSpPr>
+          <p:nvPr>
+            <p:ph type="title"/>
+          </p:nvPr>
+        </p:nvSpPr>
+        <p:spPr>
+          <a:xfrm>
+            <a:off x="539750" y="4078843"/>
+            <a:ext cx="10440988" cy="890032"/>
+          </a:xfrm>
+        </p:spPr>
+        <p:txBody>
+          <a:bodyPr/>
+          <a:lstStyle/>
+          <a:p>
+            <a:endParaRPr lang="en-US" dirty="0">
+              <a:solidFill>
+                <a:srgbClr val="FF73F9"/>
+              </a:solidFill>
+            </a:endParaRPr>
+          </a:p>
+        </p:txBody>
+      </p:sp>
+      <p:sp>
+        <p:nvSpPr>
+          <p:cNvPr id="4" name="Foliennummernplatzhalter 3">
+            <a:extLst>
+              <a:ext uri="{FF2B5EF4-FFF2-40B4-BE49-F238E27FC236}">
+                <a16:creationId xmlns:a16="http://schemas.microsoft.com/office/drawing/2014/main" id="{796D58B4-DB43-4B06-ACFF-112EEA3F2188}"/>
+              </a:ext>
+            </a:extLst>
+          </p:cNvPr>
+          <p:cNvSpPr>
+            <a:spLocks noGrp="1"/>
+          </p:cNvSpPr>
+          <p:nvPr>
+            <p:ph type="sldNum" sz="quarter" idx="11"/>
+          </p:nvPr>
+        </p:nvSpPr>
+        <p:spPr/>
+        <p:txBody>
+          <a:bodyPr/>
+          <a:lstStyle/>
+          <a:p>
+            <a:fld id="{C651C7C4-31E4-E340-822E-DEA0EA75A835}" type="slidenum">
+              <a:rPr lang="en-US" smtClean="0"/>
+              <a:pPr/>
+              <a:t>10</a:t>
+            </a:fld>
+            <a:endParaRPr lang="en-US" dirty="0"/>
+          </a:p>
+        </p:txBody>
+      </p:sp>
+      <p:pic>
+        <p:nvPicPr>
+          <p:cNvPr id="23" name="Grafik 22">
+            <a:extLst>
+              <a:ext uri="{FF2B5EF4-FFF2-40B4-BE49-F238E27FC236}">
+                <a16:creationId xmlns:a16="http://schemas.microsoft.com/office/drawing/2014/main" id="{7E64BB16-6BA0-4940-BEF2-7E66B02F1EA0}"/>
+              </a:ext>
+            </a:extLst>
+          </p:cNvPr>
+          <p:cNvPicPr>
+            <a:picLocks noGrp="1" noRot="1" noChangeAspect="1" noMove="1" noResize="1" noEditPoints="1" noAdjustHandles="1" noChangeArrowheads="1" noChangeShapeType="1" noCrop="1"/>
+          </p:cNvPicPr>
+          <p:nvPr>
+            <p:custDataLst>
+              <p:tags r:id="rId2"/>
+            </p:custDataLst>
+          </p:nvPr>
+        </p:nvPicPr>
+        <p:blipFill>
+          <a:blip r:embed="rId6" cstate="hqprint">
+            <a:extLst>
+              <a:ext uri="{28A0092B-C50C-407E-A947-70E740481C1C}">
+                <a14:useLocalDpi xmlns:a14="http://schemas.microsoft.com/office/drawing/2010/main" val="0"/>
+              </a:ext>
+              <a:ext uri="{96DAC541-7B7A-43D3-8B79-37D633B846F1}">
+                <asvg:svgBlip xmlns:asvg="http://schemas.microsoft.com/office/drawing/2016/SVG/main" r:embed="rId7"/>
+              </a:ext>
+            </a:extLst>
+          </a:blip>
+          <a:stretch>
+            <a:fillRect/>
+          </a:stretch>
+        </p:blipFill>
+        <p:spPr bwMode="gray">
+          <a:xfrm>
+            <a:off x="10148244" y="5868379"/>
+            <a:ext cx="976596" cy="540000"/>
+          </a:xfrm>
+          <a:prstGeom prst="rect">
+            <a:avLst/>
+          </a:prstGeom>
+        </p:spPr>
+      </p:pic>
+      <p:sp>
+        <p:nvSpPr>
+          <p:cNvPr id="2" name="Fußzeilenplatzhalter 1">
+            <a:extLst>
+              <a:ext uri="{FF2B5EF4-FFF2-40B4-BE49-F238E27FC236}">
+                <a16:creationId xmlns:a16="http://schemas.microsoft.com/office/drawing/2014/main" id="{C156D478-FD97-494A-AD83-ADE1F6D3582B}"/>
+              </a:ext>
+            </a:extLst>
+          </p:cNvPr>
+          <p:cNvSpPr>
+            <a:spLocks noGrp="1"/>
+          </p:cNvSpPr>
+          <p:nvPr>
+            <p:ph type="ftr" sz="quarter" idx="10"/>
+          </p:nvPr>
+        </p:nvSpPr>
+        <p:spPr/>
+        <p:txBody>
+          <a:bodyPr/>
+          <a:lstStyle/>
+          <a:p>
+            <a:r>
+              <a:rPr lang="en-US"/>
+              <a:t>IAV  MM/YYYY  Department Code  Initials  Status: draft, confidential</a:t>
+            </a:r>
+            <a:endParaRPr lang="en-US" dirty="0"/>
+          </a:p>
+        </p:txBody>
+      </p:sp>
+    </p:spTree>
+    <p:custDataLst>
+      <p:tags r:id="rId1"/>
+    </p:custDataLst>
+    <p:extLst>
+      <p:ext uri="{BB962C8B-B14F-4D97-AF65-F5344CB8AC3E}">
+        <p14:creationId xmlns:p14="http://schemas.microsoft.com/office/powerpoint/2010/main" val="84025652"/>
+      </p:ext>
+    </p:extLst>
+  </p:cSld>
+  <p:clrMapOvr>
+    <a:masterClrMapping/>
+  </p:clrMapOvr>
+</p:sld>
+</file>
+
+<file path=ppt/slides/slide11.xml><?xml version="1.0" encoding="utf-8"?>
+<p:sld xmlns:a="http://schemas.openxmlformats.org/drawingml/2006/main" xmlns:r="http://schemas.openxmlformats.org/officeDocument/2006/relationships" xmlns:p="http://schemas.openxmlformats.org/presentationml/2006/main">
+  <p:cSld>
+    <p:spTree>
+      <p:nvGrpSpPr>
+        <p:cNvPr id="1" name=""/>
+        <p:cNvGrpSpPr/>
+        <p:nvPr/>
+      </p:nvGrpSpPr>
+      <p:grpSpPr>
+        <a:xfrm>
+          <a:off x="0" y="0"/>
+          <a:ext cx="0" cy="0"/>
+          <a:chOff x="0" y="0"/>
+          <a:chExt cx="0" cy="0"/>
+        </a:xfrm>
+      </p:grpSpPr>
+      <p:sp>
+        <p:nvSpPr>
+          <p:cNvPr id="6" name="Titel 5">
+            <a:extLst>
+              <a:ext uri="{FF2B5EF4-FFF2-40B4-BE49-F238E27FC236}">
+                <a16:creationId xmlns:a16="http://schemas.microsoft.com/office/drawing/2014/main" id="{0BA34493-D988-4172-8503-5C21DA187631}"/>
+              </a:ext>
+            </a:extLst>
+          </p:cNvPr>
+          <p:cNvSpPr>
+            <a:spLocks noGrp="1"/>
+          </p:cNvSpPr>
+          <p:nvPr>
+            <p:ph type="title"/>
+            <p:custDataLst>
+              <p:tags r:id="rId2"/>
+            </p:custDataLst>
+          </p:nvPr>
+        </p:nvSpPr>
+        <p:spPr/>
+        <p:txBody>
+          <a:bodyPr/>
+          <a:lstStyle/>
+          <a:p>
+            <a:r>
+              <a:rPr lang="en-US"/>
+              <a:t>Contact</a:t>
+            </a:r>
+            <a:endParaRPr lang="en-US" dirty="0"/>
+          </a:p>
+        </p:txBody>
+      </p:sp>
+      <p:sp>
+        <p:nvSpPr>
+          <p:cNvPr id="2" name="Fußzeilenplatzhalter 1">
+            <a:extLst>
+              <a:ext uri="{FF2B5EF4-FFF2-40B4-BE49-F238E27FC236}">
+                <a16:creationId xmlns:a16="http://schemas.microsoft.com/office/drawing/2014/main" id="{1A92AC00-1458-4355-9315-DE22D06396AF}"/>
+              </a:ext>
+            </a:extLst>
+          </p:cNvPr>
+          <p:cNvSpPr>
+            <a:spLocks noGrp="1"/>
+          </p:cNvSpPr>
+          <p:nvPr>
+            <p:ph type="ftr" sz="quarter" idx="3"/>
+          </p:nvPr>
+        </p:nvSpPr>
+        <p:spPr/>
+        <p:txBody>
+          <a:bodyPr/>
+          <a:lstStyle/>
+          <a:p>
+            <a:r>
+              <a:rPr lang="en-US"/>
+              <a:t>IAV  MM/YYYY  Department Code  Initials  Status: draft, confidential</a:t>
+            </a:r>
+            <a:endParaRPr lang="en-US" dirty="0"/>
+          </a:p>
+        </p:txBody>
+      </p:sp>
+      <p:sp>
+        <p:nvSpPr>
+          <p:cNvPr id="10" name="Foliennummernplatzhalter 9">
+            <a:extLst>
+              <a:ext uri="{FF2B5EF4-FFF2-40B4-BE49-F238E27FC236}">
+                <a16:creationId xmlns:a16="http://schemas.microsoft.com/office/drawing/2014/main" id="{51864CDE-6951-401C-B278-D9B4CBABABC9}"/>
+              </a:ext>
+            </a:extLst>
+          </p:cNvPr>
+          <p:cNvSpPr>
+            <a:spLocks noGrp="1"/>
+          </p:cNvSpPr>
+          <p:nvPr>
+            <p:ph type="sldNum" sz="quarter" idx="4"/>
+          </p:nvPr>
+        </p:nvSpPr>
+        <p:spPr/>
+        <p:txBody>
+          <a:bodyPr/>
+          <a:lstStyle/>
+          <a:p>
+            <a:fld id="{C651C7C4-31E4-E340-822E-DEA0EA75A835}" type="slidenum">
+              <a:rPr lang="en-US" smtClean="0"/>
+              <a:pPr/>
+              <a:t>11</a:t>
+            </a:fld>
+            <a:endParaRPr lang="en-US" dirty="0"/>
+          </a:p>
+        </p:txBody>
+      </p:sp>
+      <p:sp>
+        <p:nvSpPr>
+          <p:cNvPr id="7" name="Textplatzhalter 6">
+            <a:extLst>
+              <a:ext uri="{FF2B5EF4-FFF2-40B4-BE49-F238E27FC236}">
+                <a16:creationId xmlns:a16="http://schemas.microsoft.com/office/drawing/2014/main" id="{D10E7627-693E-4577-A6E2-5891B69B95CD}"/>
+              </a:ext>
+            </a:extLst>
+          </p:cNvPr>
+          <p:cNvSpPr>
+            <a:spLocks noGrp="1"/>
+          </p:cNvSpPr>
+          <p:nvPr>
+            <p:ph type="body" sz="quarter" idx="13"/>
+            <p:custDataLst>
+              <p:tags r:id="rId3"/>
+            </p:custDataLst>
+          </p:nvPr>
+        </p:nvSpPr>
+        <p:spPr/>
+        <p:txBody>
+          <a:bodyPr/>
+          <a:lstStyle/>
+          <a:p>
+            <a:r>
+              <a:rPr lang="en-US"/>
+              <a:t>Name Surname</a:t>
+            </a:r>
+          </a:p>
+          <a:p>
+            <a:r>
+              <a:rPr lang="en-US"/>
+              <a:t>IAV GmbH</a:t>
+            </a:r>
+          </a:p>
+          <a:p>
+            <a:r>
+              <a:rPr lang="en-US"/>
+              <a:t>Carnotstrasse 1, 10587 Berlin (GERMANY)</a:t>
+            </a:r>
+            <a:br>
+              <a:rPr lang="en-US"/>
+            </a:br>
+            <a:r>
+              <a:rPr lang="en-US"/>
+              <a:t>Phone +49 30 3997-80</a:t>
+            </a:r>
+          </a:p>
+          <a:p>
+            <a:r>
+              <a:rPr lang="en-US"/>
+              <a:t>name.surname@iav.de</a:t>
+            </a:r>
+          </a:p>
+          <a:p>
+            <a:r>
+              <a:rPr lang="en-US"/>
+              <a:t>www.iav.com</a:t>
+            </a:r>
+            <a:endParaRPr lang="en-US" dirty="0"/>
+          </a:p>
+        </p:txBody>
+      </p:sp>
+    </p:spTree>
+    <p:custDataLst>
+      <p:tags r:id="rId1"/>
+    </p:custDataLst>
+    <p:extLst>
+      <p:ext uri="{BB962C8B-B14F-4D97-AF65-F5344CB8AC3E}">
+        <p14:creationId xmlns:p14="http://schemas.microsoft.com/office/powerpoint/2010/main" val="1399101948"/>
+      </p:ext>
+    </p:extLst>
+  </p:cSld>
+  <p:clrMapOvr>
+    <a:masterClrMapping/>
+  </p:clrMapOvr>
+</p:sld>
+</file>
+
+<file path=ppt/slides/slide12.xml><?xml version="1.0" encoding="utf-8"?>
 <p:sld xmlns:a="http://schemas.openxmlformats.org/drawingml/2006/main" xmlns:r="http://schemas.openxmlformats.org/officeDocument/2006/relationships" xmlns:p="http://schemas.openxmlformats.org/presentationml/2006/main" show="0">
   <p:cSld>
     <p:spTree>
@@ -5643,7 +6198,7 @@
             <a:fld id="{DD6C52D8-AF7F-4297-9A35-2617B7FF1801}" type="slidenum">
               <a:rPr lang="en-US" smtClean="0"/>
               <a:pPr/>
-              <a:t>10</a:t>
+              <a:t>12</a:t>
             </a:fld>
             <a:endParaRPr lang="en-US" dirty="0"/>
           </a:p>
@@ -10940,9 +11495,10 @@
           <a:lstStyle/>
           <a:p>
             <a:r>
-              <a:rPr lang="en-US" dirty="0"/>
-              <a:t>Top View</a:t>
+              <a:rPr lang="en-US" dirty="0" err="1"/>
+              <a:t>TopView</a:t>
             </a:r>
+            <a:endParaRPr lang="en-US" dirty="0"/>
           </a:p>
         </p:txBody>
       </p:sp>
@@ -11435,7 +11991,7 @@
         </p:blipFill>
         <p:spPr>
           <a:xfrm>
-            <a:off x="1176093" y="2402716"/>
+            <a:off x="3906386" y="3921301"/>
             <a:ext cx="3105583" cy="1581371"/>
           </a:xfrm>
           <a:prstGeom prst="rect">
@@ -11471,7 +12027,7 @@
         </p:blipFill>
         <p:spPr>
           <a:xfrm rot="10800000">
-            <a:off x="3831742" y="3950651"/>
+            <a:off x="958285" y="2442568"/>
             <a:ext cx="3181794" cy="1486107"/>
           </a:xfrm>
           <a:prstGeom prst="rect">
@@ -11563,7 +12119,7 @@
         </p:blipFill>
         <p:spPr>
           <a:xfrm rot="10800000">
-            <a:off x="7345631" y="3954092"/>
+            <a:off x="7530712" y="3948165"/>
             <a:ext cx="3181794" cy="1486107"/>
           </a:xfrm>
           <a:prstGeom prst="rect">
@@ -11573,10 +12129,10 @@
       </p:pic>
       <p:pic>
         <p:nvPicPr>
-          <p:cNvPr id="20" name="Grafik 19">
+          <p:cNvPr id="5" name="Grafik 4">
             <a:extLst>
               <a:ext uri="{FF2B5EF4-FFF2-40B4-BE49-F238E27FC236}">
-                <a16:creationId xmlns:a16="http://schemas.microsoft.com/office/drawing/2014/main" id="{4847A357-419C-F3A1-99CC-ED275981A56A}"/>
+                <a16:creationId xmlns:a16="http://schemas.microsoft.com/office/drawing/2014/main" id="{93FCE6FA-841B-45FF-0338-4FBAFB9E5769}"/>
               </a:ext>
             </a:extLst>
           </p:cNvPr>
@@ -11599,8 +12155,8 @@
         </p:blipFill>
         <p:spPr>
           <a:xfrm>
-            <a:off x="7013536" y="4087188"/>
-            <a:ext cx="562053" cy="847843"/>
+            <a:off x="7014217" y="4208005"/>
+            <a:ext cx="513300" cy="520205"/>
           </a:xfrm>
           <a:prstGeom prst="rect">
             <a:avLst/>
@@ -11610,7 +12166,7 @@
     </p:spTree>
     <p:extLst>
       <p:ext uri="{BB962C8B-B14F-4D97-AF65-F5344CB8AC3E}">
-        <p14:creationId xmlns:p14="http://schemas.microsoft.com/office/powerpoint/2010/main" val="2851990491"/>
+        <p14:creationId xmlns:p14="http://schemas.microsoft.com/office/powerpoint/2010/main" val="1459311777"/>
       </p:ext>
     </p:extLst>
   </p:cSld>
@@ -11664,9 +12220,10 @@
           <a:lstStyle/>
           <a:p>
             <a:r>
-              <a:rPr lang="en-US" dirty="0"/>
-              <a:t>AR Head-up-Display</a:t>
+              <a:rPr lang="en-US" dirty="0" err="1"/>
+              <a:t>TopView</a:t>
             </a:r>
+            <a:endParaRPr lang="en-US" dirty="0"/>
           </a:p>
         </p:txBody>
       </p:sp>
@@ -11739,12 +12296,404 @@
           </a:p>
         </p:txBody>
       </p:sp>
+      <p:sp>
+        <p:nvSpPr>
+          <p:cNvPr id="3" name="Rechteck 2">
+            <a:extLst>
+              <a:ext uri="{FF2B5EF4-FFF2-40B4-BE49-F238E27FC236}">
+                <a16:creationId xmlns:a16="http://schemas.microsoft.com/office/drawing/2014/main" id="{8A9EB58F-12BC-325D-BD14-21D6FD48A91F}"/>
+              </a:ext>
+            </a:extLst>
+          </p:cNvPr>
+          <p:cNvSpPr/>
+          <p:nvPr/>
+        </p:nvSpPr>
+        <p:spPr>
+          <a:xfrm>
+            <a:off x="899665" y="1451889"/>
+            <a:ext cx="9951812" cy="3240360"/>
+          </a:xfrm>
+          <a:prstGeom prst="rect">
+            <a:avLst/>
+          </a:prstGeom>
+          <a:solidFill>
+            <a:srgbClr val="6E6E6E"/>
+          </a:solidFill>
+          <a:ln>
+            <a:noFill/>
+          </a:ln>
+        </p:spPr>
+        <p:style>
+          <a:lnRef idx="2">
+            <a:schemeClr val="accent1">
+              <a:shade val="50000"/>
+            </a:schemeClr>
+          </a:lnRef>
+          <a:fillRef idx="1">
+            <a:schemeClr val="accent1"/>
+          </a:fillRef>
+          <a:effectRef idx="0">
+            <a:schemeClr val="accent1"/>
+          </a:effectRef>
+          <a:fontRef idx="minor">
+            <a:schemeClr val="lt1"/>
+          </a:fontRef>
+        </p:style>
+        <p:txBody>
+          <a:bodyPr lIns="144000" tIns="108000" rIns="144000" bIns="144000" rtlCol="0" anchor="t"/>
+          <a:lstStyle/>
+          <a:p>
+            <a:pPr algn="l">
+              <a:spcBef>
+                <a:spcPts val="800"/>
+              </a:spcBef>
+            </a:pPr>
+            <a:endParaRPr lang="de-DE" sz="1600" dirty="0" err="1"/>
+          </a:p>
+        </p:txBody>
+      </p:sp>
+      <p:sp>
+        <p:nvSpPr>
+          <p:cNvPr id="7" name="Rechteck 6">
+            <a:extLst>
+              <a:ext uri="{FF2B5EF4-FFF2-40B4-BE49-F238E27FC236}">
+                <a16:creationId xmlns:a16="http://schemas.microsoft.com/office/drawing/2014/main" id="{D4BD191B-5510-C4E8-9D07-0C578A76F599}"/>
+              </a:ext>
+            </a:extLst>
+          </p:cNvPr>
+          <p:cNvSpPr/>
+          <p:nvPr/>
+        </p:nvSpPr>
+        <p:spPr>
+          <a:xfrm>
+            <a:off x="1403762" y="1510902"/>
+            <a:ext cx="1043705" cy="163038"/>
+          </a:xfrm>
+          <a:prstGeom prst="rect">
+            <a:avLst/>
+          </a:prstGeom>
+          <a:solidFill>
+            <a:srgbClr val="878787"/>
+          </a:solidFill>
+          <a:ln>
+            <a:noFill/>
+          </a:ln>
+        </p:spPr>
+        <p:style>
+          <a:lnRef idx="2">
+            <a:schemeClr val="accent1">
+              <a:shade val="50000"/>
+            </a:schemeClr>
+          </a:lnRef>
+          <a:fillRef idx="1">
+            <a:schemeClr val="accent1"/>
+          </a:fillRef>
+          <a:effectRef idx="0">
+            <a:schemeClr val="accent1"/>
+          </a:effectRef>
+          <a:fontRef idx="minor">
+            <a:schemeClr val="lt1"/>
+          </a:fontRef>
+        </p:style>
+        <p:txBody>
+          <a:bodyPr lIns="144000" tIns="108000" rIns="144000" bIns="144000" rtlCol="0" anchor="t"/>
+          <a:lstStyle/>
+          <a:p>
+            <a:pPr algn="l">
+              <a:spcBef>
+                <a:spcPts val="800"/>
+              </a:spcBef>
+            </a:pPr>
+            <a:endParaRPr lang="de-DE" sz="1600" dirty="0" err="1"/>
+          </a:p>
+        </p:txBody>
+      </p:sp>
+      <p:sp>
+        <p:nvSpPr>
+          <p:cNvPr id="8" name="Rechteck 7">
+            <a:extLst>
+              <a:ext uri="{FF2B5EF4-FFF2-40B4-BE49-F238E27FC236}">
+                <a16:creationId xmlns:a16="http://schemas.microsoft.com/office/drawing/2014/main" id="{11861474-D18B-FB1E-CCD4-976D411B678D}"/>
+              </a:ext>
+            </a:extLst>
+          </p:cNvPr>
+          <p:cNvSpPr/>
+          <p:nvPr/>
+        </p:nvSpPr>
+        <p:spPr>
+          <a:xfrm>
+            <a:off x="3146620" y="1510902"/>
+            <a:ext cx="1043705" cy="163038"/>
+          </a:xfrm>
+          <a:prstGeom prst="rect">
+            <a:avLst/>
+          </a:prstGeom>
+          <a:solidFill>
+            <a:srgbClr val="878787"/>
+          </a:solidFill>
+          <a:ln>
+            <a:noFill/>
+          </a:ln>
+        </p:spPr>
+        <p:style>
+          <a:lnRef idx="2">
+            <a:schemeClr val="accent1">
+              <a:shade val="50000"/>
+            </a:schemeClr>
+          </a:lnRef>
+          <a:fillRef idx="1">
+            <a:schemeClr val="accent1"/>
+          </a:fillRef>
+          <a:effectRef idx="0">
+            <a:schemeClr val="accent1"/>
+          </a:effectRef>
+          <a:fontRef idx="minor">
+            <a:schemeClr val="lt1"/>
+          </a:fontRef>
+        </p:style>
+        <p:txBody>
+          <a:bodyPr lIns="144000" tIns="108000" rIns="144000" bIns="144000" rtlCol="0" anchor="t"/>
+          <a:lstStyle/>
+          <a:p>
+            <a:pPr algn="l">
+              <a:spcBef>
+                <a:spcPts val="800"/>
+              </a:spcBef>
+            </a:pPr>
+            <a:endParaRPr lang="de-DE" sz="1600" dirty="0" err="1"/>
+          </a:p>
+        </p:txBody>
+      </p:sp>
+      <p:sp>
+        <p:nvSpPr>
+          <p:cNvPr id="9" name="Rechteck 8">
+            <a:extLst>
+              <a:ext uri="{FF2B5EF4-FFF2-40B4-BE49-F238E27FC236}">
+                <a16:creationId xmlns:a16="http://schemas.microsoft.com/office/drawing/2014/main" id="{21086981-8198-3DE5-62D7-C81499FA3ADF}"/>
+              </a:ext>
+            </a:extLst>
+          </p:cNvPr>
+          <p:cNvSpPr/>
+          <p:nvPr/>
+        </p:nvSpPr>
+        <p:spPr>
+          <a:xfrm>
+            <a:off x="4720523" y="1510902"/>
+            <a:ext cx="1043705" cy="163038"/>
+          </a:xfrm>
+          <a:prstGeom prst="rect">
+            <a:avLst/>
+          </a:prstGeom>
+          <a:solidFill>
+            <a:srgbClr val="878787"/>
+          </a:solidFill>
+          <a:ln>
+            <a:noFill/>
+          </a:ln>
+        </p:spPr>
+        <p:style>
+          <a:lnRef idx="2">
+            <a:schemeClr val="accent1">
+              <a:shade val="50000"/>
+            </a:schemeClr>
+          </a:lnRef>
+          <a:fillRef idx="1">
+            <a:schemeClr val="accent1"/>
+          </a:fillRef>
+          <a:effectRef idx="0">
+            <a:schemeClr val="accent1"/>
+          </a:effectRef>
+          <a:fontRef idx="minor">
+            <a:schemeClr val="lt1"/>
+          </a:fontRef>
+        </p:style>
+        <p:txBody>
+          <a:bodyPr lIns="144000" tIns="108000" rIns="144000" bIns="144000" rtlCol="0" anchor="t"/>
+          <a:lstStyle/>
+          <a:p>
+            <a:pPr algn="l">
+              <a:spcBef>
+                <a:spcPts val="800"/>
+              </a:spcBef>
+            </a:pPr>
+            <a:endParaRPr lang="de-DE" sz="1600" dirty="0" err="1"/>
+          </a:p>
+        </p:txBody>
+      </p:sp>
+      <p:sp>
+        <p:nvSpPr>
+          <p:cNvPr id="10" name="Rechteck 9">
+            <a:extLst>
+              <a:ext uri="{FF2B5EF4-FFF2-40B4-BE49-F238E27FC236}">
+                <a16:creationId xmlns:a16="http://schemas.microsoft.com/office/drawing/2014/main" id="{3F6261C1-1D5A-E0AB-DB36-FF7274F8A9E3}"/>
+              </a:ext>
+            </a:extLst>
+          </p:cNvPr>
+          <p:cNvSpPr/>
+          <p:nvPr/>
+        </p:nvSpPr>
+        <p:spPr>
+          <a:xfrm>
+            <a:off x="6294426" y="1510902"/>
+            <a:ext cx="1043705" cy="163038"/>
+          </a:xfrm>
+          <a:prstGeom prst="rect">
+            <a:avLst/>
+          </a:prstGeom>
+          <a:solidFill>
+            <a:srgbClr val="878787"/>
+          </a:solidFill>
+          <a:ln>
+            <a:noFill/>
+          </a:ln>
+        </p:spPr>
+        <p:style>
+          <a:lnRef idx="2">
+            <a:schemeClr val="accent1">
+              <a:shade val="50000"/>
+            </a:schemeClr>
+          </a:lnRef>
+          <a:fillRef idx="1">
+            <a:schemeClr val="accent1"/>
+          </a:fillRef>
+          <a:effectRef idx="0">
+            <a:schemeClr val="accent1"/>
+          </a:effectRef>
+          <a:fontRef idx="minor">
+            <a:schemeClr val="lt1"/>
+          </a:fontRef>
+        </p:style>
+        <p:txBody>
+          <a:bodyPr lIns="144000" tIns="108000" rIns="144000" bIns="144000" rtlCol="0" anchor="t"/>
+          <a:lstStyle/>
+          <a:p>
+            <a:pPr algn="l">
+              <a:spcBef>
+                <a:spcPts val="800"/>
+              </a:spcBef>
+            </a:pPr>
+            <a:endParaRPr lang="de-DE" sz="1600" dirty="0" err="1"/>
+          </a:p>
+        </p:txBody>
+      </p:sp>
+      <p:sp>
+        <p:nvSpPr>
+          <p:cNvPr id="11" name="Rechteck 10">
+            <a:extLst>
+              <a:ext uri="{FF2B5EF4-FFF2-40B4-BE49-F238E27FC236}">
+                <a16:creationId xmlns:a16="http://schemas.microsoft.com/office/drawing/2014/main" id="{736C4567-27A0-FDC5-8B34-A6D4DB2402E8}"/>
+              </a:ext>
+            </a:extLst>
+          </p:cNvPr>
+          <p:cNvSpPr/>
+          <p:nvPr/>
+        </p:nvSpPr>
+        <p:spPr>
+          <a:xfrm>
+            <a:off x="7719541" y="1510902"/>
+            <a:ext cx="1043705" cy="163038"/>
+          </a:xfrm>
+          <a:prstGeom prst="rect">
+            <a:avLst/>
+          </a:prstGeom>
+          <a:solidFill>
+            <a:srgbClr val="878787"/>
+          </a:solidFill>
+          <a:ln>
+            <a:noFill/>
+          </a:ln>
+        </p:spPr>
+        <p:style>
+          <a:lnRef idx="2">
+            <a:schemeClr val="accent1">
+              <a:shade val="50000"/>
+            </a:schemeClr>
+          </a:lnRef>
+          <a:fillRef idx="1">
+            <a:schemeClr val="accent1"/>
+          </a:fillRef>
+          <a:effectRef idx="0">
+            <a:schemeClr val="accent1"/>
+          </a:effectRef>
+          <a:fontRef idx="minor">
+            <a:schemeClr val="lt1"/>
+          </a:fontRef>
+        </p:style>
+        <p:txBody>
+          <a:bodyPr lIns="144000" tIns="108000" rIns="144000" bIns="144000" rtlCol="0" anchor="t"/>
+          <a:lstStyle/>
+          <a:p>
+            <a:pPr algn="l">
+              <a:spcBef>
+                <a:spcPts val="800"/>
+              </a:spcBef>
+            </a:pPr>
+            <a:endParaRPr lang="de-DE" sz="1600" dirty="0" err="1"/>
+          </a:p>
+        </p:txBody>
+      </p:sp>
+      <p:sp>
+        <p:nvSpPr>
+          <p:cNvPr id="12" name="Rechteck 11">
+            <a:extLst>
+              <a:ext uri="{FF2B5EF4-FFF2-40B4-BE49-F238E27FC236}">
+                <a16:creationId xmlns:a16="http://schemas.microsoft.com/office/drawing/2014/main" id="{2F885A44-37E2-8E4C-1E5F-9410E1F4C25A}"/>
+              </a:ext>
+            </a:extLst>
+          </p:cNvPr>
+          <p:cNvSpPr/>
+          <p:nvPr/>
+        </p:nvSpPr>
+        <p:spPr>
+          <a:xfrm>
+            <a:off x="9144656" y="1510902"/>
+            <a:ext cx="1043705" cy="163038"/>
+          </a:xfrm>
+          <a:prstGeom prst="rect">
+            <a:avLst/>
+          </a:prstGeom>
+          <a:solidFill>
+            <a:srgbClr val="878787"/>
+          </a:solidFill>
+          <a:ln>
+            <a:noFill/>
+          </a:ln>
+        </p:spPr>
+        <p:style>
+          <a:lnRef idx="2">
+            <a:schemeClr val="accent1">
+              <a:shade val="50000"/>
+            </a:schemeClr>
+          </a:lnRef>
+          <a:fillRef idx="1">
+            <a:schemeClr val="accent1"/>
+          </a:fillRef>
+          <a:effectRef idx="0">
+            <a:schemeClr val="accent1"/>
+          </a:effectRef>
+          <a:fontRef idx="minor">
+            <a:schemeClr val="lt1"/>
+          </a:fontRef>
+        </p:style>
+        <p:txBody>
+          <a:bodyPr lIns="144000" tIns="108000" rIns="144000" bIns="144000" rtlCol="0" anchor="t"/>
+          <a:lstStyle/>
+          <a:p>
+            <a:pPr algn="l">
+              <a:spcBef>
+                <a:spcPts val="800"/>
+              </a:spcBef>
+            </a:pPr>
+            <a:endParaRPr lang="de-DE" sz="1600" dirty="0" err="1"/>
+          </a:p>
+        </p:txBody>
+      </p:sp>
       <p:pic>
         <p:nvPicPr>
-          <p:cNvPr id="7" name="Grafik 6">
+          <p:cNvPr id="14" name="Grafik 13">
             <a:extLst>
               <a:ext uri="{FF2B5EF4-FFF2-40B4-BE49-F238E27FC236}">
-                <a16:creationId xmlns:a16="http://schemas.microsoft.com/office/drawing/2014/main" id="{1216C34C-518A-3B2B-91E8-55FE7639F7E3}"/>
+                <a16:creationId xmlns:a16="http://schemas.microsoft.com/office/drawing/2014/main" id="{5AE5C259-F897-68CA-129B-3B6FB7F8D2E4}"/>
               </a:ext>
             </a:extLst>
           </p:cNvPr>
@@ -11767,8 +12716,8 @@
         </p:blipFill>
         <p:spPr>
           <a:xfrm>
-            <a:off x="2077468" y="4608239"/>
-            <a:ext cx="4213438" cy="584980"/>
+            <a:off x="4019258" y="3181141"/>
+            <a:ext cx="3105583" cy="1581371"/>
           </a:xfrm>
           <a:prstGeom prst="rect">
             <a:avLst/>
@@ -11777,10 +12726,10 @@
       </p:pic>
       <p:pic>
         <p:nvPicPr>
-          <p:cNvPr id="9" name="Grafik 8">
+          <p:cNvPr id="16" name="Grafik 15">
             <a:extLst>
               <a:ext uri="{FF2B5EF4-FFF2-40B4-BE49-F238E27FC236}">
-                <a16:creationId xmlns:a16="http://schemas.microsoft.com/office/drawing/2014/main" id="{FFCDB51F-4D0F-94A2-1CFF-5A8C0ED6593F}"/>
+                <a16:creationId xmlns:a16="http://schemas.microsoft.com/office/drawing/2014/main" id="{45DFEDDC-8D12-4494-E993-FDE8945247E4}"/>
               </a:ext>
             </a:extLst>
           </p:cNvPr>
@@ -11802,9 +12751,137 @@
           </a:stretch>
         </p:blipFill>
         <p:spPr>
+          <a:xfrm rot="10800000">
+            <a:off x="1008531" y="1772747"/>
+            <a:ext cx="3181794" cy="1486107"/>
+          </a:xfrm>
+          <a:prstGeom prst="rect">
+            <a:avLst/>
+          </a:prstGeom>
+        </p:spPr>
+      </p:pic>
+      <p:sp>
+        <p:nvSpPr>
+          <p:cNvPr id="17" name="Rechteck 16">
+            <a:extLst>
+              <a:ext uri="{FF2B5EF4-FFF2-40B4-BE49-F238E27FC236}">
+                <a16:creationId xmlns:a16="http://schemas.microsoft.com/office/drawing/2014/main" id="{405243C3-24D0-EE33-6FC8-1F1B0586C854}"/>
+              </a:ext>
+            </a:extLst>
+          </p:cNvPr>
+          <p:cNvSpPr/>
+          <p:nvPr/>
+        </p:nvSpPr>
+        <p:spPr>
           <a:xfrm>
-            <a:off x="6301274" y="1583903"/>
-            <a:ext cx="3600400" cy="2855054"/>
+            <a:off x="925132" y="3217227"/>
+            <a:ext cx="10002880" cy="45719"/>
+          </a:xfrm>
+          <a:prstGeom prst="rect">
+            <a:avLst/>
+          </a:prstGeom>
+          <a:solidFill>
+            <a:srgbClr val="878787"/>
+          </a:solidFill>
+          <a:ln>
+            <a:noFill/>
+          </a:ln>
+        </p:spPr>
+        <p:style>
+          <a:lnRef idx="2">
+            <a:schemeClr val="accent1">
+              <a:shade val="50000"/>
+            </a:schemeClr>
+          </a:lnRef>
+          <a:fillRef idx="1">
+            <a:schemeClr val="accent1"/>
+          </a:fillRef>
+          <a:effectRef idx="0">
+            <a:schemeClr val="accent1"/>
+          </a:effectRef>
+          <a:fontRef idx="minor">
+            <a:schemeClr val="lt1"/>
+          </a:fontRef>
+        </p:style>
+        <p:txBody>
+          <a:bodyPr lIns="144000" tIns="108000" rIns="144000" bIns="144000" rtlCol="0" anchor="t"/>
+          <a:lstStyle/>
+          <a:p>
+            <a:pPr algn="l">
+              <a:spcBef>
+                <a:spcPts val="800"/>
+              </a:spcBef>
+            </a:pPr>
+            <a:endParaRPr lang="de-DE" sz="1600" dirty="0" err="1"/>
+          </a:p>
+        </p:txBody>
+      </p:sp>
+      <p:pic>
+        <p:nvPicPr>
+          <p:cNvPr id="18" name="Grafik 17">
+            <a:extLst>
+              <a:ext uri="{FF2B5EF4-FFF2-40B4-BE49-F238E27FC236}">
+                <a16:creationId xmlns:a16="http://schemas.microsoft.com/office/drawing/2014/main" id="{B0709E0F-11FC-523A-7EF0-5D5EF03A5CC5}"/>
+              </a:ext>
+            </a:extLst>
+          </p:cNvPr>
+          <p:cNvPicPr>
+            <a:picLocks noChangeAspect="1"/>
+          </p:cNvPicPr>
+          <p:nvPr/>
+        </p:nvPicPr>
+        <p:blipFill>
+          <a:blip r:embed="rId4">
+            <a:extLst>
+              <a:ext uri="{28A0092B-C50C-407E-A947-70E740481C1C}">
+                <a14:useLocalDpi xmlns:a14="http://schemas.microsoft.com/office/drawing/2010/main" val="0"/>
+              </a:ext>
+            </a:extLst>
+          </a:blip>
+          <a:stretch>
+            <a:fillRect/>
+          </a:stretch>
+        </p:blipFill>
+        <p:spPr>
+          <a:xfrm rot="10800000">
+            <a:off x="7719541" y="3276405"/>
+            <a:ext cx="3181794" cy="1486107"/>
+          </a:xfrm>
+          <a:prstGeom prst="rect">
+            <a:avLst/>
+          </a:prstGeom>
+        </p:spPr>
+      </p:pic>
+      <p:pic>
+        <p:nvPicPr>
+          <p:cNvPr id="24" name="Grafik 23">
+            <a:extLst>
+              <a:ext uri="{FF2B5EF4-FFF2-40B4-BE49-F238E27FC236}">
+                <a16:creationId xmlns:a16="http://schemas.microsoft.com/office/drawing/2014/main" id="{4C0C36A6-7B0E-E464-DFC5-B561019C5B1E}"/>
+              </a:ext>
+            </a:extLst>
+          </p:cNvPr>
+          <p:cNvPicPr>
+            <a:picLocks noChangeAspect="1"/>
+          </p:cNvPicPr>
+          <p:nvPr/>
+        </p:nvPicPr>
+        <p:blipFill>
+          <a:blip r:embed="rId5">
+            <a:extLst>
+              <a:ext uri="{28A0092B-C50C-407E-A947-70E740481C1C}">
+                <a14:useLocalDpi xmlns:a14="http://schemas.microsoft.com/office/drawing/2010/main" val="0"/>
+              </a:ext>
+            </a:extLst>
+          </a:blip>
+          <a:stretch>
+            <a:fillRect/>
+          </a:stretch>
+        </p:blipFill>
+        <p:spPr>
+          <a:xfrm>
+            <a:off x="7187965" y="3427919"/>
+            <a:ext cx="513300" cy="520205"/>
           </a:xfrm>
           <a:prstGeom prst="rect">
             <a:avLst/>
@@ -11814,7 +12891,7 @@
     </p:spTree>
     <p:extLst>
       <p:ext uri="{BB962C8B-B14F-4D97-AF65-F5344CB8AC3E}">
-        <p14:creationId xmlns:p14="http://schemas.microsoft.com/office/powerpoint/2010/main" val="1657501777"/>
+        <p14:creationId xmlns:p14="http://schemas.microsoft.com/office/powerpoint/2010/main" val="366581959"/>
       </p:ext>
     </p:extLst>
   </p:cSld>
@@ -11843,10 +12920,122 @@
       </p:grpSpPr>
       <p:sp>
         <p:nvSpPr>
-          <p:cNvPr id="2" name="Titel 1">
+          <p:cNvPr id="3" name="Rechteck 2">
             <a:extLst>
               <a:ext uri="{FF2B5EF4-FFF2-40B4-BE49-F238E27FC236}">
-                <a16:creationId xmlns:a16="http://schemas.microsoft.com/office/drawing/2014/main" id="{CAA964A8-A49A-1CB5-8E34-D645D27EABA8}"/>
+                <a16:creationId xmlns:a16="http://schemas.microsoft.com/office/drawing/2014/main" id="{8A9EB58F-12BC-325D-BD14-21D6FD48A91F}"/>
+              </a:ext>
+            </a:extLst>
+          </p:cNvPr>
+          <p:cNvSpPr/>
+          <p:nvPr/>
+        </p:nvSpPr>
+        <p:spPr>
+          <a:xfrm>
+            <a:off x="1166811" y="1451889"/>
+            <a:ext cx="9731238" cy="3240360"/>
+          </a:xfrm>
+          <a:prstGeom prst="rect">
+            <a:avLst/>
+          </a:prstGeom>
+          <a:solidFill>
+            <a:srgbClr val="6E6E6E"/>
+          </a:solidFill>
+          <a:ln>
+            <a:noFill/>
+          </a:ln>
+        </p:spPr>
+        <p:style>
+          <a:lnRef idx="2">
+            <a:schemeClr val="accent1">
+              <a:shade val="50000"/>
+            </a:schemeClr>
+          </a:lnRef>
+          <a:fillRef idx="1">
+            <a:schemeClr val="accent1"/>
+          </a:fillRef>
+          <a:effectRef idx="0">
+            <a:schemeClr val="accent1"/>
+          </a:effectRef>
+          <a:fontRef idx="minor">
+            <a:schemeClr val="lt1"/>
+          </a:fontRef>
+        </p:style>
+        <p:txBody>
+          <a:bodyPr lIns="144000" tIns="108000" rIns="144000" bIns="144000" rtlCol="0" anchor="t"/>
+          <a:lstStyle/>
+          <a:p>
+            <a:pPr algn="l">
+              <a:spcBef>
+                <a:spcPts val="800"/>
+              </a:spcBef>
+            </a:pPr>
+            <a:endParaRPr lang="de-DE" sz="1600" dirty="0" err="1"/>
+          </a:p>
+        </p:txBody>
+      </p:sp>
+      <p:sp>
+        <p:nvSpPr>
+          <p:cNvPr id="17" name="Rechteck 16">
+            <a:extLst>
+              <a:ext uri="{FF2B5EF4-FFF2-40B4-BE49-F238E27FC236}">
+                <a16:creationId xmlns:a16="http://schemas.microsoft.com/office/drawing/2014/main" id="{405243C3-24D0-EE33-6FC8-1F1B0586C854}"/>
+              </a:ext>
+            </a:extLst>
+          </p:cNvPr>
+          <p:cNvSpPr/>
+          <p:nvPr/>
+        </p:nvSpPr>
+        <p:spPr>
+          <a:xfrm>
+            <a:off x="1171306" y="3158282"/>
+            <a:ext cx="9731238" cy="1533967"/>
+          </a:xfrm>
+          <a:prstGeom prst="rect">
+            <a:avLst/>
+          </a:prstGeom>
+          <a:solidFill>
+            <a:srgbClr val="878787"/>
+          </a:solidFill>
+          <a:ln>
+            <a:noFill/>
+          </a:ln>
+        </p:spPr>
+        <p:style>
+          <a:lnRef idx="2">
+            <a:schemeClr val="accent1">
+              <a:shade val="50000"/>
+            </a:schemeClr>
+          </a:lnRef>
+          <a:fillRef idx="1">
+            <a:schemeClr val="accent1"/>
+          </a:fillRef>
+          <a:effectRef idx="0">
+            <a:schemeClr val="accent1"/>
+          </a:effectRef>
+          <a:fontRef idx="minor">
+            <a:schemeClr val="lt1"/>
+          </a:fontRef>
+        </p:style>
+        <p:txBody>
+          <a:bodyPr lIns="144000" tIns="108000" rIns="144000" bIns="144000" rtlCol="0" anchor="t"/>
+          <a:lstStyle/>
+          <a:p>
+            <a:pPr algn="l">
+              <a:spcBef>
+                <a:spcPts val="800"/>
+              </a:spcBef>
+            </a:pPr>
+            <a:endParaRPr lang="de-DE" sz="1600" dirty="0" err="1"/>
+          </a:p>
+        </p:txBody>
+      </p:sp>
+      <p:sp>
+        <p:nvSpPr>
+          <p:cNvPr id="4" name="Titel 3">
+            <a:extLst>
+              <a:ext uri="{FF2B5EF4-FFF2-40B4-BE49-F238E27FC236}">
+                <a16:creationId xmlns:a16="http://schemas.microsoft.com/office/drawing/2014/main" id="{80750A73-FDEC-4A78-A501-53D5BE0CA08C}"/>
               </a:ext>
             </a:extLst>
           </p:cNvPr>
@@ -11857,21 +13046,30 @@
             <p:ph type="title"/>
           </p:nvPr>
         </p:nvSpPr>
-        <p:spPr/>
+        <p:spPr>
+          <a:xfrm>
+            <a:off x="539750" y="359767"/>
+            <a:ext cx="10440988" cy="361875"/>
+          </a:xfrm>
+        </p:spPr>
         <p:txBody>
           <a:bodyPr/>
           <a:lstStyle/>
           <a:p>
-            <a:endParaRPr lang="de-DE"/>
+            <a:r>
+              <a:rPr lang="en-US" dirty="0" err="1"/>
+              <a:t>TopView</a:t>
+            </a:r>
+            <a:endParaRPr lang="en-US" dirty="0"/>
           </a:p>
         </p:txBody>
       </p:sp>
       <p:sp>
         <p:nvSpPr>
-          <p:cNvPr id="3" name="Fußzeilenplatzhalter 2">
+          <p:cNvPr id="2" name="Fußzeilenplatzhalter 1">
             <a:extLst>
               <a:ext uri="{FF2B5EF4-FFF2-40B4-BE49-F238E27FC236}">
-                <a16:creationId xmlns:a16="http://schemas.microsoft.com/office/drawing/2014/main" id="{7C40782E-0BE3-7636-77AD-DA32DD72223B}"/>
+                <a16:creationId xmlns:a16="http://schemas.microsoft.com/office/drawing/2014/main" id="{7054490E-C206-42A8-A4EE-672A868A9F51}"/>
               </a:ext>
             </a:extLst>
           </p:cNvPr>
@@ -11882,7 +13080,12 @@
             <p:ph type="ftr" sz="quarter" idx="10"/>
           </p:nvPr>
         </p:nvSpPr>
-        <p:spPr/>
+        <p:spPr>
+          <a:xfrm>
+            <a:off x="972123" y="6048375"/>
+            <a:ext cx="4608513" cy="179364"/>
+          </a:xfrm>
+        </p:spPr>
         <p:txBody>
           <a:bodyPr/>
           <a:lstStyle/>
@@ -11897,10 +13100,10 @@
       </p:sp>
       <p:sp>
         <p:nvSpPr>
-          <p:cNvPr id="4" name="Foliennummernplatzhalter 3">
+          <p:cNvPr id="6" name="Foliennummernplatzhalter 5">
             <a:extLst>
               <a:ext uri="{FF2B5EF4-FFF2-40B4-BE49-F238E27FC236}">
-                <a16:creationId xmlns:a16="http://schemas.microsoft.com/office/drawing/2014/main" id="{8B50B627-DE33-81BB-C22A-3350DA979716}"/>
+                <a16:creationId xmlns:a16="http://schemas.microsoft.com/office/drawing/2014/main" id="{34777B78-1BE6-449D-96D3-3FB38AACD2CA}"/>
               </a:ext>
             </a:extLst>
           </p:cNvPr>
@@ -11911,12 +13114,17 @@
             <p:ph type="sldNum" sz="quarter" idx="11"/>
           </p:nvPr>
         </p:nvSpPr>
-        <p:spPr/>
+        <p:spPr>
+          <a:xfrm>
+            <a:off x="539664" y="6048399"/>
+            <a:ext cx="360000" cy="179364"/>
+          </a:xfrm>
+        </p:spPr>
         <p:txBody>
           <a:bodyPr/>
           <a:lstStyle/>
           <a:p>
-            <a:fld id="{DD6C52D8-AF7F-4297-9A35-2617B7FF1801}" type="slidenum">
+            <a:fld id="{C651C7C4-31E4-E340-822E-DEA0EA75A835}" type="slidenum">
               <a:rPr lang="en-US" smtClean="0"/>
               <a:pPr/>
               <a:t>4</a:t>
@@ -11925,10 +13133,1220 @@
           </a:p>
         </p:txBody>
       </p:sp>
+      <p:sp>
+        <p:nvSpPr>
+          <p:cNvPr id="7" name="Rechteck 6">
+            <a:extLst>
+              <a:ext uri="{FF2B5EF4-FFF2-40B4-BE49-F238E27FC236}">
+                <a16:creationId xmlns:a16="http://schemas.microsoft.com/office/drawing/2014/main" id="{D4BD191B-5510-C4E8-9D07-0C578A76F599}"/>
+              </a:ext>
+            </a:extLst>
+          </p:cNvPr>
+          <p:cNvSpPr/>
+          <p:nvPr/>
+        </p:nvSpPr>
+        <p:spPr>
+          <a:xfrm>
+            <a:off x="1403762" y="1510902"/>
+            <a:ext cx="1043705" cy="145009"/>
+          </a:xfrm>
+          <a:prstGeom prst="rect">
+            <a:avLst/>
+          </a:prstGeom>
+          <a:solidFill>
+            <a:srgbClr val="FFC000"/>
+          </a:solidFill>
+          <a:ln>
+            <a:noFill/>
+          </a:ln>
+        </p:spPr>
+        <p:style>
+          <a:lnRef idx="2">
+            <a:schemeClr val="accent1">
+              <a:shade val="50000"/>
+            </a:schemeClr>
+          </a:lnRef>
+          <a:fillRef idx="1">
+            <a:schemeClr val="accent1"/>
+          </a:fillRef>
+          <a:effectRef idx="0">
+            <a:schemeClr val="accent1"/>
+          </a:effectRef>
+          <a:fontRef idx="minor">
+            <a:schemeClr val="lt1"/>
+          </a:fontRef>
+        </p:style>
+        <p:txBody>
+          <a:bodyPr lIns="144000" tIns="108000" rIns="144000" bIns="144000" rtlCol="0" anchor="t"/>
+          <a:lstStyle/>
+          <a:p>
+            <a:pPr algn="l">
+              <a:spcBef>
+                <a:spcPts val="800"/>
+              </a:spcBef>
+            </a:pPr>
+            <a:endParaRPr lang="de-DE" sz="1600" dirty="0" err="1">
+              <a:highlight>
+                <a:srgbClr val="FFFF00"/>
+              </a:highlight>
+            </a:endParaRPr>
+          </a:p>
+        </p:txBody>
+      </p:sp>
+      <p:sp>
+        <p:nvSpPr>
+          <p:cNvPr id="8" name="Rechteck 7">
+            <a:extLst>
+              <a:ext uri="{FF2B5EF4-FFF2-40B4-BE49-F238E27FC236}">
+                <a16:creationId xmlns:a16="http://schemas.microsoft.com/office/drawing/2014/main" id="{11861474-D18B-FB1E-CCD4-976D411B678D}"/>
+              </a:ext>
+            </a:extLst>
+          </p:cNvPr>
+          <p:cNvSpPr/>
+          <p:nvPr/>
+        </p:nvSpPr>
+        <p:spPr>
+          <a:xfrm>
+            <a:off x="3146620" y="1510902"/>
+            <a:ext cx="1043705" cy="145009"/>
+          </a:xfrm>
+          <a:prstGeom prst="rect">
+            <a:avLst/>
+          </a:prstGeom>
+          <a:solidFill>
+            <a:srgbClr val="FFC000"/>
+          </a:solidFill>
+          <a:ln>
+            <a:noFill/>
+          </a:ln>
+        </p:spPr>
+        <p:style>
+          <a:lnRef idx="2">
+            <a:schemeClr val="accent1">
+              <a:shade val="50000"/>
+            </a:schemeClr>
+          </a:lnRef>
+          <a:fillRef idx="1">
+            <a:schemeClr val="accent1"/>
+          </a:fillRef>
+          <a:effectRef idx="0">
+            <a:schemeClr val="accent1"/>
+          </a:effectRef>
+          <a:fontRef idx="minor">
+            <a:schemeClr val="lt1"/>
+          </a:fontRef>
+        </p:style>
+        <p:txBody>
+          <a:bodyPr lIns="144000" tIns="108000" rIns="144000" bIns="144000" rtlCol="0" anchor="t"/>
+          <a:lstStyle/>
+          <a:p>
+            <a:pPr algn="l">
+              <a:spcBef>
+                <a:spcPts val="800"/>
+              </a:spcBef>
+            </a:pPr>
+            <a:endParaRPr lang="de-DE" sz="1600" dirty="0" err="1">
+              <a:highlight>
+                <a:srgbClr val="FFFF00"/>
+              </a:highlight>
+            </a:endParaRPr>
+          </a:p>
+        </p:txBody>
+      </p:sp>
+      <p:sp>
+        <p:nvSpPr>
+          <p:cNvPr id="9" name="Rechteck 8">
+            <a:extLst>
+              <a:ext uri="{FF2B5EF4-FFF2-40B4-BE49-F238E27FC236}">
+                <a16:creationId xmlns:a16="http://schemas.microsoft.com/office/drawing/2014/main" id="{21086981-8198-3DE5-62D7-C81499FA3ADF}"/>
+              </a:ext>
+            </a:extLst>
+          </p:cNvPr>
+          <p:cNvSpPr/>
+          <p:nvPr/>
+        </p:nvSpPr>
+        <p:spPr>
+          <a:xfrm>
+            <a:off x="4720523" y="1510902"/>
+            <a:ext cx="1043705" cy="145009"/>
+          </a:xfrm>
+          <a:prstGeom prst="rect">
+            <a:avLst/>
+          </a:prstGeom>
+          <a:solidFill>
+            <a:srgbClr val="FFC000"/>
+          </a:solidFill>
+          <a:ln>
+            <a:noFill/>
+          </a:ln>
+        </p:spPr>
+        <p:style>
+          <a:lnRef idx="2">
+            <a:schemeClr val="accent1">
+              <a:shade val="50000"/>
+            </a:schemeClr>
+          </a:lnRef>
+          <a:fillRef idx="1">
+            <a:schemeClr val="accent1"/>
+          </a:fillRef>
+          <a:effectRef idx="0">
+            <a:schemeClr val="accent1"/>
+          </a:effectRef>
+          <a:fontRef idx="minor">
+            <a:schemeClr val="lt1"/>
+          </a:fontRef>
+        </p:style>
+        <p:txBody>
+          <a:bodyPr lIns="144000" tIns="108000" rIns="144000" bIns="144000" rtlCol="0" anchor="t"/>
+          <a:lstStyle/>
+          <a:p>
+            <a:pPr algn="l">
+              <a:spcBef>
+                <a:spcPts val="800"/>
+              </a:spcBef>
+            </a:pPr>
+            <a:endParaRPr lang="de-DE" sz="1600" dirty="0" err="1">
+              <a:highlight>
+                <a:srgbClr val="FFFF00"/>
+              </a:highlight>
+            </a:endParaRPr>
+          </a:p>
+        </p:txBody>
+      </p:sp>
+      <p:sp>
+        <p:nvSpPr>
+          <p:cNvPr id="10" name="Rechteck 9">
+            <a:extLst>
+              <a:ext uri="{FF2B5EF4-FFF2-40B4-BE49-F238E27FC236}">
+                <a16:creationId xmlns:a16="http://schemas.microsoft.com/office/drawing/2014/main" id="{3F6261C1-1D5A-E0AB-DB36-FF7274F8A9E3}"/>
+              </a:ext>
+            </a:extLst>
+          </p:cNvPr>
+          <p:cNvSpPr/>
+          <p:nvPr/>
+        </p:nvSpPr>
+        <p:spPr>
+          <a:xfrm>
+            <a:off x="6294426" y="1510902"/>
+            <a:ext cx="1043705" cy="145009"/>
+          </a:xfrm>
+          <a:prstGeom prst="rect">
+            <a:avLst/>
+          </a:prstGeom>
+          <a:solidFill>
+            <a:srgbClr val="FFC000"/>
+          </a:solidFill>
+          <a:ln>
+            <a:noFill/>
+          </a:ln>
+        </p:spPr>
+        <p:style>
+          <a:lnRef idx="2">
+            <a:schemeClr val="accent1">
+              <a:shade val="50000"/>
+            </a:schemeClr>
+          </a:lnRef>
+          <a:fillRef idx="1">
+            <a:schemeClr val="accent1"/>
+          </a:fillRef>
+          <a:effectRef idx="0">
+            <a:schemeClr val="accent1"/>
+          </a:effectRef>
+          <a:fontRef idx="minor">
+            <a:schemeClr val="lt1"/>
+          </a:fontRef>
+        </p:style>
+        <p:txBody>
+          <a:bodyPr lIns="144000" tIns="108000" rIns="144000" bIns="144000" rtlCol="0" anchor="t"/>
+          <a:lstStyle/>
+          <a:p>
+            <a:pPr algn="l">
+              <a:spcBef>
+                <a:spcPts val="800"/>
+              </a:spcBef>
+            </a:pPr>
+            <a:endParaRPr lang="de-DE" sz="1600" dirty="0" err="1">
+              <a:highlight>
+                <a:srgbClr val="FFFF00"/>
+              </a:highlight>
+            </a:endParaRPr>
+          </a:p>
+        </p:txBody>
+      </p:sp>
+      <p:sp>
+        <p:nvSpPr>
+          <p:cNvPr id="11" name="Rechteck 10">
+            <a:extLst>
+              <a:ext uri="{FF2B5EF4-FFF2-40B4-BE49-F238E27FC236}">
+                <a16:creationId xmlns:a16="http://schemas.microsoft.com/office/drawing/2014/main" id="{736C4567-27A0-FDC5-8B34-A6D4DB2402E8}"/>
+              </a:ext>
+            </a:extLst>
+          </p:cNvPr>
+          <p:cNvSpPr/>
+          <p:nvPr/>
+        </p:nvSpPr>
+        <p:spPr>
+          <a:xfrm>
+            <a:off x="7719541" y="1510902"/>
+            <a:ext cx="1043705" cy="145009"/>
+          </a:xfrm>
+          <a:prstGeom prst="rect">
+            <a:avLst/>
+          </a:prstGeom>
+          <a:solidFill>
+            <a:srgbClr val="FFC000"/>
+          </a:solidFill>
+          <a:ln>
+            <a:noFill/>
+          </a:ln>
+        </p:spPr>
+        <p:style>
+          <a:lnRef idx="2">
+            <a:schemeClr val="accent1">
+              <a:shade val="50000"/>
+            </a:schemeClr>
+          </a:lnRef>
+          <a:fillRef idx="1">
+            <a:schemeClr val="accent1"/>
+          </a:fillRef>
+          <a:effectRef idx="0">
+            <a:schemeClr val="accent1"/>
+          </a:effectRef>
+          <a:fontRef idx="minor">
+            <a:schemeClr val="lt1"/>
+          </a:fontRef>
+        </p:style>
+        <p:txBody>
+          <a:bodyPr lIns="144000" tIns="108000" rIns="144000" bIns="144000" rtlCol="0" anchor="t"/>
+          <a:lstStyle/>
+          <a:p>
+            <a:pPr algn="l">
+              <a:spcBef>
+                <a:spcPts val="800"/>
+              </a:spcBef>
+            </a:pPr>
+            <a:endParaRPr lang="de-DE" sz="1600" dirty="0" err="1">
+              <a:highlight>
+                <a:srgbClr val="FFFF00"/>
+              </a:highlight>
+            </a:endParaRPr>
+          </a:p>
+        </p:txBody>
+      </p:sp>
+      <p:sp>
+        <p:nvSpPr>
+          <p:cNvPr id="12" name="Rechteck 11">
+            <a:extLst>
+              <a:ext uri="{FF2B5EF4-FFF2-40B4-BE49-F238E27FC236}">
+                <a16:creationId xmlns:a16="http://schemas.microsoft.com/office/drawing/2014/main" id="{2F885A44-37E2-8E4C-1E5F-9410E1F4C25A}"/>
+              </a:ext>
+            </a:extLst>
+          </p:cNvPr>
+          <p:cNvSpPr/>
+          <p:nvPr/>
+        </p:nvSpPr>
+        <p:spPr>
+          <a:xfrm>
+            <a:off x="9144656" y="1510902"/>
+            <a:ext cx="1043705" cy="145009"/>
+          </a:xfrm>
+          <a:prstGeom prst="rect">
+            <a:avLst/>
+          </a:prstGeom>
+          <a:solidFill>
+            <a:srgbClr val="FFC000"/>
+          </a:solidFill>
+          <a:ln>
+            <a:noFill/>
+          </a:ln>
+        </p:spPr>
+        <p:style>
+          <a:lnRef idx="2">
+            <a:schemeClr val="accent1">
+              <a:shade val="50000"/>
+            </a:schemeClr>
+          </a:lnRef>
+          <a:fillRef idx="1">
+            <a:schemeClr val="accent1"/>
+          </a:fillRef>
+          <a:effectRef idx="0">
+            <a:schemeClr val="accent1"/>
+          </a:effectRef>
+          <a:fontRef idx="minor">
+            <a:schemeClr val="lt1"/>
+          </a:fontRef>
+        </p:style>
+        <p:txBody>
+          <a:bodyPr lIns="144000" tIns="108000" rIns="144000" bIns="144000" rtlCol="0" anchor="t"/>
+          <a:lstStyle/>
+          <a:p>
+            <a:pPr algn="l">
+              <a:spcBef>
+                <a:spcPts val="800"/>
+              </a:spcBef>
+            </a:pPr>
+            <a:endParaRPr lang="de-DE" sz="1600" dirty="0" err="1">
+              <a:highlight>
+                <a:srgbClr val="FFFF00"/>
+              </a:highlight>
+            </a:endParaRPr>
+          </a:p>
+        </p:txBody>
+      </p:sp>
+      <p:pic>
+        <p:nvPicPr>
+          <p:cNvPr id="14" name="Grafik 13">
+            <a:extLst>
+              <a:ext uri="{FF2B5EF4-FFF2-40B4-BE49-F238E27FC236}">
+                <a16:creationId xmlns:a16="http://schemas.microsoft.com/office/drawing/2014/main" id="{5AE5C259-F897-68CA-129B-3B6FB7F8D2E4}"/>
+              </a:ext>
+            </a:extLst>
+          </p:cNvPr>
+          <p:cNvPicPr>
+            <a:picLocks noChangeAspect="1"/>
+          </p:cNvPicPr>
+          <p:nvPr/>
+        </p:nvPicPr>
+        <p:blipFill>
+          <a:blip r:embed="rId3">
+            <a:extLst>
+              <a:ext uri="{28A0092B-C50C-407E-A947-70E740481C1C}">
+                <a14:useLocalDpi xmlns:a14="http://schemas.microsoft.com/office/drawing/2010/main" val="0"/>
+              </a:ext>
+            </a:extLst>
+          </a:blip>
+          <a:stretch>
+            <a:fillRect/>
+          </a:stretch>
+        </p:blipFill>
+        <p:spPr>
+          <a:xfrm>
+            <a:off x="4019258" y="3181141"/>
+            <a:ext cx="3105583" cy="1581371"/>
+          </a:xfrm>
+          <a:prstGeom prst="rect">
+            <a:avLst/>
+          </a:prstGeom>
+        </p:spPr>
+      </p:pic>
+      <p:pic>
+        <p:nvPicPr>
+          <p:cNvPr id="16" name="Grafik 15">
+            <a:extLst>
+              <a:ext uri="{FF2B5EF4-FFF2-40B4-BE49-F238E27FC236}">
+                <a16:creationId xmlns:a16="http://schemas.microsoft.com/office/drawing/2014/main" id="{45DFEDDC-8D12-4494-E993-FDE8945247E4}"/>
+              </a:ext>
+            </a:extLst>
+          </p:cNvPr>
+          <p:cNvPicPr>
+            <a:picLocks noChangeAspect="1"/>
+          </p:cNvPicPr>
+          <p:nvPr/>
+        </p:nvPicPr>
+        <p:blipFill>
+          <a:blip r:embed="rId4">
+            <a:extLst>
+              <a:ext uri="{28A0092B-C50C-407E-A947-70E740481C1C}">
+                <a14:useLocalDpi xmlns:a14="http://schemas.microsoft.com/office/drawing/2010/main" val="0"/>
+              </a:ext>
+            </a:extLst>
+          </a:blip>
+          <a:stretch>
+            <a:fillRect/>
+          </a:stretch>
+        </p:blipFill>
+        <p:spPr>
+          <a:xfrm rot="10800000">
+            <a:off x="1051304" y="1681972"/>
+            <a:ext cx="3181794" cy="1486107"/>
+          </a:xfrm>
+          <a:prstGeom prst="rect">
+            <a:avLst/>
+          </a:prstGeom>
+        </p:spPr>
+      </p:pic>
+      <p:pic>
+        <p:nvPicPr>
+          <p:cNvPr id="15" name="Grafik 14">
+            <a:extLst>
+              <a:ext uri="{FF2B5EF4-FFF2-40B4-BE49-F238E27FC236}">
+                <a16:creationId xmlns:a16="http://schemas.microsoft.com/office/drawing/2014/main" id="{BF59CDC6-3391-5801-F029-2C657A114D96}"/>
+              </a:ext>
+            </a:extLst>
+          </p:cNvPr>
+          <p:cNvPicPr>
+            <a:picLocks noChangeAspect="1"/>
+          </p:cNvPicPr>
+          <p:nvPr/>
+        </p:nvPicPr>
+        <p:blipFill>
+          <a:blip r:embed="rId5">
+            <a:extLst>
+              <a:ext uri="{28A0092B-C50C-407E-A947-70E740481C1C}">
+                <a14:useLocalDpi xmlns:a14="http://schemas.microsoft.com/office/drawing/2010/main" val="0"/>
+              </a:ext>
+            </a:extLst>
+          </a:blip>
+          <a:stretch>
+            <a:fillRect/>
+          </a:stretch>
+        </p:blipFill>
+        <p:spPr>
+          <a:xfrm flipH="1">
+            <a:off x="2196740" y="2180712"/>
+            <a:ext cx="501454" cy="440936"/>
+          </a:xfrm>
+          <a:prstGeom prst="rect">
+            <a:avLst/>
+          </a:prstGeom>
+        </p:spPr>
+      </p:pic>
+      <p:sp>
+        <p:nvSpPr>
+          <p:cNvPr id="19" name="Explosion: 14 Zacken 18">
+            <a:extLst>
+              <a:ext uri="{FF2B5EF4-FFF2-40B4-BE49-F238E27FC236}">
+                <a16:creationId xmlns:a16="http://schemas.microsoft.com/office/drawing/2014/main" id="{8E9B3BEB-3B78-883C-6359-1200D29B4707}"/>
+              </a:ext>
+            </a:extLst>
+          </p:cNvPr>
+          <p:cNvSpPr/>
+          <p:nvPr/>
+        </p:nvSpPr>
+        <p:spPr>
+          <a:xfrm rot="3327987">
+            <a:off x="6586407" y="3228523"/>
+            <a:ext cx="373336" cy="328045"/>
+          </a:xfrm>
+          <a:prstGeom prst="irregularSeal2">
+            <a:avLst/>
+          </a:prstGeom>
+          <a:solidFill>
+            <a:srgbClr val="F7C443"/>
+          </a:solidFill>
+          <a:ln>
+            <a:noFill/>
+          </a:ln>
+        </p:spPr>
+        <p:style>
+          <a:lnRef idx="2">
+            <a:schemeClr val="accent1">
+              <a:shade val="50000"/>
+            </a:schemeClr>
+          </a:lnRef>
+          <a:fillRef idx="1">
+            <a:schemeClr val="accent1"/>
+          </a:fillRef>
+          <a:effectRef idx="0">
+            <a:schemeClr val="accent1"/>
+          </a:effectRef>
+          <a:fontRef idx="minor">
+            <a:schemeClr val="lt1"/>
+          </a:fontRef>
+        </p:style>
+        <p:txBody>
+          <a:bodyPr lIns="144000" tIns="108000" rIns="144000" bIns="144000" rtlCol="0" anchor="t"/>
+          <a:lstStyle/>
+          <a:p>
+            <a:pPr algn="l">
+              <a:spcBef>
+                <a:spcPts val="800"/>
+              </a:spcBef>
+            </a:pPr>
+            <a:endParaRPr lang="de-DE" sz="1600" dirty="0" err="1"/>
+          </a:p>
+        </p:txBody>
+      </p:sp>
+      <p:grpSp>
+        <p:nvGrpSpPr>
+          <p:cNvPr id="29" name="Gruppieren 28">
+            <a:extLst>
+              <a:ext uri="{FF2B5EF4-FFF2-40B4-BE49-F238E27FC236}">
+                <a16:creationId xmlns:a16="http://schemas.microsoft.com/office/drawing/2014/main" id="{73EA6570-214D-B7D4-29D0-DC3C570AED77}"/>
+              </a:ext>
+            </a:extLst>
+          </p:cNvPr>
+          <p:cNvGrpSpPr/>
+          <p:nvPr/>
+        </p:nvGrpSpPr>
+        <p:grpSpPr>
+          <a:xfrm>
+            <a:off x="7220349" y="3221597"/>
+            <a:ext cx="468917" cy="767700"/>
+            <a:chOff x="5827757" y="2087959"/>
+            <a:chExt cx="468917" cy="767700"/>
+          </a:xfrm>
+        </p:grpSpPr>
+        <p:cxnSp>
+          <p:nvCxnSpPr>
+            <p:cNvPr id="21" name="Gerader Verbinder 20">
+              <a:extLst>
+                <a:ext uri="{FF2B5EF4-FFF2-40B4-BE49-F238E27FC236}">
+                  <a16:creationId xmlns:a16="http://schemas.microsoft.com/office/drawing/2014/main" id="{9578D2DD-C31A-B9A1-AE18-9B15C4D98F09}"/>
+                </a:ext>
+              </a:extLst>
+            </p:cNvPr>
+            <p:cNvCxnSpPr/>
+            <p:nvPr/>
+          </p:nvCxnSpPr>
+          <p:spPr>
+            <a:xfrm flipV="1">
+              <a:off x="5832252" y="2087959"/>
+              <a:ext cx="462174" cy="216024"/>
+            </a:xfrm>
+            <a:prstGeom prst="line">
+              <a:avLst/>
+            </a:prstGeom>
+            <a:ln w="28575">
+              <a:solidFill>
+                <a:srgbClr val="FF0000">
+                  <a:alpha val="69804"/>
+                </a:srgbClr>
+              </a:solidFill>
+            </a:ln>
+          </p:spPr>
+          <p:style>
+            <a:lnRef idx="1">
+              <a:schemeClr val="accent1"/>
+            </a:lnRef>
+            <a:fillRef idx="0">
+              <a:schemeClr val="accent1"/>
+            </a:fillRef>
+            <a:effectRef idx="0">
+              <a:schemeClr val="accent1"/>
+            </a:effectRef>
+            <a:fontRef idx="minor">
+              <a:schemeClr val="tx1"/>
+            </a:fontRef>
+          </p:style>
+        </p:cxnSp>
+        <p:cxnSp>
+          <p:nvCxnSpPr>
+            <p:cNvPr id="22" name="Gerader Verbinder 21">
+              <a:extLst>
+                <a:ext uri="{FF2B5EF4-FFF2-40B4-BE49-F238E27FC236}">
+                  <a16:creationId xmlns:a16="http://schemas.microsoft.com/office/drawing/2014/main" id="{31BBC521-9194-C793-A8C5-C720B6962F11}"/>
+                </a:ext>
+              </a:extLst>
+            </p:cNvPr>
+            <p:cNvCxnSpPr/>
+            <p:nvPr/>
+          </p:nvCxnSpPr>
+          <p:spPr>
+            <a:xfrm flipV="1">
+              <a:off x="5832252" y="2189295"/>
+              <a:ext cx="462174" cy="216024"/>
+            </a:xfrm>
+            <a:prstGeom prst="line">
+              <a:avLst/>
+            </a:prstGeom>
+            <a:ln w="28575">
+              <a:solidFill>
+                <a:srgbClr val="FF0000">
+                  <a:alpha val="69804"/>
+                </a:srgbClr>
+              </a:solidFill>
+            </a:ln>
+          </p:spPr>
+          <p:style>
+            <a:lnRef idx="1">
+              <a:schemeClr val="accent1"/>
+            </a:lnRef>
+            <a:fillRef idx="0">
+              <a:schemeClr val="accent1"/>
+            </a:fillRef>
+            <a:effectRef idx="0">
+              <a:schemeClr val="accent1"/>
+            </a:effectRef>
+            <a:fontRef idx="minor">
+              <a:schemeClr val="tx1"/>
+            </a:fontRef>
+          </p:style>
+        </p:cxnSp>
+        <p:cxnSp>
+          <p:nvCxnSpPr>
+            <p:cNvPr id="23" name="Gerader Verbinder 22">
+              <a:extLst>
+                <a:ext uri="{FF2B5EF4-FFF2-40B4-BE49-F238E27FC236}">
+                  <a16:creationId xmlns:a16="http://schemas.microsoft.com/office/drawing/2014/main" id="{3B37284F-43A2-3507-1E5C-0EBC4A6D592D}"/>
+                </a:ext>
+              </a:extLst>
+            </p:cNvPr>
+            <p:cNvCxnSpPr/>
+            <p:nvPr/>
+          </p:nvCxnSpPr>
+          <p:spPr>
+            <a:xfrm flipV="1">
+              <a:off x="5827757" y="2299777"/>
+              <a:ext cx="462174" cy="216024"/>
+            </a:xfrm>
+            <a:prstGeom prst="line">
+              <a:avLst/>
+            </a:prstGeom>
+            <a:ln w="28575">
+              <a:solidFill>
+                <a:srgbClr val="FF0000">
+                  <a:alpha val="69804"/>
+                </a:srgbClr>
+              </a:solidFill>
+            </a:ln>
+          </p:spPr>
+          <p:style>
+            <a:lnRef idx="1">
+              <a:schemeClr val="accent1"/>
+            </a:lnRef>
+            <a:fillRef idx="0">
+              <a:schemeClr val="accent1"/>
+            </a:fillRef>
+            <a:effectRef idx="0">
+              <a:schemeClr val="accent1"/>
+            </a:effectRef>
+            <a:fontRef idx="minor">
+              <a:schemeClr val="tx1"/>
+            </a:fontRef>
+          </p:style>
+        </p:cxnSp>
+        <p:cxnSp>
+          <p:nvCxnSpPr>
+            <p:cNvPr id="24" name="Gerader Verbinder 23">
+              <a:extLst>
+                <a:ext uri="{FF2B5EF4-FFF2-40B4-BE49-F238E27FC236}">
+                  <a16:creationId xmlns:a16="http://schemas.microsoft.com/office/drawing/2014/main" id="{A1C04EAD-5004-A57F-24DD-B64D748DB944}"/>
+                </a:ext>
+              </a:extLst>
+            </p:cNvPr>
+            <p:cNvCxnSpPr/>
+            <p:nvPr/>
+          </p:nvCxnSpPr>
+          <p:spPr>
+            <a:xfrm flipV="1">
+              <a:off x="5834500" y="2414465"/>
+              <a:ext cx="462174" cy="216024"/>
+            </a:xfrm>
+            <a:prstGeom prst="line">
+              <a:avLst/>
+            </a:prstGeom>
+            <a:ln w="28575">
+              <a:solidFill>
+                <a:srgbClr val="FF0000">
+                  <a:alpha val="69804"/>
+                </a:srgbClr>
+              </a:solidFill>
+            </a:ln>
+          </p:spPr>
+          <p:style>
+            <a:lnRef idx="1">
+              <a:schemeClr val="accent1"/>
+            </a:lnRef>
+            <a:fillRef idx="0">
+              <a:schemeClr val="accent1"/>
+            </a:fillRef>
+            <a:effectRef idx="0">
+              <a:schemeClr val="accent1"/>
+            </a:effectRef>
+            <a:fontRef idx="minor">
+              <a:schemeClr val="tx1"/>
+            </a:fontRef>
+          </p:style>
+        </p:cxnSp>
+        <p:cxnSp>
+          <p:nvCxnSpPr>
+            <p:cNvPr id="25" name="Gerader Verbinder 24">
+              <a:extLst>
+                <a:ext uri="{FF2B5EF4-FFF2-40B4-BE49-F238E27FC236}">
+                  <a16:creationId xmlns:a16="http://schemas.microsoft.com/office/drawing/2014/main" id="{C03D7EEE-8A1A-E4AE-A5AF-4F8EE0FFD466}"/>
+                </a:ext>
+              </a:extLst>
+            </p:cNvPr>
+            <p:cNvCxnSpPr/>
+            <p:nvPr/>
+          </p:nvCxnSpPr>
+          <p:spPr>
+            <a:xfrm flipV="1">
+              <a:off x="5831732" y="2531664"/>
+              <a:ext cx="462174" cy="216024"/>
+            </a:xfrm>
+            <a:prstGeom prst="line">
+              <a:avLst/>
+            </a:prstGeom>
+            <a:ln w="28575">
+              <a:solidFill>
+                <a:srgbClr val="FF0000">
+                  <a:alpha val="69804"/>
+                </a:srgbClr>
+              </a:solidFill>
+            </a:ln>
+          </p:spPr>
+          <p:style>
+            <a:lnRef idx="1">
+              <a:schemeClr val="accent1"/>
+            </a:lnRef>
+            <a:fillRef idx="0">
+              <a:schemeClr val="accent1"/>
+            </a:fillRef>
+            <a:effectRef idx="0">
+              <a:schemeClr val="accent1"/>
+            </a:effectRef>
+            <a:fontRef idx="minor">
+              <a:schemeClr val="tx1"/>
+            </a:fontRef>
+          </p:style>
+        </p:cxnSp>
+        <p:cxnSp>
+          <p:nvCxnSpPr>
+            <p:cNvPr id="26" name="Gerader Verbinder 25">
+              <a:extLst>
+                <a:ext uri="{FF2B5EF4-FFF2-40B4-BE49-F238E27FC236}">
+                  <a16:creationId xmlns:a16="http://schemas.microsoft.com/office/drawing/2014/main" id="{6C8BA167-12E3-92EF-4664-EB39722832DE}"/>
+                </a:ext>
+              </a:extLst>
+            </p:cNvPr>
+            <p:cNvCxnSpPr/>
+            <p:nvPr/>
+          </p:nvCxnSpPr>
+          <p:spPr>
+            <a:xfrm flipV="1">
+              <a:off x="5834500" y="2639635"/>
+              <a:ext cx="462174" cy="216024"/>
+            </a:xfrm>
+            <a:prstGeom prst="line">
+              <a:avLst/>
+            </a:prstGeom>
+            <a:ln w="28575">
+              <a:solidFill>
+                <a:srgbClr val="FF0000">
+                  <a:alpha val="69804"/>
+                </a:srgbClr>
+              </a:solidFill>
+            </a:ln>
+          </p:spPr>
+          <p:style>
+            <a:lnRef idx="1">
+              <a:schemeClr val="accent1"/>
+            </a:lnRef>
+            <a:fillRef idx="0">
+              <a:schemeClr val="accent1"/>
+            </a:fillRef>
+            <a:effectRef idx="0">
+              <a:schemeClr val="accent1"/>
+            </a:effectRef>
+            <a:fontRef idx="minor">
+              <a:schemeClr val="tx1"/>
+            </a:fontRef>
+          </p:style>
+        </p:cxnSp>
+      </p:grpSp>
+      <p:sp>
+        <p:nvSpPr>
+          <p:cNvPr id="20" name="Explosion: 14 Zacken 19">
+            <a:extLst>
+              <a:ext uri="{FF2B5EF4-FFF2-40B4-BE49-F238E27FC236}">
+                <a16:creationId xmlns:a16="http://schemas.microsoft.com/office/drawing/2014/main" id="{9DCE84C7-CB17-8DAC-1931-CE72FE658063}"/>
+              </a:ext>
+            </a:extLst>
+          </p:cNvPr>
+          <p:cNvSpPr/>
+          <p:nvPr/>
+        </p:nvSpPr>
+        <p:spPr>
+          <a:xfrm>
+            <a:off x="4059070" y="3263896"/>
+            <a:ext cx="373336" cy="328045"/>
+          </a:xfrm>
+          <a:prstGeom prst="irregularSeal2">
+            <a:avLst/>
+          </a:prstGeom>
+          <a:solidFill>
+            <a:srgbClr val="F7C443"/>
+          </a:solidFill>
+          <a:ln>
+            <a:noFill/>
+          </a:ln>
+        </p:spPr>
+        <p:style>
+          <a:lnRef idx="2">
+            <a:schemeClr val="accent1">
+              <a:shade val="50000"/>
+            </a:schemeClr>
+          </a:lnRef>
+          <a:fillRef idx="1">
+            <a:schemeClr val="accent1"/>
+          </a:fillRef>
+          <a:effectRef idx="0">
+            <a:schemeClr val="accent1"/>
+          </a:effectRef>
+          <a:fontRef idx="minor">
+            <a:schemeClr val="lt1"/>
+          </a:fontRef>
+        </p:style>
+        <p:txBody>
+          <a:bodyPr lIns="144000" tIns="108000" rIns="144000" bIns="144000" rtlCol="0" anchor="t"/>
+          <a:lstStyle/>
+          <a:p>
+            <a:pPr algn="l">
+              <a:spcBef>
+                <a:spcPts val="800"/>
+              </a:spcBef>
+            </a:pPr>
+            <a:endParaRPr lang="de-DE" sz="1600" dirty="0" err="1"/>
+          </a:p>
+        </p:txBody>
+      </p:sp>
+      <p:grpSp>
+        <p:nvGrpSpPr>
+          <p:cNvPr id="31" name="Gruppieren 30">
+            <a:extLst>
+              <a:ext uri="{FF2B5EF4-FFF2-40B4-BE49-F238E27FC236}">
+                <a16:creationId xmlns:a16="http://schemas.microsoft.com/office/drawing/2014/main" id="{6B9F5D41-26B2-47AE-86A1-8BB44AF8FB2A}"/>
+              </a:ext>
+            </a:extLst>
+          </p:cNvPr>
+          <p:cNvGrpSpPr/>
+          <p:nvPr/>
+        </p:nvGrpSpPr>
+        <p:grpSpPr>
+          <a:xfrm>
+            <a:off x="7236417" y="3874699"/>
+            <a:ext cx="468917" cy="767700"/>
+            <a:chOff x="5827757" y="2087959"/>
+            <a:chExt cx="468917" cy="767700"/>
+          </a:xfrm>
+        </p:grpSpPr>
+        <p:cxnSp>
+          <p:nvCxnSpPr>
+            <p:cNvPr id="32" name="Gerader Verbinder 31">
+              <a:extLst>
+                <a:ext uri="{FF2B5EF4-FFF2-40B4-BE49-F238E27FC236}">
+                  <a16:creationId xmlns:a16="http://schemas.microsoft.com/office/drawing/2014/main" id="{68A1323D-5434-422D-5537-BCEA84F023B1}"/>
+                </a:ext>
+              </a:extLst>
+            </p:cNvPr>
+            <p:cNvCxnSpPr/>
+            <p:nvPr/>
+          </p:nvCxnSpPr>
+          <p:spPr>
+            <a:xfrm flipV="1">
+              <a:off x="5832252" y="2087959"/>
+              <a:ext cx="462174" cy="216024"/>
+            </a:xfrm>
+            <a:prstGeom prst="line">
+              <a:avLst/>
+            </a:prstGeom>
+            <a:ln w="28575">
+              <a:solidFill>
+                <a:srgbClr val="FF0000">
+                  <a:alpha val="69804"/>
+                </a:srgbClr>
+              </a:solidFill>
+            </a:ln>
+          </p:spPr>
+          <p:style>
+            <a:lnRef idx="1">
+              <a:schemeClr val="accent1"/>
+            </a:lnRef>
+            <a:fillRef idx="0">
+              <a:schemeClr val="accent1"/>
+            </a:fillRef>
+            <a:effectRef idx="0">
+              <a:schemeClr val="accent1"/>
+            </a:effectRef>
+            <a:fontRef idx="minor">
+              <a:schemeClr val="tx1"/>
+            </a:fontRef>
+          </p:style>
+        </p:cxnSp>
+        <p:cxnSp>
+          <p:nvCxnSpPr>
+            <p:cNvPr id="33" name="Gerader Verbinder 32">
+              <a:extLst>
+                <a:ext uri="{FF2B5EF4-FFF2-40B4-BE49-F238E27FC236}">
+                  <a16:creationId xmlns:a16="http://schemas.microsoft.com/office/drawing/2014/main" id="{57BCDDA0-7226-F0D0-FB17-A81C7773C568}"/>
+                </a:ext>
+              </a:extLst>
+            </p:cNvPr>
+            <p:cNvCxnSpPr/>
+            <p:nvPr/>
+          </p:nvCxnSpPr>
+          <p:spPr>
+            <a:xfrm flipV="1">
+              <a:off x="5832252" y="2189295"/>
+              <a:ext cx="462174" cy="216024"/>
+            </a:xfrm>
+            <a:prstGeom prst="line">
+              <a:avLst/>
+            </a:prstGeom>
+            <a:ln w="28575">
+              <a:solidFill>
+                <a:srgbClr val="FF0000">
+                  <a:alpha val="69804"/>
+                </a:srgbClr>
+              </a:solidFill>
+            </a:ln>
+          </p:spPr>
+          <p:style>
+            <a:lnRef idx="1">
+              <a:schemeClr val="accent1"/>
+            </a:lnRef>
+            <a:fillRef idx="0">
+              <a:schemeClr val="accent1"/>
+            </a:fillRef>
+            <a:effectRef idx="0">
+              <a:schemeClr val="accent1"/>
+            </a:effectRef>
+            <a:fontRef idx="minor">
+              <a:schemeClr val="tx1"/>
+            </a:fontRef>
+          </p:style>
+        </p:cxnSp>
+        <p:cxnSp>
+          <p:nvCxnSpPr>
+            <p:cNvPr id="34" name="Gerader Verbinder 33">
+              <a:extLst>
+                <a:ext uri="{FF2B5EF4-FFF2-40B4-BE49-F238E27FC236}">
+                  <a16:creationId xmlns:a16="http://schemas.microsoft.com/office/drawing/2014/main" id="{D97D4AB9-312A-1B5F-42FC-69B14D29F6FF}"/>
+                </a:ext>
+              </a:extLst>
+            </p:cNvPr>
+            <p:cNvCxnSpPr/>
+            <p:nvPr/>
+          </p:nvCxnSpPr>
+          <p:spPr>
+            <a:xfrm flipV="1">
+              <a:off x="5827757" y="2299777"/>
+              <a:ext cx="462174" cy="216024"/>
+            </a:xfrm>
+            <a:prstGeom prst="line">
+              <a:avLst/>
+            </a:prstGeom>
+            <a:ln w="28575">
+              <a:solidFill>
+                <a:srgbClr val="FF0000">
+                  <a:alpha val="69804"/>
+                </a:srgbClr>
+              </a:solidFill>
+            </a:ln>
+          </p:spPr>
+          <p:style>
+            <a:lnRef idx="1">
+              <a:schemeClr val="accent1"/>
+            </a:lnRef>
+            <a:fillRef idx="0">
+              <a:schemeClr val="accent1"/>
+            </a:fillRef>
+            <a:effectRef idx="0">
+              <a:schemeClr val="accent1"/>
+            </a:effectRef>
+            <a:fontRef idx="minor">
+              <a:schemeClr val="tx1"/>
+            </a:fontRef>
+          </p:style>
+        </p:cxnSp>
+        <p:cxnSp>
+          <p:nvCxnSpPr>
+            <p:cNvPr id="35" name="Gerader Verbinder 34">
+              <a:extLst>
+                <a:ext uri="{FF2B5EF4-FFF2-40B4-BE49-F238E27FC236}">
+                  <a16:creationId xmlns:a16="http://schemas.microsoft.com/office/drawing/2014/main" id="{FD088C3B-CBDA-0DC1-5C92-AE8CDA1431DB}"/>
+                </a:ext>
+              </a:extLst>
+            </p:cNvPr>
+            <p:cNvCxnSpPr/>
+            <p:nvPr/>
+          </p:nvCxnSpPr>
+          <p:spPr>
+            <a:xfrm flipV="1">
+              <a:off x="5834500" y="2414465"/>
+              <a:ext cx="462174" cy="216024"/>
+            </a:xfrm>
+            <a:prstGeom prst="line">
+              <a:avLst/>
+            </a:prstGeom>
+            <a:ln w="28575">
+              <a:solidFill>
+                <a:srgbClr val="FF0000">
+                  <a:alpha val="69804"/>
+                </a:srgbClr>
+              </a:solidFill>
+            </a:ln>
+          </p:spPr>
+          <p:style>
+            <a:lnRef idx="1">
+              <a:schemeClr val="accent1"/>
+            </a:lnRef>
+            <a:fillRef idx="0">
+              <a:schemeClr val="accent1"/>
+            </a:fillRef>
+            <a:effectRef idx="0">
+              <a:schemeClr val="accent1"/>
+            </a:effectRef>
+            <a:fontRef idx="minor">
+              <a:schemeClr val="tx1"/>
+            </a:fontRef>
+          </p:style>
+        </p:cxnSp>
+        <p:cxnSp>
+          <p:nvCxnSpPr>
+            <p:cNvPr id="36" name="Gerader Verbinder 35">
+              <a:extLst>
+                <a:ext uri="{FF2B5EF4-FFF2-40B4-BE49-F238E27FC236}">
+                  <a16:creationId xmlns:a16="http://schemas.microsoft.com/office/drawing/2014/main" id="{58782A1F-EA05-6757-8767-9A8F3B26A8DF}"/>
+                </a:ext>
+              </a:extLst>
+            </p:cNvPr>
+            <p:cNvCxnSpPr/>
+            <p:nvPr/>
+          </p:nvCxnSpPr>
+          <p:spPr>
+            <a:xfrm flipV="1">
+              <a:off x="5831732" y="2531664"/>
+              <a:ext cx="462174" cy="216024"/>
+            </a:xfrm>
+            <a:prstGeom prst="line">
+              <a:avLst/>
+            </a:prstGeom>
+            <a:ln w="28575">
+              <a:solidFill>
+                <a:srgbClr val="FF0000">
+                  <a:alpha val="69804"/>
+                </a:srgbClr>
+              </a:solidFill>
+            </a:ln>
+          </p:spPr>
+          <p:style>
+            <a:lnRef idx="1">
+              <a:schemeClr val="accent1"/>
+            </a:lnRef>
+            <a:fillRef idx="0">
+              <a:schemeClr val="accent1"/>
+            </a:fillRef>
+            <a:effectRef idx="0">
+              <a:schemeClr val="accent1"/>
+            </a:effectRef>
+            <a:fontRef idx="minor">
+              <a:schemeClr val="tx1"/>
+            </a:fontRef>
+          </p:style>
+        </p:cxnSp>
+        <p:cxnSp>
+          <p:nvCxnSpPr>
+            <p:cNvPr id="37" name="Gerader Verbinder 36">
+              <a:extLst>
+                <a:ext uri="{FF2B5EF4-FFF2-40B4-BE49-F238E27FC236}">
+                  <a16:creationId xmlns:a16="http://schemas.microsoft.com/office/drawing/2014/main" id="{38A3E31A-7EF8-AF71-FB5C-591FD9EB525B}"/>
+                </a:ext>
+              </a:extLst>
+            </p:cNvPr>
+            <p:cNvCxnSpPr/>
+            <p:nvPr/>
+          </p:nvCxnSpPr>
+          <p:spPr>
+            <a:xfrm flipV="1">
+              <a:off x="5834500" y="2639635"/>
+              <a:ext cx="462174" cy="216024"/>
+            </a:xfrm>
+            <a:prstGeom prst="line">
+              <a:avLst/>
+            </a:prstGeom>
+            <a:ln w="28575">
+              <a:solidFill>
+                <a:srgbClr val="FF0000">
+                  <a:alpha val="69804"/>
+                </a:srgbClr>
+              </a:solidFill>
+            </a:ln>
+          </p:spPr>
+          <p:style>
+            <a:lnRef idx="1">
+              <a:schemeClr val="accent1"/>
+            </a:lnRef>
+            <a:fillRef idx="0">
+              <a:schemeClr val="accent1"/>
+            </a:fillRef>
+            <a:effectRef idx="0">
+              <a:schemeClr val="accent1"/>
+            </a:effectRef>
+            <a:fontRef idx="minor">
+              <a:schemeClr val="tx1"/>
+            </a:fontRef>
+          </p:style>
+        </p:cxnSp>
+      </p:grpSp>
+      <p:pic>
+        <p:nvPicPr>
+          <p:cNvPr id="38" name="Grafik 37">
+            <a:extLst>
+              <a:ext uri="{FF2B5EF4-FFF2-40B4-BE49-F238E27FC236}">
+                <a16:creationId xmlns:a16="http://schemas.microsoft.com/office/drawing/2014/main" id="{69E2AF33-8F4C-91BC-787F-AE0E06AF9423}"/>
+              </a:ext>
+            </a:extLst>
+          </p:cNvPr>
+          <p:cNvPicPr>
+            <a:picLocks noChangeAspect="1"/>
+          </p:cNvPicPr>
+          <p:nvPr/>
+        </p:nvPicPr>
+        <p:blipFill>
+          <a:blip r:embed="rId6">
+            <a:extLst>
+              <a:ext uri="{28A0092B-C50C-407E-A947-70E740481C1C}">
+                <a14:useLocalDpi xmlns:a14="http://schemas.microsoft.com/office/drawing/2010/main" val="0"/>
+              </a:ext>
+            </a:extLst>
+          </a:blip>
+          <a:stretch>
+            <a:fillRect/>
+          </a:stretch>
+        </p:blipFill>
+        <p:spPr>
+          <a:xfrm>
+            <a:off x="7188226" y="3484045"/>
+            <a:ext cx="513300" cy="520205"/>
+          </a:xfrm>
+          <a:prstGeom prst="rect">
+            <a:avLst/>
+          </a:prstGeom>
+        </p:spPr>
+      </p:pic>
+      <p:pic>
+        <p:nvPicPr>
+          <p:cNvPr id="39" name="Grafik 38">
+            <a:extLst>
+              <a:ext uri="{FF2B5EF4-FFF2-40B4-BE49-F238E27FC236}">
+                <a16:creationId xmlns:a16="http://schemas.microsoft.com/office/drawing/2014/main" id="{1139FCCB-CE70-6C6F-A159-57338D719810}"/>
+              </a:ext>
+            </a:extLst>
+          </p:cNvPr>
+          <p:cNvPicPr>
+            <a:picLocks noChangeAspect="1"/>
+          </p:cNvPicPr>
+          <p:nvPr/>
+        </p:nvPicPr>
+        <p:blipFill>
+          <a:blip r:embed="rId3">
+            <a:extLst>
+              <a:ext uri="{28A0092B-C50C-407E-A947-70E740481C1C}">
+                <a14:useLocalDpi xmlns:a14="http://schemas.microsoft.com/office/drawing/2010/main" val="0"/>
+              </a:ext>
+            </a:extLst>
+          </a:blip>
+          <a:stretch>
+            <a:fillRect/>
+          </a:stretch>
+        </p:blipFill>
+        <p:spPr>
+          <a:xfrm>
+            <a:off x="7837231" y="3157241"/>
+            <a:ext cx="3105583" cy="1581371"/>
+          </a:xfrm>
+          <a:prstGeom prst="rect">
+            <a:avLst/>
+          </a:prstGeom>
+        </p:spPr>
+      </p:pic>
     </p:spTree>
     <p:extLst>
       <p:ext uri="{BB962C8B-B14F-4D97-AF65-F5344CB8AC3E}">
-        <p14:creationId xmlns:p14="http://schemas.microsoft.com/office/powerpoint/2010/main" val="1730209210"/>
+        <p14:creationId xmlns:p14="http://schemas.microsoft.com/office/powerpoint/2010/main" val="4170225626"/>
       </p:ext>
     </p:extLst>
   </p:cSld>
@@ -11955,41 +14373,12 @@
           <a:chExt cx="0" cy="0"/>
         </a:xfrm>
       </p:grpSpPr>
-      <p:pic>
-        <p:nvPicPr>
-          <p:cNvPr id="27" name="Bildplatzhalter 26">
-            <a:extLst>
-              <a:ext uri="{FF2B5EF4-FFF2-40B4-BE49-F238E27FC236}">
-                <a16:creationId xmlns:a16="http://schemas.microsoft.com/office/drawing/2014/main" id="{AA7D4377-EB53-4F7B-BAA3-1931CE3F3BBC}"/>
-              </a:ext>
-            </a:extLst>
-          </p:cNvPr>
-          <p:cNvPicPr>
-            <a:picLocks noGrp="1" noRot="1" noChangeAspect="1" noMove="1" noResize="1" noEditPoints="1" noAdjustHandles="1" noChangeArrowheads="1" noChangeShapeType="1" noCrop="1"/>
-          </p:cNvPicPr>
-          <p:nvPr>
-            <p:ph type="pic" sz="quarter" idx="12"/>
-          </p:nvPr>
-        </p:nvPicPr>
-        <p:blipFill rotWithShape="1">
-          <a:blip r:embed="rId5">
-            <a:extLst>
-              <a:ext uri="{28A0092B-C50C-407E-A947-70E740481C1C}">
-                <a14:useLocalDpi xmlns:a14="http://schemas.microsoft.com/office/drawing/2010/main" val="0"/>
-              </a:ext>
-            </a:extLst>
-          </a:blip>
-          <a:srcRect l="118" r="118"/>
-          <a:stretch/>
-        </p:blipFill>
-        <p:spPr/>
-      </p:pic>
       <p:sp>
         <p:nvSpPr>
-          <p:cNvPr id="7" name="Titel 6">
+          <p:cNvPr id="4" name="Titel 3">
             <a:extLst>
               <a:ext uri="{FF2B5EF4-FFF2-40B4-BE49-F238E27FC236}">
-                <a16:creationId xmlns:a16="http://schemas.microsoft.com/office/drawing/2014/main" id="{756A48F5-3F6F-47EA-B09F-3B3E65980B59}"/>
+                <a16:creationId xmlns:a16="http://schemas.microsoft.com/office/drawing/2014/main" id="{80750A73-FDEC-4A78-A501-53D5BE0CA08C}"/>
               </a:ext>
             </a:extLst>
           </p:cNvPr>
@@ -12000,25 +14389,63 @@
             <p:ph type="title"/>
           </p:nvPr>
         </p:nvSpPr>
-        <p:spPr/>
+        <p:spPr>
+          <a:xfrm>
+            <a:off x="539750" y="359767"/>
+            <a:ext cx="10440988" cy="361875"/>
+          </a:xfrm>
+        </p:spPr>
         <p:txBody>
           <a:bodyPr/>
           <a:lstStyle/>
           <a:p>
-            <a:endParaRPr lang="en-US" dirty="0">
-              <a:solidFill>
-                <a:srgbClr val="BBE9FF"/>
-              </a:solidFill>
-            </a:endParaRPr>
+            <a:r>
+              <a:rPr lang="en-US" dirty="0"/>
+              <a:t>AR Head-up-Display</a:t>
+            </a:r>
           </a:p>
         </p:txBody>
       </p:sp>
       <p:sp>
         <p:nvSpPr>
-          <p:cNvPr id="4" name="Foliennummernplatzhalter 3">
+          <p:cNvPr id="2" name="Fußzeilenplatzhalter 1">
             <a:extLst>
               <a:ext uri="{FF2B5EF4-FFF2-40B4-BE49-F238E27FC236}">
-                <a16:creationId xmlns:a16="http://schemas.microsoft.com/office/drawing/2014/main" id="{796D58B4-DB43-4B06-ACFF-112EEA3F2188}"/>
+                <a16:creationId xmlns:a16="http://schemas.microsoft.com/office/drawing/2014/main" id="{7054490E-C206-42A8-A4EE-672A868A9F51}"/>
+              </a:ext>
+            </a:extLst>
+          </p:cNvPr>
+          <p:cNvSpPr>
+            <a:spLocks noGrp="1"/>
+          </p:cNvSpPr>
+          <p:nvPr>
+            <p:ph type="ftr" sz="quarter" idx="10"/>
+          </p:nvPr>
+        </p:nvSpPr>
+        <p:spPr>
+          <a:xfrm>
+            <a:off x="972123" y="6048375"/>
+            <a:ext cx="4608513" cy="179364"/>
+          </a:xfrm>
+        </p:spPr>
+        <p:txBody>
+          <a:bodyPr/>
+          <a:lstStyle/>
+          <a:p>
+            <a:r>
+              <a:rPr lang="en-US"/>
+              <a:t>IAV  MM/YYYY  Department Code  Initials  Status: draft, confidential</a:t>
+            </a:r>
+            <a:endParaRPr lang="en-US" dirty="0"/>
+          </a:p>
+        </p:txBody>
+      </p:sp>
+      <p:sp>
+        <p:nvSpPr>
+          <p:cNvPr id="6" name="Foliennummernplatzhalter 5">
+            <a:extLst>
+              <a:ext uri="{FF2B5EF4-FFF2-40B4-BE49-F238E27FC236}">
+                <a16:creationId xmlns:a16="http://schemas.microsoft.com/office/drawing/2014/main" id="{34777B78-1BE6-449D-96D3-3FB38AACD2CA}"/>
               </a:ext>
             </a:extLst>
           </p:cNvPr>
@@ -12029,7 +14456,12 @@
             <p:ph type="sldNum" sz="quarter" idx="11"/>
           </p:nvPr>
         </p:nvSpPr>
-        <p:spPr/>
+        <p:spPr>
+          <a:xfrm>
+            <a:off x="539664" y="6048399"/>
+            <a:ext cx="360000" cy="179364"/>
+          </a:xfrm>
+        </p:spPr>
         <p:txBody>
           <a:bodyPr/>
           <a:lstStyle/>
@@ -12045,30 +14477,23 @@
       </p:sp>
       <p:pic>
         <p:nvPicPr>
-          <p:cNvPr id="23" name="Grafik 22">
+          <p:cNvPr id="7" name="Grafik 6">
             <a:extLst>
               <a:ext uri="{FF2B5EF4-FFF2-40B4-BE49-F238E27FC236}">
-                <a16:creationId xmlns:a16="http://schemas.microsoft.com/office/drawing/2014/main" id="{7E64BB16-6BA0-4940-BEF2-7E66B02F1EA0}"/>
+                <a16:creationId xmlns:a16="http://schemas.microsoft.com/office/drawing/2014/main" id="{1216C34C-518A-3B2B-91E8-55FE7639F7E3}"/>
               </a:ext>
             </a:extLst>
           </p:cNvPr>
           <p:cNvPicPr>
-            <a:picLocks noGrp="1" noRot="1" noChangeAspect="1" noMove="1" noResize="1" noEditPoints="1" noAdjustHandles="1" noChangeArrowheads="1" noChangeShapeType="1" noCrop="1"/>
+            <a:picLocks noChangeAspect="1"/>
           </p:cNvPicPr>
-          <p:nvPr>
-            <p:custDataLst>
-              <p:tags r:id="rId2"/>
-            </p:custDataLst>
-          </p:nvPr>
+          <p:nvPr/>
         </p:nvPicPr>
         <p:blipFill>
-          <a:blip r:embed="rId6" cstate="hqprint">
+          <a:blip r:embed="rId3">
             <a:extLst>
               <a:ext uri="{28A0092B-C50C-407E-A947-70E740481C1C}">
                 <a14:useLocalDpi xmlns:a14="http://schemas.microsoft.com/office/drawing/2010/main" val="0"/>
-              </a:ext>
-              <a:ext uri="{96DAC541-7B7A-43D3-8B79-37D633B846F1}">
-                <asvg:svgBlip xmlns:asvg="http://schemas.microsoft.com/office/drawing/2016/SVG/main" r:embed="rId7"/>
               </a:ext>
             </a:extLst>
           </a:blip>
@@ -12076,10 +14501,76 @@
             <a:fillRect/>
           </a:stretch>
         </p:blipFill>
-        <p:spPr bwMode="gray">
+        <p:spPr>
           <a:xfrm>
-            <a:off x="10148244" y="5868379"/>
-            <a:ext cx="976596" cy="540000"/>
+            <a:off x="2087836" y="4882885"/>
+            <a:ext cx="4213438" cy="584980"/>
+          </a:xfrm>
+          <a:prstGeom prst="rect">
+            <a:avLst/>
+          </a:prstGeom>
+        </p:spPr>
+      </p:pic>
+      <p:pic>
+        <p:nvPicPr>
+          <p:cNvPr id="9" name="Grafik 8">
+            <a:extLst>
+              <a:ext uri="{FF2B5EF4-FFF2-40B4-BE49-F238E27FC236}">
+                <a16:creationId xmlns:a16="http://schemas.microsoft.com/office/drawing/2014/main" id="{FFCDB51F-4D0F-94A2-1CFF-5A8C0ED6593F}"/>
+              </a:ext>
+            </a:extLst>
+          </p:cNvPr>
+          <p:cNvPicPr>
+            <a:picLocks noChangeAspect="1"/>
+          </p:cNvPicPr>
+          <p:nvPr/>
+        </p:nvPicPr>
+        <p:blipFill>
+          <a:blip r:embed="rId4">
+            <a:extLst>
+              <a:ext uri="{28A0092B-C50C-407E-A947-70E740481C1C}">
+                <a14:useLocalDpi xmlns:a14="http://schemas.microsoft.com/office/drawing/2010/main" val="0"/>
+              </a:ext>
+            </a:extLst>
+          </a:blip>
+          <a:stretch>
+            <a:fillRect/>
+          </a:stretch>
+        </p:blipFill>
+        <p:spPr>
+          <a:xfrm>
+            <a:off x="6816701" y="1721012"/>
+            <a:ext cx="3600400" cy="2855054"/>
+          </a:xfrm>
+          <a:prstGeom prst="rect">
+            <a:avLst/>
+          </a:prstGeom>
+        </p:spPr>
+      </p:pic>
+      <p:pic>
+        <p:nvPicPr>
+          <p:cNvPr id="17" name="Grafik 16">
+            <a:extLst>
+              <a:ext uri="{FF2B5EF4-FFF2-40B4-BE49-F238E27FC236}">
+                <a16:creationId xmlns:a16="http://schemas.microsoft.com/office/drawing/2014/main" id="{240E9AD1-089A-D341-1B22-668860C71093}"/>
+              </a:ext>
+            </a:extLst>
+          </p:cNvPr>
+          <p:cNvPicPr>
+            <a:picLocks noChangeAspect="1"/>
+          </p:cNvPicPr>
+          <p:nvPr/>
+        </p:nvPicPr>
+        <p:blipFill>
+          <a:blip r:embed="rId5"/>
+          <a:stretch>
+            <a:fillRect/>
+          </a:stretch>
+        </p:blipFill>
+        <p:spPr>
+          <a:xfrm>
+            <a:off x="6696348" y="1318388"/>
+            <a:ext cx="665271" cy="584980"/>
           </a:xfrm>
           <a:prstGeom prst="rect">
             <a:avLst/>
@@ -12088,40 +14579,64 @@
       </p:pic>
       <p:sp>
         <p:nvSpPr>
-          <p:cNvPr id="2" name="Fußzeilenplatzhalter 1">
+          <p:cNvPr id="19" name="Explosion: 14 Zacken 18">
             <a:extLst>
               <a:ext uri="{FF2B5EF4-FFF2-40B4-BE49-F238E27FC236}">
-                <a16:creationId xmlns:a16="http://schemas.microsoft.com/office/drawing/2014/main" id="{71E122A1-75BB-4CD0-82EA-ED92046C51F5}"/>
+                <a16:creationId xmlns:a16="http://schemas.microsoft.com/office/drawing/2014/main" id="{B094F2F7-D160-C552-C679-3CF82271FA2F}"/>
               </a:ext>
             </a:extLst>
           </p:cNvPr>
-          <p:cNvSpPr>
-            <a:spLocks noGrp="1"/>
-          </p:cNvSpPr>
-          <p:nvPr>
-            <p:ph type="ftr" sz="quarter" idx="10"/>
-          </p:nvPr>
+          <p:cNvSpPr/>
+          <p:nvPr/>
         </p:nvSpPr>
-        <p:spPr/>
+        <p:spPr>
+          <a:xfrm>
+            <a:off x="6928494" y="2491244"/>
+            <a:ext cx="433125" cy="360040"/>
+          </a:xfrm>
+          <a:prstGeom prst="irregularSeal2">
+            <a:avLst/>
+          </a:prstGeom>
+          <a:solidFill>
+            <a:srgbClr val="F7C443"/>
+          </a:solidFill>
+          <a:ln>
+            <a:noFill/>
+          </a:ln>
+        </p:spPr>
+        <p:style>
+          <a:lnRef idx="2">
+            <a:schemeClr val="accent1">
+              <a:shade val="50000"/>
+            </a:schemeClr>
+          </a:lnRef>
+          <a:fillRef idx="1">
+            <a:schemeClr val="accent1"/>
+          </a:fillRef>
+          <a:effectRef idx="0">
+            <a:schemeClr val="accent1"/>
+          </a:effectRef>
+          <a:fontRef idx="minor">
+            <a:schemeClr val="lt1"/>
+          </a:fontRef>
+        </p:style>
         <p:txBody>
-          <a:bodyPr/>
+          <a:bodyPr lIns="144000" tIns="108000" rIns="144000" bIns="144000" rtlCol="0" anchor="t"/>
           <a:lstStyle/>
           <a:p>
-            <a:r>
-              <a:rPr lang="en-US"/>
-              <a:t>IAV  MM/YYYY  Department Code  Initials  Status: draft, confidential</a:t>
-            </a:r>
-            <a:endParaRPr lang="en-US" dirty="0"/>
+            <a:pPr algn="l">
+              <a:spcBef>
+                <a:spcPts val="800"/>
+              </a:spcBef>
+            </a:pPr>
+            <a:endParaRPr lang="de-DE" sz="1600" dirty="0" err="1"/>
           </a:p>
         </p:txBody>
       </p:sp>
     </p:spTree>
-    <p:custDataLst>
-      <p:tags r:id="rId1"/>
-    </p:custDataLst>
     <p:extLst>
       <p:ext uri="{BB962C8B-B14F-4D97-AF65-F5344CB8AC3E}">
-        <p14:creationId xmlns:p14="http://schemas.microsoft.com/office/powerpoint/2010/main" val="1029638147"/>
+        <p14:creationId xmlns:p14="http://schemas.microsoft.com/office/powerpoint/2010/main" val="1657501777"/>
       </p:ext>
     </p:extLst>
   </p:cSld>
@@ -12148,41 +14663,12 @@
           <a:chExt cx="0" cy="0"/>
         </a:xfrm>
       </p:grpSpPr>
-      <p:pic>
-        <p:nvPicPr>
-          <p:cNvPr id="27" name="Bildplatzhalter 26">
-            <a:extLst>
-              <a:ext uri="{FF2B5EF4-FFF2-40B4-BE49-F238E27FC236}">
-                <a16:creationId xmlns:a16="http://schemas.microsoft.com/office/drawing/2014/main" id="{AA7D4377-EB53-4F7B-BAA3-1931CE3F3BBC}"/>
-              </a:ext>
-            </a:extLst>
-          </p:cNvPr>
-          <p:cNvPicPr>
-            <a:picLocks noGrp="1" noRot="1" noChangeAspect="1" noMove="1" noResize="1" noEditPoints="1" noAdjustHandles="1" noChangeArrowheads="1" noChangeShapeType="1" noCrop="1"/>
-          </p:cNvPicPr>
-          <p:nvPr>
-            <p:ph type="pic" sz="quarter" idx="12"/>
-          </p:nvPr>
-        </p:nvPicPr>
-        <p:blipFill rotWithShape="1">
-          <a:blip r:embed="rId5">
-            <a:extLst>
-              <a:ext uri="{28A0092B-C50C-407E-A947-70E740481C1C}">
-                <a14:useLocalDpi xmlns:a14="http://schemas.microsoft.com/office/drawing/2010/main" val="0"/>
-              </a:ext>
-            </a:extLst>
-          </a:blip>
-          <a:srcRect l="118" r="118"/>
-          <a:stretch/>
-        </p:blipFill>
-        <p:spPr/>
-      </p:pic>
       <p:sp>
         <p:nvSpPr>
-          <p:cNvPr id="7" name="Titel 6">
+          <p:cNvPr id="3" name="Fußzeilenplatzhalter 2">
             <a:extLst>
               <a:ext uri="{FF2B5EF4-FFF2-40B4-BE49-F238E27FC236}">
-                <a16:creationId xmlns:a16="http://schemas.microsoft.com/office/drawing/2014/main" id="{DB356E49-AFAF-4D4E-AF41-1B69AFC9C233}"/>
+                <a16:creationId xmlns:a16="http://schemas.microsoft.com/office/drawing/2014/main" id="{7C40782E-0BE3-7636-77AD-DA32DD72223B}"/>
               </a:ext>
             </a:extLst>
           </p:cNvPr>
@@ -12190,24 +14676,19 @@
             <a:spLocks noGrp="1"/>
           </p:cNvSpPr>
           <p:nvPr>
-            <p:ph type="title"/>
+            <p:ph type="ftr" sz="quarter" idx="10"/>
           </p:nvPr>
         </p:nvSpPr>
-        <p:spPr>
-          <a:xfrm>
-            <a:off x="539750" y="4078843"/>
-            <a:ext cx="10440988" cy="890032"/>
-          </a:xfrm>
-        </p:spPr>
+        <p:spPr/>
         <p:txBody>
           <a:bodyPr/>
           <a:lstStyle/>
           <a:p>
-            <a:endParaRPr lang="en-US" dirty="0">
-              <a:solidFill>
-                <a:schemeClr val="accent5"/>
-              </a:solidFill>
-            </a:endParaRPr>
+            <a:r>
+              <a:rPr lang="en-US"/>
+              <a:t>IAV  MM/YYYY  Department Code  Initials  Status: draft, confidential</a:t>
+            </a:r>
+            <a:endParaRPr lang="en-US" dirty="0"/>
           </a:p>
         </p:txBody>
       </p:sp>
@@ -12216,7 +14697,7 @@
           <p:cNvPr id="4" name="Foliennummernplatzhalter 3">
             <a:extLst>
               <a:ext uri="{FF2B5EF4-FFF2-40B4-BE49-F238E27FC236}">
-                <a16:creationId xmlns:a16="http://schemas.microsoft.com/office/drawing/2014/main" id="{796D58B4-DB43-4B06-ACFF-112EEA3F2188}"/>
+                <a16:creationId xmlns:a16="http://schemas.microsoft.com/office/drawing/2014/main" id="{8B50B627-DE33-81BB-C22A-3350DA979716}"/>
               </a:ext>
             </a:extLst>
           </p:cNvPr>
@@ -12232,7 +14713,7 @@
           <a:bodyPr/>
           <a:lstStyle/>
           <a:p>
-            <a:fld id="{C651C7C4-31E4-E340-822E-DEA0EA75A835}" type="slidenum">
+            <a:fld id="{DD6C52D8-AF7F-4297-9A35-2617B7FF1801}" type="slidenum">
               <a:rPr lang="en-US" smtClean="0"/>
               <a:pPr/>
               <a:t>6</a:t>
@@ -12243,83 +14724,104 @@
       </p:sp>
       <p:pic>
         <p:nvPicPr>
-          <p:cNvPr id="23" name="Grafik 22">
+          <p:cNvPr id="6" name="Grafik 5">
             <a:extLst>
               <a:ext uri="{FF2B5EF4-FFF2-40B4-BE49-F238E27FC236}">
-                <a16:creationId xmlns:a16="http://schemas.microsoft.com/office/drawing/2014/main" id="{7E64BB16-6BA0-4940-BEF2-7E66B02F1EA0}"/>
+                <a16:creationId xmlns:a16="http://schemas.microsoft.com/office/drawing/2014/main" id="{1718D266-07B8-949A-3DD3-5AACF64E7725}"/>
               </a:ext>
             </a:extLst>
           </p:cNvPr>
           <p:cNvPicPr>
-            <a:picLocks noGrp="1" noRot="1" noChangeAspect="1" noMove="1" noResize="1" noEditPoints="1" noAdjustHandles="1" noChangeArrowheads="1" noChangeShapeType="1" noCrop="1"/>
+            <a:picLocks noChangeAspect="1"/>
           </p:cNvPicPr>
-          <p:nvPr>
-            <p:custDataLst>
-              <p:tags r:id="rId2"/>
-            </p:custDataLst>
-          </p:nvPr>
+          <p:nvPr/>
         </p:nvPicPr>
         <p:blipFill>
-          <a:blip r:embed="rId6" cstate="hqprint">
-            <a:extLst>
-              <a:ext uri="{28A0092B-C50C-407E-A947-70E740481C1C}">
-                <a14:useLocalDpi xmlns:a14="http://schemas.microsoft.com/office/drawing/2010/main" val="0"/>
-              </a:ext>
-              <a:ext uri="{96DAC541-7B7A-43D3-8B79-37D633B846F1}">
-                <asvg:svgBlip xmlns:asvg="http://schemas.microsoft.com/office/drawing/2016/SVG/main" r:embed="rId7"/>
-              </a:ext>
-            </a:extLst>
-          </a:blip>
+          <a:blip r:embed="rId2"/>
           <a:stretch>
             <a:fillRect/>
           </a:stretch>
         </p:blipFill>
-        <p:spPr bwMode="gray">
+        <p:spPr>
           <a:xfrm>
-            <a:off x="10148244" y="5868379"/>
-            <a:ext cx="976596" cy="540000"/>
+            <a:off x="2087836" y="1162535"/>
+            <a:ext cx="5321483" cy="4365279"/>
           </a:xfrm>
           <a:prstGeom prst="rect">
             <a:avLst/>
           </a:prstGeom>
         </p:spPr>
       </p:pic>
-      <p:sp>
-        <p:nvSpPr>
-          <p:cNvPr id="2" name="Fußzeilenplatzhalter 1">
+      <p:pic>
+        <p:nvPicPr>
+          <p:cNvPr id="7" name="Grafik 6">
             <a:extLst>
               <a:ext uri="{FF2B5EF4-FFF2-40B4-BE49-F238E27FC236}">
-                <a16:creationId xmlns:a16="http://schemas.microsoft.com/office/drawing/2014/main" id="{C43FA90D-2AD7-4A87-A70A-32B851B5E471}"/>
+                <a16:creationId xmlns:a16="http://schemas.microsoft.com/office/drawing/2014/main" id="{9B742486-E89B-9C89-4D48-6BE628762AE1}"/>
               </a:ext>
             </a:extLst>
           </p:cNvPr>
-          <p:cNvSpPr>
-            <a:spLocks noGrp="1"/>
-          </p:cNvSpPr>
-          <p:nvPr>
-            <p:ph type="ftr" sz="quarter" idx="10"/>
-          </p:nvPr>
-        </p:nvSpPr>
-        <p:spPr/>
-        <p:txBody>
-          <a:bodyPr/>
-          <a:lstStyle/>
-          <a:p>
-            <a:r>
-              <a:rPr lang="en-US"/>
-              <a:t>IAV  MM/YYYY  Department Code  Initials  Status: draft, confidential</a:t>
-            </a:r>
-            <a:endParaRPr lang="en-US" dirty="0"/>
-          </a:p>
-        </p:txBody>
-      </p:sp>
+          <p:cNvPicPr>
+            <a:picLocks noChangeAspect="1"/>
+          </p:cNvPicPr>
+          <p:nvPr/>
+        </p:nvPicPr>
+        <p:blipFill>
+          <a:blip r:embed="rId3">
+            <a:extLst>
+              <a:ext uri="{28A0092B-C50C-407E-A947-70E740481C1C}">
+                <a14:useLocalDpi xmlns:a14="http://schemas.microsoft.com/office/drawing/2010/main" val="0"/>
+              </a:ext>
+            </a:extLst>
+          </a:blip>
+          <a:stretch>
+            <a:fillRect/>
+          </a:stretch>
+        </p:blipFill>
+        <p:spPr>
+          <a:xfrm>
+            <a:off x="6225969" y="907002"/>
+            <a:ext cx="2281685" cy="1809336"/>
+          </a:xfrm>
+          <a:prstGeom prst="rect">
+            <a:avLst/>
+          </a:prstGeom>
+        </p:spPr>
+      </p:pic>
+      <p:pic>
+        <p:nvPicPr>
+          <p:cNvPr id="8" name="Grafik 7">
+            <a:extLst>
+              <a:ext uri="{FF2B5EF4-FFF2-40B4-BE49-F238E27FC236}">
+                <a16:creationId xmlns:a16="http://schemas.microsoft.com/office/drawing/2014/main" id="{A198DF5F-2949-AC60-CFF4-97296B05864A}"/>
+              </a:ext>
+            </a:extLst>
+          </p:cNvPr>
+          <p:cNvPicPr>
+            <a:picLocks noChangeAspect="1"/>
+          </p:cNvPicPr>
+          <p:nvPr/>
+        </p:nvPicPr>
+        <p:blipFill>
+          <a:blip r:embed="rId4"/>
+          <a:stretch>
+            <a:fillRect/>
+          </a:stretch>
+        </p:blipFill>
+        <p:spPr>
+          <a:xfrm>
+            <a:off x="6048276" y="721642"/>
+            <a:ext cx="421603" cy="370720"/>
+          </a:xfrm>
+          <a:prstGeom prst="rect">
+            <a:avLst/>
+          </a:prstGeom>
+        </p:spPr>
+      </p:pic>
     </p:spTree>
-    <p:custDataLst>
-      <p:tags r:id="rId1"/>
-    </p:custDataLst>
     <p:extLst>
       <p:ext uri="{BB962C8B-B14F-4D97-AF65-F5344CB8AC3E}">
-        <p14:creationId xmlns:p14="http://schemas.microsoft.com/office/powerpoint/2010/main" val="1155898757"/>
+        <p14:creationId xmlns:p14="http://schemas.microsoft.com/office/powerpoint/2010/main" val="1730209210"/>
       </p:ext>
     </p:extLst>
   </p:cSld>
@@ -12348,10 +14850,10 @@
       </p:grpSpPr>
       <p:pic>
         <p:nvPicPr>
-          <p:cNvPr id="7" name="Bildplatzhalter 6">
+          <p:cNvPr id="27" name="Bildplatzhalter 26">
             <a:extLst>
               <a:ext uri="{FF2B5EF4-FFF2-40B4-BE49-F238E27FC236}">
-                <a16:creationId xmlns:a16="http://schemas.microsoft.com/office/drawing/2014/main" id="{E2F7A1D1-1B2F-428C-91B3-5612ECE95774}"/>
+                <a16:creationId xmlns:a16="http://schemas.microsoft.com/office/drawing/2014/main" id="{AA7D4377-EB53-4F7B-BAA3-1931CE3F3BBC}"/>
               </a:ext>
             </a:extLst>
           </p:cNvPr>
@@ -12377,10 +14879,10 @@
       </p:pic>
       <p:sp>
         <p:nvSpPr>
-          <p:cNvPr id="8" name="Titel 7">
+          <p:cNvPr id="7" name="Titel 6">
             <a:extLst>
               <a:ext uri="{FF2B5EF4-FFF2-40B4-BE49-F238E27FC236}">
-                <a16:creationId xmlns:a16="http://schemas.microsoft.com/office/drawing/2014/main" id="{FBE802F5-13B6-4876-AE68-233AF281D73A}"/>
+                <a16:creationId xmlns:a16="http://schemas.microsoft.com/office/drawing/2014/main" id="{756A48F5-3F6F-47EA-B09F-3B3E65980B59}"/>
               </a:ext>
             </a:extLst>
           </p:cNvPr>
@@ -12391,19 +14893,14 @@
             <p:ph type="title"/>
           </p:nvPr>
         </p:nvSpPr>
-        <p:spPr>
-          <a:xfrm>
-            <a:off x="539750" y="4078843"/>
-            <a:ext cx="10440988" cy="890032"/>
-          </a:xfrm>
-        </p:spPr>
+        <p:spPr/>
         <p:txBody>
           <a:bodyPr/>
           <a:lstStyle/>
           <a:p>
             <a:endParaRPr lang="en-US" dirty="0">
               <a:solidFill>
-                <a:schemeClr val="accent3"/>
+                <a:srgbClr val="BBE9FF"/>
               </a:solidFill>
             </a:endParaRPr>
           </a:p>
@@ -12487,7 +14984,7 @@
           <p:cNvPr id="2" name="Fußzeilenplatzhalter 1">
             <a:extLst>
               <a:ext uri="{FF2B5EF4-FFF2-40B4-BE49-F238E27FC236}">
-                <a16:creationId xmlns:a16="http://schemas.microsoft.com/office/drawing/2014/main" id="{193ADC23-38F3-4A40-AEA5-C9788B533DCB}"/>
+                <a16:creationId xmlns:a16="http://schemas.microsoft.com/office/drawing/2014/main" id="{71E122A1-75BB-4CD0-82EA-ED92046C51F5}"/>
               </a:ext>
             </a:extLst>
           </p:cNvPr>
@@ -12517,7 +15014,7 @@
     </p:custDataLst>
     <p:extLst>
       <p:ext uri="{BB962C8B-B14F-4D97-AF65-F5344CB8AC3E}">
-        <p14:creationId xmlns:p14="http://schemas.microsoft.com/office/powerpoint/2010/main" val="671522703"/>
+        <p14:creationId xmlns:p14="http://schemas.microsoft.com/office/powerpoint/2010/main" val="1029638147"/>
       </p:ext>
     </p:extLst>
   </p:cSld>
@@ -12575,10 +15072,10 @@
       </p:pic>
       <p:sp>
         <p:nvSpPr>
-          <p:cNvPr id="9" name="Titel 8">
+          <p:cNvPr id="7" name="Titel 6">
             <a:extLst>
               <a:ext uri="{FF2B5EF4-FFF2-40B4-BE49-F238E27FC236}">
-                <a16:creationId xmlns:a16="http://schemas.microsoft.com/office/drawing/2014/main" id="{6C64DF7B-1299-4430-8C2B-55C18EF257C7}"/>
+                <a16:creationId xmlns:a16="http://schemas.microsoft.com/office/drawing/2014/main" id="{DB356E49-AFAF-4D4E-AF41-1B69AFC9C233}"/>
               </a:ext>
             </a:extLst>
           </p:cNvPr>
@@ -12601,7 +15098,7 @@
           <a:p>
             <a:endParaRPr lang="en-US" dirty="0">
               <a:solidFill>
-                <a:srgbClr val="FF73F9"/>
+                <a:schemeClr val="accent5"/>
               </a:solidFill>
             </a:endParaRPr>
           </a:p>
@@ -12685,7 +15182,7 @@
           <p:cNvPr id="2" name="Fußzeilenplatzhalter 1">
             <a:extLst>
               <a:ext uri="{FF2B5EF4-FFF2-40B4-BE49-F238E27FC236}">
-                <a16:creationId xmlns:a16="http://schemas.microsoft.com/office/drawing/2014/main" id="{C156D478-FD97-494A-AD83-ADE1F6D3582B}"/>
+                <a16:creationId xmlns:a16="http://schemas.microsoft.com/office/drawing/2014/main" id="{C43FA90D-2AD7-4A87-A70A-32B851B5E471}"/>
               </a:ext>
             </a:extLst>
           </p:cNvPr>
@@ -12715,7 +15212,7 @@
     </p:custDataLst>
     <p:extLst>
       <p:ext uri="{BB962C8B-B14F-4D97-AF65-F5344CB8AC3E}">
-        <p14:creationId xmlns:p14="http://schemas.microsoft.com/office/powerpoint/2010/main" val="84025652"/>
+        <p14:creationId xmlns:p14="http://schemas.microsoft.com/office/powerpoint/2010/main" val="1155898757"/>
       </p:ext>
     </p:extLst>
   </p:cSld>
@@ -12742,12 +15239,41 @@
           <a:chExt cx="0" cy="0"/>
         </a:xfrm>
       </p:grpSpPr>
+      <p:pic>
+        <p:nvPicPr>
+          <p:cNvPr id="7" name="Bildplatzhalter 6">
+            <a:extLst>
+              <a:ext uri="{FF2B5EF4-FFF2-40B4-BE49-F238E27FC236}">
+                <a16:creationId xmlns:a16="http://schemas.microsoft.com/office/drawing/2014/main" id="{E2F7A1D1-1B2F-428C-91B3-5612ECE95774}"/>
+              </a:ext>
+            </a:extLst>
+          </p:cNvPr>
+          <p:cNvPicPr>
+            <a:picLocks noGrp="1" noRot="1" noChangeAspect="1" noMove="1" noResize="1" noEditPoints="1" noAdjustHandles="1" noChangeArrowheads="1" noChangeShapeType="1" noCrop="1"/>
+          </p:cNvPicPr>
+          <p:nvPr>
+            <p:ph type="pic" sz="quarter" idx="12"/>
+          </p:nvPr>
+        </p:nvPicPr>
+        <p:blipFill rotWithShape="1">
+          <a:blip r:embed="rId5">
+            <a:extLst>
+              <a:ext uri="{28A0092B-C50C-407E-A947-70E740481C1C}">
+                <a14:useLocalDpi xmlns:a14="http://schemas.microsoft.com/office/drawing/2010/main" val="0"/>
+              </a:ext>
+            </a:extLst>
+          </a:blip>
+          <a:srcRect l="118" r="118"/>
+          <a:stretch/>
+        </p:blipFill>
+        <p:spPr/>
+      </p:pic>
       <p:sp>
         <p:nvSpPr>
-          <p:cNvPr id="6" name="Titel 5">
+          <p:cNvPr id="8" name="Titel 7">
             <a:extLst>
               <a:ext uri="{FF2B5EF4-FFF2-40B4-BE49-F238E27FC236}">
-                <a16:creationId xmlns:a16="http://schemas.microsoft.com/office/drawing/2014/main" id="{0BA34493-D988-4172-8503-5C21DA187631}"/>
+                <a16:creationId xmlns:a16="http://schemas.microsoft.com/office/drawing/2014/main" id="{FBE802F5-13B6-4876-AE68-233AF281D73A}"/>
               </a:ext>
             </a:extLst>
           </p:cNvPr>
@@ -12756,9 +15282,40 @@
           </p:cNvSpPr>
           <p:nvPr>
             <p:ph type="title"/>
-            <p:custDataLst>
-              <p:tags r:id="rId2"/>
-            </p:custDataLst>
+          </p:nvPr>
+        </p:nvSpPr>
+        <p:spPr>
+          <a:xfrm>
+            <a:off x="539750" y="4078843"/>
+            <a:ext cx="10440988" cy="890032"/>
+          </a:xfrm>
+        </p:spPr>
+        <p:txBody>
+          <a:bodyPr/>
+          <a:lstStyle/>
+          <a:p>
+            <a:endParaRPr lang="en-US" dirty="0">
+              <a:solidFill>
+                <a:schemeClr val="accent3"/>
+              </a:solidFill>
+            </a:endParaRPr>
+          </a:p>
+        </p:txBody>
+      </p:sp>
+      <p:sp>
+        <p:nvSpPr>
+          <p:cNvPr id="4" name="Foliennummernplatzhalter 3">
+            <a:extLst>
+              <a:ext uri="{FF2B5EF4-FFF2-40B4-BE49-F238E27FC236}">
+                <a16:creationId xmlns:a16="http://schemas.microsoft.com/office/drawing/2014/main" id="{796D58B4-DB43-4B06-ACFF-112EEA3F2188}"/>
+              </a:ext>
+            </a:extLst>
+          </p:cNvPr>
+          <p:cNvSpPr>
+            <a:spLocks noGrp="1"/>
+          </p:cNvSpPr>
+          <p:nvPr>
+            <p:ph type="sldNum" sz="quarter" idx="11"/>
           </p:nvPr>
         </p:nvSpPr>
         <p:spPr/>
@@ -12766,20 +15323,64 @@
           <a:bodyPr/>
           <a:lstStyle/>
           <a:p>
-            <a:r>
-              <a:rPr lang="en-US"/>
-              <a:t>Contact</a:t>
-            </a:r>
+            <a:fld id="{C651C7C4-31E4-E340-822E-DEA0EA75A835}" type="slidenum">
+              <a:rPr lang="en-US" smtClean="0"/>
+              <a:pPr/>
+              <a:t>9</a:t>
+            </a:fld>
             <a:endParaRPr lang="en-US" dirty="0"/>
           </a:p>
         </p:txBody>
       </p:sp>
+      <p:pic>
+        <p:nvPicPr>
+          <p:cNvPr id="23" name="Grafik 22">
+            <a:extLst>
+              <a:ext uri="{FF2B5EF4-FFF2-40B4-BE49-F238E27FC236}">
+                <a16:creationId xmlns:a16="http://schemas.microsoft.com/office/drawing/2014/main" id="{7E64BB16-6BA0-4940-BEF2-7E66B02F1EA0}"/>
+              </a:ext>
+            </a:extLst>
+          </p:cNvPr>
+          <p:cNvPicPr>
+            <a:picLocks noGrp="1" noRot="1" noChangeAspect="1" noMove="1" noResize="1" noEditPoints="1" noAdjustHandles="1" noChangeArrowheads="1" noChangeShapeType="1" noCrop="1"/>
+          </p:cNvPicPr>
+          <p:nvPr>
+            <p:custDataLst>
+              <p:tags r:id="rId2"/>
+            </p:custDataLst>
+          </p:nvPr>
+        </p:nvPicPr>
+        <p:blipFill>
+          <a:blip r:embed="rId6" cstate="hqprint">
+            <a:extLst>
+              <a:ext uri="{28A0092B-C50C-407E-A947-70E740481C1C}">
+                <a14:useLocalDpi xmlns:a14="http://schemas.microsoft.com/office/drawing/2010/main" val="0"/>
+              </a:ext>
+              <a:ext uri="{96DAC541-7B7A-43D3-8B79-37D633B846F1}">
+                <asvg:svgBlip xmlns:asvg="http://schemas.microsoft.com/office/drawing/2016/SVG/main" r:embed="rId7"/>
+              </a:ext>
+            </a:extLst>
+          </a:blip>
+          <a:stretch>
+            <a:fillRect/>
+          </a:stretch>
+        </p:blipFill>
+        <p:spPr bwMode="gray">
+          <a:xfrm>
+            <a:off x="10148244" y="5868379"/>
+            <a:ext cx="976596" cy="540000"/>
+          </a:xfrm>
+          <a:prstGeom prst="rect">
+            <a:avLst/>
+          </a:prstGeom>
+        </p:spPr>
+      </p:pic>
       <p:sp>
         <p:nvSpPr>
           <p:cNvPr id="2" name="Fußzeilenplatzhalter 1">
             <a:extLst>
               <a:ext uri="{FF2B5EF4-FFF2-40B4-BE49-F238E27FC236}">
-                <a16:creationId xmlns:a16="http://schemas.microsoft.com/office/drawing/2014/main" id="{1A92AC00-1458-4355-9315-DE22D06396AF}"/>
+                <a16:creationId xmlns:a16="http://schemas.microsoft.com/office/drawing/2014/main" id="{193ADC23-38F3-4A40-AEA5-C9788B533DCB}"/>
               </a:ext>
             </a:extLst>
           </p:cNvPr>
@@ -12787,7 +15388,7 @@
             <a:spLocks noGrp="1"/>
           </p:cNvSpPr>
           <p:nvPr>
-            <p:ph type="ftr" sz="quarter" idx="3"/>
+            <p:ph type="ftr" sz="quarter" idx="10"/>
           </p:nvPr>
         </p:nvSpPr>
         <p:spPr/>
@@ -12798,99 +15399,6 @@
             <a:r>
               <a:rPr lang="en-US"/>
               <a:t>IAV  MM/YYYY  Department Code  Initials  Status: draft, confidential</a:t>
-            </a:r>
-            <a:endParaRPr lang="en-US" dirty="0"/>
-          </a:p>
-        </p:txBody>
-      </p:sp>
-      <p:sp>
-        <p:nvSpPr>
-          <p:cNvPr id="10" name="Foliennummernplatzhalter 9">
-            <a:extLst>
-              <a:ext uri="{FF2B5EF4-FFF2-40B4-BE49-F238E27FC236}">
-                <a16:creationId xmlns:a16="http://schemas.microsoft.com/office/drawing/2014/main" id="{51864CDE-6951-401C-B278-D9B4CBABABC9}"/>
-              </a:ext>
-            </a:extLst>
-          </p:cNvPr>
-          <p:cNvSpPr>
-            <a:spLocks noGrp="1"/>
-          </p:cNvSpPr>
-          <p:nvPr>
-            <p:ph type="sldNum" sz="quarter" idx="4"/>
-          </p:nvPr>
-        </p:nvSpPr>
-        <p:spPr/>
-        <p:txBody>
-          <a:bodyPr/>
-          <a:lstStyle/>
-          <a:p>
-            <a:fld id="{C651C7C4-31E4-E340-822E-DEA0EA75A835}" type="slidenum">
-              <a:rPr lang="en-US" smtClean="0"/>
-              <a:pPr/>
-              <a:t>9</a:t>
-            </a:fld>
-            <a:endParaRPr lang="en-US" dirty="0"/>
-          </a:p>
-        </p:txBody>
-      </p:sp>
-      <p:sp>
-        <p:nvSpPr>
-          <p:cNvPr id="7" name="Textplatzhalter 6">
-            <a:extLst>
-              <a:ext uri="{FF2B5EF4-FFF2-40B4-BE49-F238E27FC236}">
-                <a16:creationId xmlns:a16="http://schemas.microsoft.com/office/drawing/2014/main" id="{D10E7627-693E-4577-A6E2-5891B69B95CD}"/>
-              </a:ext>
-            </a:extLst>
-          </p:cNvPr>
-          <p:cNvSpPr>
-            <a:spLocks noGrp="1"/>
-          </p:cNvSpPr>
-          <p:nvPr>
-            <p:ph type="body" sz="quarter" idx="13"/>
-            <p:custDataLst>
-              <p:tags r:id="rId3"/>
-            </p:custDataLst>
-          </p:nvPr>
-        </p:nvSpPr>
-        <p:spPr/>
-        <p:txBody>
-          <a:bodyPr/>
-          <a:lstStyle/>
-          <a:p>
-            <a:r>
-              <a:rPr lang="en-US"/>
-              <a:t>Name Surname</a:t>
-            </a:r>
-          </a:p>
-          <a:p>
-            <a:r>
-              <a:rPr lang="en-US"/>
-              <a:t>IAV GmbH</a:t>
-            </a:r>
-          </a:p>
-          <a:p>
-            <a:r>
-              <a:rPr lang="en-US"/>
-              <a:t>Carnotstrasse 1, 10587 Berlin (GERMANY)</a:t>
-            </a:r>
-            <a:br>
-              <a:rPr lang="en-US"/>
-            </a:br>
-            <a:r>
-              <a:rPr lang="en-US"/>
-              <a:t>Phone +49 30 3997-80</a:t>
-            </a:r>
-          </a:p>
-          <a:p>
-            <a:r>
-              <a:rPr lang="en-US"/>
-              <a:t>name.surname@iav.de</a:t>
-            </a:r>
-          </a:p>
-          <a:p>
-            <a:r>
-              <a:rPr lang="en-US"/>
-              <a:t>www.iav.com</a:t>
             </a:r>
             <a:endParaRPr lang="en-US" dirty="0"/>
           </a:p>
@@ -12902,7 +15410,7 @@
     </p:custDataLst>
     <p:extLst>
       <p:ext uri="{BB962C8B-B14F-4D97-AF65-F5344CB8AC3E}">
-        <p14:creationId xmlns:p14="http://schemas.microsoft.com/office/powerpoint/2010/main" val="1399101948"/>
+        <p14:creationId xmlns:p14="http://schemas.microsoft.com/office/powerpoint/2010/main" val="671522703"/>
       </p:ext>
     </p:extLst>
   </p:cSld>
@@ -14102,21 +16610,6 @@
 </file>
 
 <file path=customXml/item1.xml><?xml version="1.0" encoding="utf-8"?>
-<?mso-contentType ?>
-<FormTemplates xmlns="http://schemas.microsoft.com/sharepoint/v3/contenttype/forms">
-  <Display>DocumentLibraryForm</Display>
-  <Edit>DocumentLibraryForm</Edit>
-  <New>DocumentLibraryForm</New>
-</FormTemplates>
-</file>
-
-<file path=customXml/item2.xml><?xml version="1.0" encoding="utf-8"?>
-<p:properties xmlns:p="http://schemas.microsoft.com/office/2006/metadata/properties" xmlns:xsi="http://www.w3.org/2001/XMLSchema-instance" xmlns:pc="http://schemas.microsoft.com/office/infopath/2007/PartnerControls">
-  <documentManagement/>
-</p:properties>
-</file>
-
-<file path=customXml/item3.xml><?xml version="1.0" encoding="utf-8"?>
 <ct:contentTypeSchema xmlns:ct="http://schemas.microsoft.com/office/2006/metadata/contentType" xmlns:ma="http://schemas.microsoft.com/office/2006/metadata/properties/metaAttributes" ct:_="" ma:_="" ma:contentTypeName="Dokument" ma:contentTypeID="0x010100EC118928A2B7EF48913961D044C08128" ma:contentTypeVersion="13" ma:contentTypeDescription="Ein neues Dokument erstellen." ma:contentTypeScope="" ma:versionID="1e55f9b661f40172bd388d24963110b9">
   <xsd:schema xmlns:xsd="http://www.w3.org/2001/XMLSchema" xmlns:xs="http://www.w3.org/2001/XMLSchema" xmlns:p="http://schemas.microsoft.com/office/2006/metadata/properties" xmlns:ns2="09130a7c-92cc-4e34-b8e4-72eee94df1b6" xmlns:ns3="e1e66736-a3dc-482f-b04b-4e407ae1a9cb" targetNamespace="http://schemas.microsoft.com/office/2006/metadata/properties" ma:root="true" ma:fieldsID="c3ccd8b0b397ad92be6571d69600817f" ns2:_="" ns3:_="">
     <xsd:import namespace="09130a7c-92cc-4e34-b8e4-72eee94df1b6"/>
@@ -14339,10 +16832,36 @@
 </ct:contentTypeSchema>
 </file>
 
+<file path=customXml/item2.xml><?xml version="1.0" encoding="utf-8"?>
+<p:properties xmlns:p="http://schemas.microsoft.com/office/2006/metadata/properties" xmlns:xsi="http://www.w3.org/2001/XMLSchema-instance" xmlns:pc="http://schemas.microsoft.com/office/infopath/2007/PartnerControls">
+  <documentManagement/>
+</p:properties>
+</file>
+
+<file path=customXml/item3.xml><?xml version="1.0" encoding="utf-8"?>
+<?mso-contentType ?>
+<FormTemplates xmlns="http://schemas.microsoft.com/sharepoint/v3/contenttype/forms">
+  <Display>DocumentLibraryForm</Display>
+  <Edit>DocumentLibraryForm</Edit>
+  <New>DocumentLibraryForm</New>
+</FormTemplates>
+</file>
+
 <file path=customXml/itemProps1.xml><?xml version="1.0" encoding="utf-8"?>
-<ds:datastoreItem xmlns:ds="http://schemas.openxmlformats.org/officeDocument/2006/customXml" ds:itemID="{86F59E95-4674-4DBF-8B86-37F165645A09}">
+<ds:datastoreItem xmlns:ds="http://schemas.openxmlformats.org/officeDocument/2006/customXml" ds:itemID="{60A95B5A-25F6-4920-AD5E-05C87DB74413}">
   <ds:schemaRefs>
-    <ds:schemaRef ds:uri="http://schemas.microsoft.com/sharepoint/v3/contenttype/forms"/>
+    <ds:schemaRef ds:uri="http://schemas.microsoft.com/office/2006/metadata/contentType"/>
+    <ds:schemaRef ds:uri="http://schemas.microsoft.com/office/2006/metadata/properties/metaAttributes"/>
+    <ds:schemaRef ds:uri="http://www.w3.org/2001/XMLSchema"/>
+    <ds:schemaRef ds:uri="http://schemas.microsoft.com/office/2006/metadata/properties"/>
+    <ds:schemaRef ds:uri="09130a7c-92cc-4e34-b8e4-72eee94df1b6"/>
+    <ds:schemaRef ds:uri="e1e66736-a3dc-482f-b04b-4e407ae1a9cb"/>
+    <ds:schemaRef ds:uri="http://schemas.microsoft.com/office/2006/documentManagement/types"/>
+    <ds:schemaRef ds:uri="http://schemas.microsoft.com/office/infopath/2007/PartnerControls"/>
+    <ds:schemaRef ds:uri="http://schemas.openxmlformats.org/package/2006/metadata/core-properties"/>
+    <ds:schemaRef ds:uri="http://purl.org/dc/elements/1.1/"/>
+    <ds:schemaRef ds:uri="http://purl.org/dc/terms/"/>
+    <ds:schemaRef ds:uri="http://schemas.microsoft.com/internal/obd"/>
   </ds:schemaRefs>
 </ds:datastoreItem>
 </file>
@@ -14365,20 +16884,9 @@
 </file>
 
 <file path=customXml/itemProps3.xml><?xml version="1.0" encoding="utf-8"?>
-<ds:datastoreItem xmlns:ds="http://schemas.openxmlformats.org/officeDocument/2006/customXml" ds:itemID="{60A95B5A-25F6-4920-AD5E-05C87DB74413}">
+<ds:datastoreItem xmlns:ds="http://schemas.openxmlformats.org/officeDocument/2006/customXml" ds:itemID="{86F59E95-4674-4DBF-8B86-37F165645A09}">
   <ds:schemaRefs>
-    <ds:schemaRef ds:uri="http://schemas.microsoft.com/office/2006/metadata/contentType"/>
-    <ds:schemaRef ds:uri="http://schemas.microsoft.com/office/2006/metadata/properties/metaAttributes"/>
-    <ds:schemaRef ds:uri="http://www.w3.org/2001/XMLSchema"/>
-    <ds:schemaRef ds:uri="http://schemas.microsoft.com/office/2006/metadata/properties"/>
-    <ds:schemaRef ds:uri="09130a7c-92cc-4e34-b8e4-72eee94df1b6"/>
-    <ds:schemaRef ds:uri="e1e66736-a3dc-482f-b04b-4e407ae1a9cb"/>
-    <ds:schemaRef ds:uri="http://schemas.microsoft.com/office/2006/documentManagement/types"/>
-    <ds:schemaRef ds:uri="http://schemas.microsoft.com/office/infopath/2007/PartnerControls"/>
-    <ds:schemaRef ds:uri="http://schemas.openxmlformats.org/package/2006/metadata/core-properties"/>
-    <ds:schemaRef ds:uri="http://purl.org/dc/elements/1.1/"/>
-    <ds:schemaRef ds:uri="http://purl.org/dc/terms/"/>
-    <ds:schemaRef ds:uri="http://schemas.microsoft.com/internal/obd"/>
+    <ds:schemaRef ds:uri="http://schemas.microsoft.com/sharepoint/v3/contenttype/forms"/>
   </ds:schemaRefs>
 </ds:datastoreItem>
 </file>
--- a/assets/GuardianAngle.pptx
+++ b/assets/GuardianAngle.pptx
@@ -5,29 +5,30 @@
     <p:sldMasterId id="2147483648" r:id="rId4"/>
   </p:sldMasterIdLst>
   <p:notesMasterIdLst>
-    <p:notesMasterId r:id="rId17"/>
+    <p:notesMasterId r:id="rId18"/>
   </p:notesMasterIdLst>
   <p:handoutMasterIdLst>
-    <p:handoutMasterId r:id="rId18"/>
+    <p:handoutMasterId r:id="rId19"/>
   </p:handoutMasterIdLst>
   <p:sldIdLst>
     <p:sldId id="573" r:id="rId5"/>
-    <p:sldId id="590" r:id="rId6"/>
-    <p:sldId id="591" r:id="rId7"/>
-    <p:sldId id="592" r:id="rId8"/>
-    <p:sldId id="588" r:id="rId9"/>
-    <p:sldId id="589" r:id="rId10"/>
-    <p:sldId id="583" r:id="rId11"/>
-    <p:sldId id="584" r:id="rId12"/>
-    <p:sldId id="582" r:id="rId13"/>
-    <p:sldId id="568" r:id="rId14"/>
-    <p:sldId id="587" r:id="rId15"/>
-    <p:sldId id="284" r:id="rId16"/>
+    <p:sldId id="592" r:id="rId6"/>
+    <p:sldId id="593" r:id="rId7"/>
+    <p:sldId id="590" r:id="rId8"/>
+    <p:sldId id="591" r:id="rId9"/>
+    <p:sldId id="588" r:id="rId10"/>
+    <p:sldId id="589" r:id="rId11"/>
+    <p:sldId id="583" r:id="rId12"/>
+    <p:sldId id="584" r:id="rId13"/>
+    <p:sldId id="582" r:id="rId14"/>
+    <p:sldId id="568" r:id="rId15"/>
+    <p:sldId id="587" r:id="rId16"/>
+    <p:sldId id="284" r:id="rId17"/>
   </p:sldIdLst>
   <p:sldSz cx="11520488" cy="6480175"/>
   <p:notesSz cx="6858000" cy="9144000"/>
   <p:custDataLst>
-    <p:tags r:id="rId19"/>
+    <p:tags r:id="rId20"/>
   </p:custDataLst>
   <p:defaultTextStyle>
     <a:defPPr>
@@ -809,7 +810,7 @@
           <a:p>
             <a:fld id="{9502F7FA-3984-4F9D-BF36-30DAB3280DBC}" type="slidenum">
               <a:rPr lang="de-DE" smtClean="0"/>
-              <a:t>11</a:t>
+              <a:t>12</a:t>
             </a:fld>
             <a:endParaRPr lang="de-DE"/>
           </a:p>
@@ -893,7 +894,7 @@
           <a:p>
             <a:fld id="{9502F7FA-3984-4F9D-BF36-30DAB3280DBC}" type="slidenum">
               <a:rPr lang="de-DE" smtClean="0"/>
-              <a:t>12</a:t>
+              <a:t>13</a:t>
             </a:fld>
             <a:endParaRPr lang="de-DE"/>
           </a:p>
@@ -986,7 +987,7 @@
     </p:spTree>
     <p:extLst>
       <p:ext uri="{BB962C8B-B14F-4D97-AF65-F5344CB8AC3E}">
-        <p14:creationId xmlns:p14="http://schemas.microsoft.com/office/powerpoint/2010/main" val="2188426655"/>
+        <p14:creationId xmlns:p14="http://schemas.microsoft.com/office/powerpoint/2010/main" val="4294324240"/>
       </p:ext>
     </p:extLst>
   </p:cSld>
@@ -1061,7 +1062,7 @@
           <a:p>
             <a:fld id="{9502F7FA-3984-4F9D-BF36-30DAB3280DBC}" type="slidenum">
               <a:rPr lang="de-DE" smtClean="0"/>
-              <a:t>3</a:t>
+              <a:t>4</a:t>
             </a:fld>
             <a:endParaRPr lang="de-DE"/>
           </a:p>
@@ -1070,7 +1071,7 @@
     </p:spTree>
     <p:extLst>
       <p:ext uri="{BB962C8B-B14F-4D97-AF65-F5344CB8AC3E}">
-        <p14:creationId xmlns:p14="http://schemas.microsoft.com/office/powerpoint/2010/main" val="604073992"/>
+        <p14:creationId xmlns:p14="http://schemas.microsoft.com/office/powerpoint/2010/main" val="2188426655"/>
       </p:ext>
     </p:extLst>
   </p:cSld>
@@ -1145,7 +1146,7 @@
           <a:p>
             <a:fld id="{9502F7FA-3984-4F9D-BF36-30DAB3280DBC}" type="slidenum">
               <a:rPr lang="de-DE" smtClean="0"/>
-              <a:t>4</a:t>
+              <a:t>5</a:t>
             </a:fld>
             <a:endParaRPr lang="de-DE"/>
           </a:p>
@@ -1154,7 +1155,7 @@
     </p:spTree>
     <p:extLst>
       <p:ext uri="{BB962C8B-B14F-4D97-AF65-F5344CB8AC3E}">
-        <p14:creationId xmlns:p14="http://schemas.microsoft.com/office/powerpoint/2010/main" val="4294324240"/>
+        <p14:creationId xmlns:p14="http://schemas.microsoft.com/office/powerpoint/2010/main" val="604073992"/>
       </p:ext>
     </p:extLst>
   </p:cSld>
@@ -1229,7 +1230,7 @@
           <a:p>
             <a:fld id="{9502F7FA-3984-4F9D-BF36-30DAB3280DBC}" type="slidenum">
               <a:rPr lang="de-DE" smtClean="0"/>
-              <a:t>5</a:t>
+              <a:t>6</a:t>
             </a:fld>
             <a:endParaRPr lang="de-DE"/>
           </a:p>
@@ -1313,7 +1314,7 @@
           <a:p>
             <a:fld id="{9502F7FA-3984-4F9D-BF36-30DAB3280DBC}" type="slidenum">
               <a:rPr lang="de-DE" smtClean="0"/>
-              <a:t>7</a:t>
+              <a:t>8</a:t>
             </a:fld>
             <a:endParaRPr lang="de-DE"/>
           </a:p>
@@ -1397,7 +1398,7 @@
           <a:p>
             <a:fld id="{9502F7FA-3984-4F9D-BF36-30DAB3280DBC}" type="slidenum">
               <a:rPr lang="de-DE" smtClean="0"/>
-              <a:t>8</a:t>
+              <a:t>9</a:t>
             </a:fld>
             <a:endParaRPr lang="de-DE"/>
           </a:p>
@@ -1481,7 +1482,7 @@
           <a:p>
             <a:fld id="{9502F7FA-3984-4F9D-BF36-30DAB3280DBC}" type="slidenum">
               <a:rPr lang="de-DE" smtClean="0"/>
-              <a:t>9</a:t>
+              <a:t>10</a:t>
             </a:fld>
             <a:endParaRPr lang="de-DE"/>
           </a:p>
@@ -1565,7 +1566,7 @@
           <a:p>
             <a:fld id="{9502F7FA-3984-4F9D-BF36-30DAB3280DBC}" type="slidenum">
               <a:rPr lang="de-DE" smtClean="0"/>
-              <a:t>10</a:t>
+              <a:t>11</a:t>
             </a:fld>
             <a:endParaRPr lang="de-DE"/>
           </a:p>
@@ -5618,8 +5619,8 @@
         </p:nvSpPr>
         <p:spPr>
           <a:xfrm>
-            <a:off x="539750" y="3376402"/>
-            <a:ext cx="8280000" cy="403745"/>
+            <a:off x="539750" y="3037848"/>
+            <a:ext cx="8280000" cy="742299"/>
           </a:xfrm>
         </p:spPr>
         <p:txBody>
@@ -5627,7 +5628,7 @@
           <a:lstStyle/>
           <a:p>
             <a:r>
-              <a:rPr lang="en-US" dirty="0"/>
+              <a:rPr lang="en-US" sz="4800" dirty="0"/>
               <a:t>Guardian Angle</a:t>
             </a:r>
           </a:p>
@@ -5774,10 +5775,10 @@
       </p:grpSpPr>
       <p:pic>
         <p:nvPicPr>
-          <p:cNvPr id="27" name="Bildplatzhalter 26">
+          <p:cNvPr id="7" name="Bildplatzhalter 6">
             <a:extLst>
               <a:ext uri="{FF2B5EF4-FFF2-40B4-BE49-F238E27FC236}">
-                <a16:creationId xmlns:a16="http://schemas.microsoft.com/office/drawing/2014/main" id="{AA7D4377-EB53-4F7B-BAA3-1931CE3F3BBC}"/>
+                <a16:creationId xmlns:a16="http://schemas.microsoft.com/office/drawing/2014/main" id="{E2F7A1D1-1B2F-428C-91B3-5612ECE95774}"/>
               </a:ext>
             </a:extLst>
           </p:cNvPr>
@@ -5803,10 +5804,10 @@
       </p:pic>
       <p:sp>
         <p:nvSpPr>
-          <p:cNvPr id="9" name="Titel 8">
+          <p:cNvPr id="8" name="Titel 7">
             <a:extLst>
               <a:ext uri="{FF2B5EF4-FFF2-40B4-BE49-F238E27FC236}">
-                <a16:creationId xmlns:a16="http://schemas.microsoft.com/office/drawing/2014/main" id="{6C64DF7B-1299-4430-8C2B-55C18EF257C7}"/>
+                <a16:creationId xmlns:a16="http://schemas.microsoft.com/office/drawing/2014/main" id="{FBE802F5-13B6-4876-AE68-233AF281D73A}"/>
               </a:ext>
             </a:extLst>
           </p:cNvPr>
@@ -5829,7 +5830,7 @@
           <a:p>
             <a:endParaRPr lang="en-US" dirty="0">
               <a:solidFill>
-                <a:srgbClr val="FF73F9"/>
+                <a:schemeClr val="accent3"/>
               </a:solidFill>
             </a:endParaRPr>
           </a:p>
@@ -5913,7 +5914,7 @@
           <p:cNvPr id="2" name="Fußzeilenplatzhalter 1">
             <a:extLst>
               <a:ext uri="{FF2B5EF4-FFF2-40B4-BE49-F238E27FC236}">
-                <a16:creationId xmlns:a16="http://schemas.microsoft.com/office/drawing/2014/main" id="{C156D478-FD97-494A-AD83-ADE1F6D3582B}"/>
+                <a16:creationId xmlns:a16="http://schemas.microsoft.com/office/drawing/2014/main" id="{193ADC23-38F3-4A40-AEA5-C9788B533DCB}"/>
               </a:ext>
             </a:extLst>
           </p:cNvPr>
@@ -5943,7 +5944,7 @@
     </p:custDataLst>
     <p:extLst>
       <p:ext uri="{BB962C8B-B14F-4D97-AF65-F5344CB8AC3E}">
-        <p14:creationId xmlns:p14="http://schemas.microsoft.com/office/powerpoint/2010/main" val="84025652"/>
+        <p14:creationId xmlns:p14="http://schemas.microsoft.com/office/powerpoint/2010/main" val="671522703"/>
       </p:ext>
     </p:extLst>
   </p:cSld>
@@ -5970,6 +5971,204 @@
           <a:chExt cx="0" cy="0"/>
         </a:xfrm>
       </p:grpSpPr>
+      <p:pic>
+        <p:nvPicPr>
+          <p:cNvPr id="27" name="Bildplatzhalter 26">
+            <a:extLst>
+              <a:ext uri="{FF2B5EF4-FFF2-40B4-BE49-F238E27FC236}">
+                <a16:creationId xmlns:a16="http://schemas.microsoft.com/office/drawing/2014/main" id="{AA7D4377-EB53-4F7B-BAA3-1931CE3F3BBC}"/>
+              </a:ext>
+            </a:extLst>
+          </p:cNvPr>
+          <p:cNvPicPr>
+            <a:picLocks noGrp="1" noRot="1" noChangeAspect="1" noMove="1" noResize="1" noEditPoints="1" noAdjustHandles="1" noChangeArrowheads="1" noChangeShapeType="1" noCrop="1"/>
+          </p:cNvPicPr>
+          <p:nvPr>
+            <p:ph type="pic" sz="quarter" idx="12"/>
+          </p:nvPr>
+        </p:nvPicPr>
+        <p:blipFill rotWithShape="1">
+          <a:blip r:embed="rId5">
+            <a:extLst>
+              <a:ext uri="{28A0092B-C50C-407E-A947-70E740481C1C}">
+                <a14:useLocalDpi xmlns:a14="http://schemas.microsoft.com/office/drawing/2010/main" val="0"/>
+              </a:ext>
+            </a:extLst>
+          </a:blip>
+          <a:srcRect l="118" r="118"/>
+          <a:stretch/>
+        </p:blipFill>
+        <p:spPr/>
+      </p:pic>
+      <p:sp>
+        <p:nvSpPr>
+          <p:cNvPr id="9" name="Titel 8">
+            <a:extLst>
+              <a:ext uri="{FF2B5EF4-FFF2-40B4-BE49-F238E27FC236}">
+                <a16:creationId xmlns:a16="http://schemas.microsoft.com/office/drawing/2014/main" id="{6C64DF7B-1299-4430-8C2B-55C18EF257C7}"/>
+              </a:ext>
+            </a:extLst>
+          </p:cNvPr>
+          <p:cNvSpPr>
+            <a:spLocks noGrp="1"/>
+          </p:cNvSpPr>
+          <p:nvPr>
+            <p:ph type="title"/>
+          </p:nvPr>
+        </p:nvSpPr>
+        <p:spPr>
+          <a:xfrm>
+            <a:off x="539750" y="4078843"/>
+            <a:ext cx="10440988" cy="890032"/>
+          </a:xfrm>
+        </p:spPr>
+        <p:txBody>
+          <a:bodyPr/>
+          <a:lstStyle/>
+          <a:p>
+            <a:endParaRPr lang="en-US" dirty="0">
+              <a:solidFill>
+                <a:srgbClr val="FF73F9"/>
+              </a:solidFill>
+            </a:endParaRPr>
+          </a:p>
+        </p:txBody>
+      </p:sp>
+      <p:sp>
+        <p:nvSpPr>
+          <p:cNvPr id="4" name="Foliennummernplatzhalter 3">
+            <a:extLst>
+              <a:ext uri="{FF2B5EF4-FFF2-40B4-BE49-F238E27FC236}">
+                <a16:creationId xmlns:a16="http://schemas.microsoft.com/office/drawing/2014/main" id="{796D58B4-DB43-4B06-ACFF-112EEA3F2188}"/>
+              </a:ext>
+            </a:extLst>
+          </p:cNvPr>
+          <p:cNvSpPr>
+            <a:spLocks noGrp="1"/>
+          </p:cNvSpPr>
+          <p:nvPr>
+            <p:ph type="sldNum" sz="quarter" idx="11"/>
+          </p:nvPr>
+        </p:nvSpPr>
+        <p:spPr/>
+        <p:txBody>
+          <a:bodyPr/>
+          <a:lstStyle/>
+          <a:p>
+            <a:fld id="{C651C7C4-31E4-E340-822E-DEA0EA75A835}" type="slidenum">
+              <a:rPr lang="en-US" smtClean="0"/>
+              <a:pPr/>
+              <a:t>11</a:t>
+            </a:fld>
+            <a:endParaRPr lang="en-US" dirty="0"/>
+          </a:p>
+        </p:txBody>
+      </p:sp>
+      <p:pic>
+        <p:nvPicPr>
+          <p:cNvPr id="23" name="Grafik 22">
+            <a:extLst>
+              <a:ext uri="{FF2B5EF4-FFF2-40B4-BE49-F238E27FC236}">
+                <a16:creationId xmlns:a16="http://schemas.microsoft.com/office/drawing/2014/main" id="{7E64BB16-6BA0-4940-BEF2-7E66B02F1EA0}"/>
+              </a:ext>
+            </a:extLst>
+          </p:cNvPr>
+          <p:cNvPicPr>
+            <a:picLocks noGrp="1" noRot="1" noChangeAspect="1" noMove="1" noResize="1" noEditPoints="1" noAdjustHandles="1" noChangeArrowheads="1" noChangeShapeType="1" noCrop="1"/>
+          </p:cNvPicPr>
+          <p:nvPr>
+            <p:custDataLst>
+              <p:tags r:id="rId2"/>
+            </p:custDataLst>
+          </p:nvPr>
+        </p:nvPicPr>
+        <p:blipFill>
+          <a:blip r:embed="rId6" cstate="hqprint">
+            <a:extLst>
+              <a:ext uri="{28A0092B-C50C-407E-A947-70E740481C1C}">
+                <a14:useLocalDpi xmlns:a14="http://schemas.microsoft.com/office/drawing/2010/main" val="0"/>
+              </a:ext>
+              <a:ext uri="{96DAC541-7B7A-43D3-8B79-37D633B846F1}">
+                <asvg:svgBlip xmlns:asvg="http://schemas.microsoft.com/office/drawing/2016/SVG/main" r:embed="rId7"/>
+              </a:ext>
+            </a:extLst>
+          </a:blip>
+          <a:stretch>
+            <a:fillRect/>
+          </a:stretch>
+        </p:blipFill>
+        <p:spPr bwMode="gray">
+          <a:xfrm>
+            <a:off x="10148244" y="5868379"/>
+            <a:ext cx="976596" cy="540000"/>
+          </a:xfrm>
+          <a:prstGeom prst="rect">
+            <a:avLst/>
+          </a:prstGeom>
+        </p:spPr>
+      </p:pic>
+      <p:sp>
+        <p:nvSpPr>
+          <p:cNvPr id="2" name="Fußzeilenplatzhalter 1">
+            <a:extLst>
+              <a:ext uri="{FF2B5EF4-FFF2-40B4-BE49-F238E27FC236}">
+                <a16:creationId xmlns:a16="http://schemas.microsoft.com/office/drawing/2014/main" id="{C156D478-FD97-494A-AD83-ADE1F6D3582B}"/>
+              </a:ext>
+            </a:extLst>
+          </p:cNvPr>
+          <p:cNvSpPr>
+            <a:spLocks noGrp="1"/>
+          </p:cNvSpPr>
+          <p:nvPr>
+            <p:ph type="ftr" sz="quarter" idx="10"/>
+          </p:nvPr>
+        </p:nvSpPr>
+        <p:spPr/>
+        <p:txBody>
+          <a:bodyPr/>
+          <a:lstStyle/>
+          <a:p>
+            <a:r>
+              <a:rPr lang="en-US"/>
+              <a:t>IAV  MM/YYYY  Department Code  Initials  Status: draft, confidential</a:t>
+            </a:r>
+            <a:endParaRPr lang="en-US" dirty="0"/>
+          </a:p>
+        </p:txBody>
+      </p:sp>
+    </p:spTree>
+    <p:custDataLst>
+      <p:tags r:id="rId1"/>
+    </p:custDataLst>
+    <p:extLst>
+      <p:ext uri="{BB962C8B-B14F-4D97-AF65-F5344CB8AC3E}">
+        <p14:creationId xmlns:p14="http://schemas.microsoft.com/office/powerpoint/2010/main" val="84025652"/>
+      </p:ext>
+    </p:extLst>
+  </p:cSld>
+  <p:clrMapOvr>
+    <a:masterClrMapping/>
+  </p:clrMapOvr>
+</p:sld>
+</file>
+
+<file path=ppt/slides/slide12.xml><?xml version="1.0" encoding="utf-8"?>
+<p:sld xmlns:a="http://schemas.openxmlformats.org/drawingml/2006/main" xmlns:r="http://schemas.openxmlformats.org/officeDocument/2006/relationships" xmlns:p="http://schemas.openxmlformats.org/presentationml/2006/main">
+  <p:cSld>
+    <p:spTree>
+      <p:nvGrpSpPr>
+        <p:cNvPr id="1" name=""/>
+        <p:cNvGrpSpPr/>
+        <p:nvPr/>
+      </p:nvGrpSpPr>
+      <p:grpSpPr>
+        <a:xfrm>
+          <a:off x="0" y="0"/>
+          <a:ext cx="0" cy="0"/>
+          <a:chOff x="0" y="0"/>
+          <a:chExt cx="0" cy="0"/>
+        </a:xfrm>
+      </p:grpSpPr>
       <p:sp>
         <p:nvSpPr>
           <p:cNvPr id="6" name="Titel 5">
@@ -6055,7 +6254,7 @@
             <a:fld id="{C651C7C4-31E4-E340-822E-DEA0EA75A835}" type="slidenum">
               <a:rPr lang="en-US" smtClean="0"/>
               <a:pPr/>
-              <a:t>11</a:t>
+              <a:t>12</a:t>
             </a:fld>
             <a:endParaRPr lang="en-US" dirty="0"/>
           </a:p>
@@ -6140,7 +6339,7 @@
 </p:sld>
 </file>
 
-<file path=ppt/slides/slide12.xml><?xml version="1.0" encoding="utf-8"?>
+<file path=ppt/slides/slide13.xml><?xml version="1.0" encoding="utf-8"?>
 <p:sld xmlns:a="http://schemas.openxmlformats.org/drawingml/2006/main" xmlns:r="http://schemas.openxmlformats.org/officeDocument/2006/relationships" xmlns:p="http://schemas.openxmlformats.org/presentationml/2006/main" show="0">
   <p:cSld>
     <p:spTree>
@@ -6198,7 +6397,7 @@
             <a:fld id="{DD6C52D8-AF7F-4297-9A35-2617B7FF1801}" type="slidenum">
               <a:rPr lang="en-US" smtClean="0"/>
               <a:pPr/>
-              <a:t>12</a:t>
+              <a:t>13</a:t>
             </a:fld>
             <a:endParaRPr lang="en-US" dirty="0"/>
           </a:p>
@@ -11470,109 +11669,6 @@
       </p:grpSpPr>
       <p:sp>
         <p:nvSpPr>
-          <p:cNvPr id="4" name="Titel 3">
-            <a:extLst>
-              <a:ext uri="{FF2B5EF4-FFF2-40B4-BE49-F238E27FC236}">
-                <a16:creationId xmlns:a16="http://schemas.microsoft.com/office/drawing/2014/main" id="{80750A73-FDEC-4A78-A501-53D5BE0CA08C}"/>
-              </a:ext>
-            </a:extLst>
-          </p:cNvPr>
-          <p:cNvSpPr>
-            <a:spLocks noGrp="1"/>
-          </p:cNvSpPr>
-          <p:nvPr>
-            <p:ph type="title"/>
-          </p:nvPr>
-        </p:nvSpPr>
-        <p:spPr>
-          <a:xfrm>
-            <a:off x="539750" y="359767"/>
-            <a:ext cx="10440988" cy="361875"/>
-          </a:xfrm>
-        </p:spPr>
-        <p:txBody>
-          <a:bodyPr/>
-          <a:lstStyle/>
-          <a:p>
-            <a:r>
-              <a:rPr lang="en-US" dirty="0" err="1"/>
-              <a:t>TopView</a:t>
-            </a:r>
-            <a:endParaRPr lang="en-US" dirty="0"/>
-          </a:p>
-        </p:txBody>
-      </p:sp>
-      <p:sp>
-        <p:nvSpPr>
-          <p:cNvPr id="2" name="Fußzeilenplatzhalter 1">
-            <a:extLst>
-              <a:ext uri="{FF2B5EF4-FFF2-40B4-BE49-F238E27FC236}">
-                <a16:creationId xmlns:a16="http://schemas.microsoft.com/office/drawing/2014/main" id="{7054490E-C206-42A8-A4EE-672A868A9F51}"/>
-              </a:ext>
-            </a:extLst>
-          </p:cNvPr>
-          <p:cNvSpPr>
-            <a:spLocks noGrp="1"/>
-          </p:cNvSpPr>
-          <p:nvPr>
-            <p:ph type="ftr" sz="quarter" idx="10"/>
-          </p:nvPr>
-        </p:nvSpPr>
-        <p:spPr>
-          <a:xfrm>
-            <a:off x="972123" y="6048375"/>
-            <a:ext cx="4608513" cy="179364"/>
-          </a:xfrm>
-        </p:spPr>
-        <p:txBody>
-          <a:bodyPr/>
-          <a:lstStyle/>
-          <a:p>
-            <a:r>
-              <a:rPr lang="en-US"/>
-              <a:t>IAV  MM/YYYY  Department Code  Initials  Status: draft, confidential</a:t>
-            </a:r>
-            <a:endParaRPr lang="en-US" dirty="0"/>
-          </a:p>
-        </p:txBody>
-      </p:sp>
-      <p:sp>
-        <p:nvSpPr>
-          <p:cNvPr id="6" name="Foliennummernplatzhalter 5">
-            <a:extLst>
-              <a:ext uri="{FF2B5EF4-FFF2-40B4-BE49-F238E27FC236}">
-                <a16:creationId xmlns:a16="http://schemas.microsoft.com/office/drawing/2014/main" id="{34777B78-1BE6-449D-96D3-3FB38AACD2CA}"/>
-              </a:ext>
-            </a:extLst>
-          </p:cNvPr>
-          <p:cNvSpPr>
-            <a:spLocks noGrp="1"/>
-          </p:cNvSpPr>
-          <p:nvPr>
-            <p:ph type="sldNum" sz="quarter" idx="11"/>
-          </p:nvPr>
-        </p:nvSpPr>
-        <p:spPr>
-          <a:xfrm>
-            <a:off x="539664" y="6048399"/>
-            <a:ext cx="360000" cy="179364"/>
-          </a:xfrm>
-        </p:spPr>
-        <p:txBody>
-          <a:bodyPr/>
-          <a:lstStyle/>
-          <a:p>
-            <a:fld id="{C651C7C4-31E4-E340-822E-DEA0EA75A835}" type="slidenum">
-              <a:rPr lang="en-US" smtClean="0"/>
-              <a:pPr/>
-              <a:t>2</a:t>
-            </a:fld>
-            <a:endParaRPr lang="en-US" dirty="0"/>
-          </a:p>
-        </p:txBody>
-      </p:sp>
-      <p:sp>
-        <p:nvSpPr>
           <p:cNvPr id="3" name="Rechteck 2">
             <a:extLst>
               <a:ext uri="{FF2B5EF4-FFF2-40B4-BE49-F238E27FC236}">
@@ -11585,1354 +11681,7 @@
         </p:nvSpPr>
         <p:spPr>
           <a:xfrm>
-            <a:off x="993063" y="824743"/>
-            <a:ext cx="9684665" cy="4647592"/>
-          </a:xfrm>
-          <a:prstGeom prst="rect">
-            <a:avLst/>
-          </a:prstGeom>
-          <a:solidFill>
-            <a:srgbClr val="6E6E6E"/>
-          </a:solidFill>
-          <a:ln>
-            <a:noFill/>
-          </a:ln>
-        </p:spPr>
-        <p:style>
-          <a:lnRef idx="2">
-            <a:schemeClr val="accent1">
-              <a:shade val="50000"/>
-            </a:schemeClr>
-          </a:lnRef>
-          <a:fillRef idx="1">
-            <a:schemeClr val="accent1"/>
-          </a:fillRef>
-          <a:effectRef idx="0">
-            <a:schemeClr val="accent1"/>
-          </a:effectRef>
-          <a:fontRef idx="minor">
-            <a:schemeClr val="lt1"/>
-          </a:fontRef>
-        </p:style>
-        <p:txBody>
-          <a:bodyPr lIns="144000" tIns="108000" rIns="144000" bIns="144000" rtlCol="0" anchor="t"/>
-          <a:lstStyle/>
-          <a:p>
-            <a:pPr algn="l">
-              <a:spcBef>
-                <a:spcPts val="800"/>
-              </a:spcBef>
-            </a:pPr>
-            <a:endParaRPr lang="de-DE" sz="1600" dirty="0" err="1"/>
-          </a:p>
-        </p:txBody>
-      </p:sp>
-      <p:sp>
-        <p:nvSpPr>
-          <p:cNvPr id="7" name="Rechteck 6">
-            <a:extLst>
-              <a:ext uri="{FF2B5EF4-FFF2-40B4-BE49-F238E27FC236}">
-                <a16:creationId xmlns:a16="http://schemas.microsoft.com/office/drawing/2014/main" id="{D4BD191B-5510-C4E8-9D07-0C578A76F599}"/>
-              </a:ext>
-            </a:extLst>
-          </p:cNvPr>
-          <p:cNvSpPr/>
-          <p:nvPr/>
-        </p:nvSpPr>
-        <p:spPr>
-          <a:xfrm>
-            <a:off x="1230014" y="2290988"/>
-            <a:ext cx="1043705" cy="163038"/>
-          </a:xfrm>
-          <a:prstGeom prst="rect">
-            <a:avLst/>
-          </a:prstGeom>
-          <a:solidFill>
-            <a:srgbClr val="878787"/>
-          </a:solidFill>
-          <a:ln>
-            <a:noFill/>
-          </a:ln>
-        </p:spPr>
-        <p:style>
-          <a:lnRef idx="2">
-            <a:schemeClr val="accent1">
-              <a:shade val="50000"/>
-            </a:schemeClr>
-          </a:lnRef>
-          <a:fillRef idx="1">
-            <a:schemeClr val="accent1"/>
-          </a:fillRef>
-          <a:effectRef idx="0">
-            <a:schemeClr val="accent1"/>
-          </a:effectRef>
-          <a:fontRef idx="minor">
-            <a:schemeClr val="lt1"/>
-          </a:fontRef>
-        </p:style>
-        <p:txBody>
-          <a:bodyPr lIns="144000" tIns="108000" rIns="144000" bIns="144000" rtlCol="0" anchor="t"/>
-          <a:lstStyle/>
-          <a:p>
-            <a:pPr algn="l">
-              <a:spcBef>
-                <a:spcPts val="800"/>
-              </a:spcBef>
-            </a:pPr>
-            <a:endParaRPr lang="de-DE" sz="1600" dirty="0" err="1"/>
-          </a:p>
-        </p:txBody>
-      </p:sp>
-      <p:sp>
-        <p:nvSpPr>
-          <p:cNvPr id="8" name="Rechteck 7">
-            <a:extLst>
-              <a:ext uri="{FF2B5EF4-FFF2-40B4-BE49-F238E27FC236}">
-                <a16:creationId xmlns:a16="http://schemas.microsoft.com/office/drawing/2014/main" id="{11861474-D18B-FB1E-CCD4-976D411B678D}"/>
-              </a:ext>
-            </a:extLst>
-          </p:cNvPr>
-          <p:cNvSpPr/>
-          <p:nvPr/>
-        </p:nvSpPr>
-        <p:spPr>
-          <a:xfrm>
-            <a:off x="2972872" y="2290988"/>
-            <a:ext cx="1043705" cy="163038"/>
-          </a:xfrm>
-          <a:prstGeom prst="rect">
-            <a:avLst/>
-          </a:prstGeom>
-          <a:solidFill>
-            <a:srgbClr val="878787"/>
-          </a:solidFill>
-          <a:ln>
-            <a:noFill/>
-          </a:ln>
-        </p:spPr>
-        <p:style>
-          <a:lnRef idx="2">
-            <a:schemeClr val="accent1">
-              <a:shade val="50000"/>
-            </a:schemeClr>
-          </a:lnRef>
-          <a:fillRef idx="1">
-            <a:schemeClr val="accent1"/>
-          </a:fillRef>
-          <a:effectRef idx="0">
-            <a:schemeClr val="accent1"/>
-          </a:effectRef>
-          <a:fontRef idx="minor">
-            <a:schemeClr val="lt1"/>
-          </a:fontRef>
-        </p:style>
-        <p:txBody>
-          <a:bodyPr lIns="144000" tIns="108000" rIns="144000" bIns="144000" rtlCol="0" anchor="t"/>
-          <a:lstStyle/>
-          <a:p>
-            <a:pPr algn="l">
-              <a:spcBef>
-                <a:spcPts val="800"/>
-              </a:spcBef>
-            </a:pPr>
-            <a:endParaRPr lang="de-DE" sz="1600" dirty="0" err="1"/>
-          </a:p>
-        </p:txBody>
-      </p:sp>
-      <p:sp>
-        <p:nvSpPr>
-          <p:cNvPr id="9" name="Rechteck 8">
-            <a:extLst>
-              <a:ext uri="{FF2B5EF4-FFF2-40B4-BE49-F238E27FC236}">
-                <a16:creationId xmlns:a16="http://schemas.microsoft.com/office/drawing/2014/main" id="{21086981-8198-3DE5-62D7-C81499FA3ADF}"/>
-              </a:ext>
-            </a:extLst>
-          </p:cNvPr>
-          <p:cNvSpPr/>
-          <p:nvPr/>
-        </p:nvSpPr>
-        <p:spPr>
-          <a:xfrm>
-            <a:off x="4546775" y="2290988"/>
-            <a:ext cx="1043705" cy="163038"/>
-          </a:xfrm>
-          <a:prstGeom prst="rect">
-            <a:avLst/>
-          </a:prstGeom>
-          <a:solidFill>
-            <a:srgbClr val="878787"/>
-          </a:solidFill>
-          <a:ln>
-            <a:noFill/>
-          </a:ln>
-        </p:spPr>
-        <p:style>
-          <a:lnRef idx="2">
-            <a:schemeClr val="accent1">
-              <a:shade val="50000"/>
-            </a:schemeClr>
-          </a:lnRef>
-          <a:fillRef idx="1">
-            <a:schemeClr val="accent1"/>
-          </a:fillRef>
-          <a:effectRef idx="0">
-            <a:schemeClr val="accent1"/>
-          </a:effectRef>
-          <a:fontRef idx="minor">
-            <a:schemeClr val="lt1"/>
-          </a:fontRef>
-        </p:style>
-        <p:txBody>
-          <a:bodyPr lIns="144000" tIns="108000" rIns="144000" bIns="144000" rtlCol="0" anchor="t"/>
-          <a:lstStyle/>
-          <a:p>
-            <a:pPr algn="l">
-              <a:spcBef>
-                <a:spcPts val="800"/>
-              </a:spcBef>
-            </a:pPr>
-            <a:endParaRPr lang="de-DE" sz="1600" dirty="0" err="1"/>
-          </a:p>
-        </p:txBody>
-      </p:sp>
-      <p:sp>
-        <p:nvSpPr>
-          <p:cNvPr id="10" name="Rechteck 9">
-            <a:extLst>
-              <a:ext uri="{FF2B5EF4-FFF2-40B4-BE49-F238E27FC236}">
-                <a16:creationId xmlns:a16="http://schemas.microsoft.com/office/drawing/2014/main" id="{3F6261C1-1D5A-E0AB-DB36-FF7274F8A9E3}"/>
-              </a:ext>
-            </a:extLst>
-          </p:cNvPr>
-          <p:cNvSpPr/>
-          <p:nvPr/>
-        </p:nvSpPr>
-        <p:spPr>
-          <a:xfrm>
-            <a:off x="6120678" y="2290988"/>
-            <a:ext cx="1043705" cy="163038"/>
-          </a:xfrm>
-          <a:prstGeom prst="rect">
-            <a:avLst/>
-          </a:prstGeom>
-          <a:solidFill>
-            <a:srgbClr val="878787"/>
-          </a:solidFill>
-          <a:ln>
-            <a:noFill/>
-          </a:ln>
-        </p:spPr>
-        <p:style>
-          <a:lnRef idx="2">
-            <a:schemeClr val="accent1">
-              <a:shade val="50000"/>
-            </a:schemeClr>
-          </a:lnRef>
-          <a:fillRef idx="1">
-            <a:schemeClr val="accent1"/>
-          </a:fillRef>
-          <a:effectRef idx="0">
-            <a:schemeClr val="accent1"/>
-          </a:effectRef>
-          <a:fontRef idx="minor">
-            <a:schemeClr val="lt1"/>
-          </a:fontRef>
-        </p:style>
-        <p:txBody>
-          <a:bodyPr lIns="144000" tIns="108000" rIns="144000" bIns="144000" rtlCol="0" anchor="t"/>
-          <a:lstStyle/>
-          <a:p>
-            <a:pPr algn="l">
-              <a:spcBef>
-                <a:spcPts val="800"/>
-              </a:spcBef>
-            </a:pPr>
-            <a:endParaRPr lang="de-DE" sz="1600" dirty="0" err="1"/>
-          </a:p>
-        </p:txBody>
-      </p:sp>
-      <p:sp>
-        <p:nvSpPr>
-          <p:cNvPr id="11" name="Rechteck 10">
-            <a:extLst>
-              <a:ext uri="{FF2B5EF4-FFF2-40B4-BE49-F238E27FC236}">
-                <a16:creationId xmlns:a16="http://schemas.microsoft.com/office/drawing/2014/main" id="{736C4567-27A0-FDC5-8B34-A6D4DB2402E8}"/>
-              </a:ext>
-            </a:extLst>
-          </p:cNvPr>
-          <p:cNvSpPr/>
-          <p:nvPr/>
-        </p:nvSpPr>
-        <p:spPr>
-          <a:xfrm>
-            <a:off x="7545793" y="2290988"/>
-            <a:ext cx="1043705" cy="163038"/>
-          </a:xfrm>
-          <a:prstGeom prst="rect">
-            <a:avLst/>
-          </a:prstGeom>
-          <a:solidFill>
-            <a:srgbClr val="878787"/>
-          </a:solidFill>
-          <a:ln>
-            <a:noFill/>
-          </a:ln>
-        </p:spPr>
-        <p:style>
-          <a:lnRef idx="2">
-            <a:schemeClr val="accent1">
-              <a:shade val="50000"/>
-            </a:schemeClr>
-          </a:lnRef>
-          <a:fillRef idx="1">
-            <a:schemeClr val="accent1"/>
-          </a:fillRef>
-          <a:effectRef idx="0">
-            <a:schemeClr val="accent1"/>
-          </a:effectRef>
-          <a:fontRef idx="minor">
-            <a:schemeClr val="lt1"/>
-          </a:fontRef>
-        </p:style>
-        <p:txBody>
-          <a:bodyPr lIns="144000" tIns="108000" rIns="144000" bIns="144000" rtlCol="0" anchor="t"/>
-          <a:lstStyle/>
-          <a:p>
-            <a:pPr algn="l">
-              <a:spcBef>
-                <a:spcPts val="800"/>
-              </a:spcBef>
-            </a:pPr>
-            <a:endParaRPr lang="de-DE" sz="1600" dirty="0" err="1"/>
-          </a:p>
-        </p:txBody>
-      </p:sp>
-      <p:sp>
-        <p:nvSpPr>
-          <p:cNvPr id="12" name="Rechteck 11">
-            <a:extLst>
-              <a:ext uri="{FF2B5EF4-FFF2-40B4-BE49-F238E27FC236}">
-                <a16:creationId xmlns:a16="http://schemas.microsoft.com/office/drawing/2014/main" id="{2F885A44-37E2-8E4C-1E5F-9410E1F4C25A}"/>
-              </a:ext>
-            </a:extLst>
-          </p:cNvPr>
-          <p:cNvSpPr/>
-          <p:nvPr/>
-        </p:nvSpPr>
-        <p:spPr>
-          <a:xfrm>
-            <a:off x="8970908" y="2290988"/>
-            <a:ext cx="1043705" cy="163038"/>
-          </a:xfrm>
-          <a:prstGeom prst="rect">
-            <a:avLst/>
-          </a:prstGeom>
-          <a:solidFill>
-            <a:srgbClr val="878787"/>
-          </a:solidFill>
-          <a:ln>
-            <a:noFill/>
-          </a:ln>
-        </p:spPr>
-        <p:style>
-          <a:lnRef idx="2">
-            <a:schemeClr val="accent1">
-              <a:shade val="50000"/>
-            </a:schemeClr>
-          </a:lnRef>
-          <a:fillRef idx="1">
-            <a:schemeClr val="accent1"/>
-          </a:fillRef>
-          <a:effectRef idx="0">
-            <a:schemeClr val="accent1"/>
-          </a:effectRef>
-          <a:fontRef idx="minor">
-            <a:schemeClr val="lt1"/>
-          </a:fontRef>
-        </p:style>
-        <p:txBody>
-          <a:bodyPr lIns="144000" tIns="108000" rIns="144000" bIns="144000" rtlCol="0" anchor="t"/>
-          <a:lstStyle/>
-          <a:p>
-            <a:pPr algn="l">
-              <a:spcBef>
-                <a:spcPts val="800"/>
-              </a:spcBef>
-            </a:pPr>
-            <a:endParaRPr lang="de-DE" sz="1600" dirty="0" err="1"/>
-          </a:p>
-        </p:txBody>
-      </p:sp>
-      <p:pic>
-        <p:nvPicPr>
-          <p:cNvPr id="14" name="Grafik 13">
-            <a:extLst>
-              <a:ext uri="{FF2B5EF4-FFF2-40B4-BE49-F238E27FC236}">
-                <a16:creationId xmlns:a16="http://schemas.microsoft.com/office/drawing/2014/main" id="{5AE5C259-F897-68CA-129B-3B6FB7F8D2E4}"/>
-              </a:ext>
-            </a:extLst>
-          </p:cNvPr>
-          <p:cNvPicPr>
-            <a:picLocks noChangeAspect="1"/>
-          </p:cNvPicPr>
-          <p:nvPr/>
-        </p:nvPicPr>
-        <p:blipFill>
-          <a:blip r:embed="rId3">
-            <a:extLst>
-              <a:ext uri="{28A0092B-C50C-407E-A947-70E740481C1C}">
-                <a14:useLocalDpi xmlns:a14="http://schemas.microsoft.com/office/drawing/2010/main" val="0"/>
-              </a:ext>
-            </a:extLst>
-          </a:blip>
-          <a:stretch>
-            <a:fillRect/>
-          </a:stretch>
-        </p:blipFill>
-        <p:spPr>
-          <a:xfrm>
-            <a:off x="3906386" y="3921301"/>
-            <a:ext cx="3105583" cy="1581371"/>
-          </a:xfrm>
-          <a:prstGeom prst="rect">
-            <a:avLst/>
-          </a:prstGeom>
-        </p:spPr>
-      </p:pic>
-      <p:pic>
-        <p:nvPicPr>
-          <p:cNvPr id="16" name="Grafik 15">
-            <a:extLst>
-              <a:ext uri="{FF2B5EF4-FFF2-40B4-BE49-F238E27FC236}">
-                <a16:creationId xmlns:a16="http://schemas.microsoft.com/office/drawing/2014/main" id="{45DFEDDC-8D12-4494-E993-FDE8945247E4}"/>
-              </a:ext>
-            </a:extLst>
-          </p:cNvPr>
-          <p:cNvPicPr>
-            <a:picLocks noChangeAspect="1"/>
-          </p:cNvPicPr>
-          <p:nvPr/>
-        </p:nvPicPr>
-        <p:blipFill>
-          <a:blip r:embed="rId4">
-            <a:extLst>
-              <a:ext uri="{28A0092B-C50C-407E-A947-70E740481C1C}">
-                <a14:useLocalDpi xmlns:a14="http://schemas.microsoft.com/office/drawing/2010/main" val="0"/>
-              </a:ext>
-            </a:extLst>
-          </a:blip>
-          <a:stretch>
-            <a:fillRect/>
-          </a:stretch>
-        </p:blipFill>
-        <p:spPr>
-          <a:xfrm rot="10800000">
-            <a:off x="958285" y="2442568"/>
-            <a:ext cx="3181794" cy="1486107"/>
-          </a:xfrm>
-          <a:prstGeom prst="rect">
-            <a:avLst/>
-          </a:prstGeom>
-        </p:spPr>
-      </p:pic>
-      <p:sp>
-        <p:nvSpPr>
-          <p:cNvPr id="17" name="Rechteck 16">
-            <a:extLst>
-              <a:ext uri="{FF2B5EF4-FFF2-40B4-BE49-F238E27FC236}">
-                <a16:creationId xmlns:a16="http://schemas.microsoft.com/office/drawing/2014/main" id="{405243C3-24D0-EE33-6FC8-1F1B0586C854}"/>
-              </a:ext>
-            </a:extLst>
-          </p:cNvPr>
-          <p:cNvSpPr/>
-          <p:nvPr/>
-        </p:nvSpPr>
-        <p:spPr>
-          <a:xfrm>
-            <a:off x="997558" y="3917216"/>
-            <a:ext cx="9731238" cy="66871"/>
-          </a:xfrm>
-          <a:prstGeom prst="rect">
-            <a:avLst/>
-          </a:prstGeom>
-          <a:solidFill>
-            <a:srgbClr val="878787"/>
-          </a:solidFill>
-          <a:ln>
-            <a:noFill/>
-          </a:ln>
-        </p:spPr>
-        <p:style>
-          <a:lnRef idx="2">
-            <a:schemeClr val="accent1">
-              <a:shade val="50000"/>
-            </a:schemeClr>
-          </a:lnRef>
-          <a:fillRef idx="1">
-            <a:schemeClr val="accent1"/>
-          </a:fillRef>
-          <a:effectRef idx="0">
-            <a:schemeClr val="accent1"/>
-          </a:effectRef>
-          <a:fontRef idx="minor">
-            <a:schemeClr val="lt1"/>
-          </a:fontRef>
-        </p:style>
-        <p:txBody>
-          <a:bodyPr lIns="144000" tIns="108000" rIns="144000" bIns="144000" rtlCol="0" anchor="t"/>
-          <a:lstStyle/>
-          <a:p>
-            <a:pPr algn="l">
-              <a:spcBef>
-                <a:spcPts val="800"/>
-              </a:spcBef>
-            </a:pPr>
-            <a:endParaRPr lang="de-DE" sz="1600" dirty="0" err="1"/>
-          </a:p>
-        </p:txBody>
-      </p:sp>
-      <p:pic>
-        <p:nvPicPr>
-          <p:cNvPr id="18" name="Grafik 17">
-            <a:extLst>
-              <a:ext uri="{FF2B5EF4-FFF2-40B4-BE49-F238E27FC236}">
-                <a16:creationId xmlns:a16="http://schemas.microsoft.com/office/drawing/2014/main" id="{B0709E0F-11FC-523A-7EF0-5D5EF03A5CC5}"/>
-              </a:ext>
-            </a:extLst>
-          </p:cNvPr>
-          <p:cNvPicPr>
-            <a:picLocks noChangeAspect="1"/>
-          </p:cNvPicPr>
-          <p:nvPr/>
-        </p:nvPicPr>
-        <p:blipFill>
-          <a:blip r:embed="rId4">
-            <a:extLst>
-              <a:ext uri="{28A0092B-C50C-407E-A947-70E740481C1C}">
-                <a14:useLocalDpi xmlns:a14="http://schemas.microsoft.com/office/drawing/2010/main" val="0"/>
-              </a:ext>
-            </a:extLst>
-          </a:blip>
-          <a:stretch>
-            <a:fillRect/>
-          </a:stretch>
-        </p:blipFill>
-        <p:spPr>
-          <a:xfrm rot="10800000">
-            <a:off x="7530712" y="3948165"/>
-            <a:ext cx="3181794" cy="1486107"/>
-          </a:xfrm>
-          <a:prstGeom prst="rect">
-            <a:avLst/>
-          </a:prstGeom>
-        </p:spPr>
-      </p:pic>
-      <p:pic>
-        <p:nvPicPr>
-          <p:cNvPr id="5" name="Grafik 4">
-            <a:extLst>
-              <a:ext uri="{FF2B5EF4-FFF2-40B4-BE49-F238E27FC236}">
-                <a16:creationId xmlns:a16="http://schemas.microsoft.com/office/drawing/2014/main" id="{93FCE6FA-841B-45FF-0338-4FBAFB9E5769}"/>
-              </a:ext>
-            </a:extLst>
-          </p:cNvPr>
-          <p:cNvPicPr>
-            <a:picLocks noChangeAspect="1"/>
-          </p:cNvPicPr>
-          <p:nvPr/>
-        </p:nvPicPr>
-        <p:blipFill>
-          <a:blip r:embed="rId5">
-            <a:extLst>
-              <a:ext uri="{28A0092B-C50C-407E-A947-70E740481C1C}">
-                <a14:useLocalDpi xmlns:a14="http://schemas.microsoft.com/office/drawing/2010/main" val="0"/>
-              </a:ext>
-            </a:extLst>
-          </a:blip>
-          <a:stretch>
-            <a:fillRect/>
-          </a:stretch>
-        </p:blipFill>
-        <p:spPr>
-          <a:xfrm>
-            <a:off x="7014217" y="4208005"/>
-            <a:ext cx="513300" cy="520205"/>
-          </a:xfrm>
-          <a:prstGeom prst="rect">
-            <a:avLst/>
-          </a:prstGeom>
-        </p:spPr>
-      </p:pic>
-    </p:spTree>
-    <p:extLst>
-      <p:ext uri="{BB962C8B-B14F-4D97-AF65-F5344CB8AC3E}">
-        <p14:creationId xmlns:p14="http://schemas.microsoft.com/office/powerpoint/2010/main" val="1459311777"/>
-      </p:ext>
-    </p:extLst>
-  </p:cSld>
-  <p:clrMapOvr>
-    <a:masterClrMapping/>
-  </p:clrMapOvr>
-</p:sld>
-</file>
-
-<file path=ppt/slides/slide3.xml><?xml version="1.0" encoding="utf-8"?>
-<p:sld xmlns:a="http://schemas.openxmlformats.org/drawingml/2006/main" xmlns:r="http://schemas.openxmlformats.org/officeDocument/2006/relationships" xmlns:p="http://schemas.openxmlformats.org/presentationml/2006/main">
-  <p:cSld>
-    <p:spTree>
-      <p:nvGrpSpPr>
-        <p:cNvPr id="1" name=""/>
-        <p:cNvGrpSpPr/>
-        <p:nvPr/>
-      </p:nvGrpSpPr>
-      <p:grpSpPr>
-        <a:xfrm>
-          <a:off x="0" y="0"/>
-          <a:ext cx="0" cy="0"/>
-          <a:chOff x="0" y="0"/>
-          <a:chExt cx="0" cy="0"/>
-        </a:xfrm>
-      </p:grpSpPr>
-      <p:sp>
-        <p:nvSpPr>
-          <p:cNvPr id="4" name="Titel 3">
-            <a:extLst>
-              <a:ext uri="{FF2B5EF4-FFF2-40B4-BE49-F238E27FC236}">
-                <a16:creationId xmlns:a16="http://schemas.microsoft.com/office/drawing/2014/main" id="{80750A73-FDEC-4A78-A501-53D5BE0CA08C}"/>
-              </a:ext>
-            </a:extLst>
-          </p:cNvPr>
-          <p:cNvSpPr>
-            <a:spLocks noGrp="1"/>
-          </p:cNvSpPr>
-          <p:nvPr>
-            <p:ph type="title"/>
-          </p:nvPr>
-        </p:nvSpPr>
-        <p:spPr>
-          <a:xfrm>
-            <a:off x="539750" y="359767"/>
-            <a:ext cx="10440988" cy="361875"/>
-          </a:xfrm>
-        </p:spPr>
-        <p:txBody>
-          <a:bodyPr/>
-          <a:lstStyle/>
-          <a:p>
-            <a:r>
-              <a:rPr lang="en-US" dirty="0" err="1"/>
-              <a:t>TopView</a:t>
-            </a:r>
-            <a:endParaRPr lang="en-US" dirty="0"/>
-          </a:p>
-        </p:txBody>
-      </p:sp>
-      <p:sp>
-        <p:nvSpPr>
-          <p:cNvPr id="2" name="Fußzeilenplatzhalter 1">
-            <a:extLst>
-              <a:ext uri="{FF2B5EF4-FFF2-40B4-BE49-F238E27FC236}">
-                <a16:creationId xmlns:a16="http://schemas.microsoft.com/office/drawing/2014/main" id="{7054490E-C206-42A8-A4EE-672A868A9F51}"/>
-              </a:ext>
-            </a:extLst>
-          </p:cNvPr>
-          <p:cNvSpPr>
-            <a:spLocks noGrp="1"/>
-          </p:cNvSpPr>
-          <p:nvPr>
-            <p:ph type="ftr" sz="quarter" idx="10"/>
-          </p:nvPr>
-        </p:nvSpPr>
-        <p:spPr>
-          <a:xfrm>
-            <a:off x="972123" y="6048375"/>
-            <a:ext cx="4608513" cy="179364"/>
-          </a:xfrm>
-        </p:spPr>
-        <p:txBody>
-          <a:bodyPr/>
-          <a:lstStyle/>
-          <a:p>
-            <a:r>
-              <a:rPr lang="en-US"/>
-              <a:t>IAV  MM/YYYY  Department Code  Initials  Status: draft, confidential</a:t>
-            </a:r>
-            <a:endParaRPr lang="en-US" dirty="0"/>
-          </a:p>
-        </p:txBody>
-      </p:sp>
-      <p:sp>
-        <p:nvSpPr>
-          <p:cNvPr id="6" name="Foliennummernplatzhalter 5">
-            <a:extLst>
-              <a:ext uri="{FF2B5EF4-FFF2-40B4-BE49-F238E27FC236}">
-                <a16:creationId xmlns:a16="http://schemas.microsoft.com/office/drawing/2014/main" id="{34777B78-1BE6-449D-96D3-3FB38AACD2CA}"/>
-              </a:ext>
-            </a:extLst>
-          </p:cNvPr>
-          <p:cNvSpPr>
-            <a:spLocks noGrp="1"/>
-          </p:cNvSpPr>
-          <p:nvPr>
-            <p:ph type="sldNum" sz="quarter" idx="11"/>
-          </p:nvPr>
-        </p:nvSpPr>
-        <p:spPr>
-          <a:xfrm>
-            <a:off x="539664" y="6048399"/>
-            <a:ext cx="360000" cy="179364"/>
-          </a:xfrm>
-        </p:spPr>
-        <p:txBody>
-          <a:bodyPr/>
-          <a:lstStyle/>
-          <a:p>
-            <a:fld id="{C651C7C4-31E4-E340-822E-DEA0EA75A835}" type="slidenum">
-              <a:rPr lang="en-US" smtClean="0"/>
-              <a:pPr/>
-              <a:t>3</a:t>
-            </a:fld>
-            <a:endParaRPr lang="en-US" dirty="0"/>
-          </a:p>
-        </p:txBody>
-      </p:sp>
-      <p:sp>
-        <p:nvSpPr>
-          <p:cNvPr id="3" name="Rechteck 2">
-            <a:extLst>
-              <a:ext uri="{FF2B5EF4-FFF2-40B4-BE49-F238E27FC236}">
-                <a16:creationId xmlns:a16="http://schemas.microsoft.com/office/drawing/2014/main" id="{8A9EB58F-12BC-325D-BD14-21D6FD48A91F}"/>
-              </a:ext>
-            </a:extLst>
-          </p:cNvPr>
-          <p:cNvSpPr/>
-          <p:nvPr/>
-        </p:nvSpPr>
-        <p:spPr>
-          <a:xfrm>
-            <a:off x="899665" y="1451889"/>
-            <a:ext cx="9951812" cy="3240360"/>
-          </a:xfrm>
-          <a:prstGeom prst="rect">
-            <a:avLst/>
-          </a:prstGeom>
-          <a:solidFill>
-            <a:srgbClr val="6E6E6E"/>
-          </a:solidFill>
-          <a:ln>
-            <a:noFill/>
-          </a:ln>
-        </p:spPr>
-        <p:style>
-          <a:lnRef idx="2">
-            <a:schemeClr val="accent1">
-              <a:shade val="50000"/>
-            </a:schemeClr>
-          </a:lnRef>
-          <a:fillRef idx="1">
-            <a:schemeClr val="accent1"/>
-          </a:fillRef>
-          <a:effectRef idx="0">
-            <a:schemeClr val="accent1"/>
-          </a:effectRef>
-          <a:fontRef idx="minor">
-            <a:schemeClr val="lt1"/>
-          </a:fontRef>
-        </p:style>
-        <p:txBody>
-          <a:bodyPr lIns="144000" tIns="108000" rIns="144000" bIns="144000" rtlCol="0" anchor="t"/>
-          <a:lstStyle/>
-          <a:p>
-            <a:pPr algn="l">
-              <a:spcBef>
-                <a:spcPts val="800"/>
-              </a:spcBef>
-            </a:pPr>
-            <a:endParaRPr lang="de-DE" sz="1600" dirty="0" err="1"/>
-          </a:p>
-        </p:txBody>
-      </p:sp>
-      <p:sp>
-        <p:nvSpPr>
-          <p:cNvPr id="7" name="Rechteck 6">
-            <a:extLst>
-              <a:ext uri="{FF2B5EF4-FFF2-40B4-BE49-F238E27FC236}">
-                <a16:creationId xmlns:a16="http://schemas.microsoft.com/office/drawing/2014/main" id="{D4BD191B-5510-C4E8-9D07-0C578A76F599}"/>
-              </a:ext>
-            </a:extLst>
-          </p:cNvPr>
-          <p:cNvSpPr/>
-          <p:nvPr/>
-        </p:nvSpPr>
-        <p:spPr>
-          <a:xfrm>
-            <a:off x="1403762" y="1510902"/>
-            <a:ext cx="1043705" cy="163038"/>
-          </a:xfrm>
-          <a:prstGeom prst="rect">
-            <a:avLst/>
-          </a:prstGeom>
-          <a:solidFill>
-            <a:srgbClr val="878787"/>
-          </a:solidFill>
-          <a:ln>
-            <a:noFill/>
-          </a:ln>
-        </p:spPr>
-        <p:style>
-          <a:lnRef idx="2">
-            <a:schemeClr val="accent1">
-              <a:shade val="50000"/>
-            </a:schemeClr>
-          </a:lnRef>
-          <a:fillRef idx="1">
-            <a:schemeClr val="accent1"/>
-          </a:fillRef>
-          <a:effectRef idx="0">
-            <a:schemeClr val="accent1"/>
-          </a:effectRef>
-          <a:fontRef idx="minor">
-            <a:schemeClr val="lt1"/>
-          </a:fontRef>
-        </p:style>
-        <p:txBody>
-          <a:bodyPr lIns="144000" tIns="108000" rIns="144000" bIns="144000" rtlCol="0" anchor="t"/>
-          <a:lstStyle/>
-          <a:p>
-            <a:pPr algn="l">
-              <a:spcBef>
-                <a:spcPts val="800"/>
-              </a:spcBef>
-            </a:pPr>
-            <a:endParaRPr lang="de-DE" sz="1600" dirty="0" err="1"/>
-          </a:p>
-        </p:txBody>
-      </p:sp>
-      <p:sp>
-        <p:nvSpPr>
-          <p:cNvPr id="8" name="Rechteck 7">
-            <a:extLst>
-              <a:ext uri="{FF2B5EF4-FFF2-40B4-BE49-F238E27FC236}">
-                <a16:creationId xmlns:a16="http://schemas.microsoft.com/office/drawing/2014/main" id="{11861474-D18B-FB1E-CCD4-976D411B678D}"/>
-              </a:ext>
-            </a:extLst>
-          </p:cNvPr>
-          <p:cNvSpPr/>
-          <p:nvPr/>
-        </p:nvSpPr>
-        <p:spPr>
-          <a:xfrm>
-            <a:off x="3146620" y="1510902"/>
-            <a:ext cx="1043705" cy="163038"/>
-          </a:xfrm>
-          <a:prstGeom prst="rect">
-            <a:avLst/>
-          </a:prstGeom>
-          <a:solidFill>
-            <a:srgbClr val="878787"/>
-          </a:solidFill>
-          <a:ln>
-            <a:noFill/>
-          </a:ln>
-        </p:spPr>
-        <p:style>
-          <a:lnRef idx="2">
-            <a:schemeClr val="accent1">
-              <a:shade val="50000"/>
-            </a:schemeClr>
-          </a:lnRef>
-          <a:fillRef idx="1">
-            <a:schemeClr val="accent1"/>
-          </a:fillRef>
-          <a:effectRef idx="0">
-            <a:schemeClr val="accent1"/>
-          </a:effectRef>
-          <a:fontRef idx="minor">
-            <a:schemeClr val="lt1"/>
-          </a:fontRef>
-        </p:style>
-        <p:txBody>
-          <a:bodyPr lIns="144000" tIns="108000" rIns="144000" bIns="144000" rtlCol="0" anchor="t"/>
-          <a:lstStyle/>
-          <a:p>
-            <a:pPr algn="l">
-              <a:spcBef>
-                <a:spcPts val="800"/>
-              </a:spcBef>
-            </a:pPr>
-            <a:endParaRPr lang="de-DE" sz="1600" dirty="0" err="1"/>
-          </a:p>
-        </p:txBody>
-      </p:sp>
-      <p:sp>
-        <p:nvSpPr>
-          <p:cNvPr id="9" name="Rechteck 8">
-            <a:extLst>
-              <a:ext uri="{FF2B5EF4-FFF2-40B4-BE49-F238E27FC236}">
-                <a16:creationId xmlns:a16="http://schemas.microsoft.com/office/drawing/2014/main" id="{21086981-8198-3DE5-62D7-C81499FA3ADF}"/>
-              </a:ext>
-            </a:extLst>
-          </p:cNvPr>
-          <p:cNvSpPr/>
-          <p:nvPr/>
-        </p:nvSpPr>
-        <p:spPr>
-          <a:xfrm>
-            <a:off x="4720523" y="1510902"/>
-            <a:ext cx="1043705" cy="163038"/>
-          </a:xfrm>
-          <a:prstGeom prst="rect">
-            <a:avLst/>
-          </a:prstGeom>
-          <a:solidFill>
-            <a:srgbClr val="878787"/>
-          </a:solidFill>
-          <a:ln>
-            <a:noFill/>
-          </a:ln>
-        </p:spPr>
-        <p:style>
-          <a:lnRef idx="2">
-            <a:schemeClr val="accent1">
-              <a:shade val="50000"/>
-            </a:schemeClr>
-          </a:lnRef>
-          <a:fillRef idx="1">
-            <a:schemeClr val="accent1"/>
-          </a:fillRef>
-          <a:effectRef idx="0">
-            <a:schemeClr val="accent1"/>
-          </a:effectRef>
-          <a:fontRef idx="minor">
-            <a:schemeClr val="lt1"/>
-          </a:fontRef>
-        </p:style>
-        <p:txBody>
-          <a:bodyPr lIns="144000" tIns="108000" rIns="144000" bIns="144000" rtlCol="0" anchor="t"/>
-          <a:lstStyle/>
-          <a:p>
-            <a:pPr algn="l">
-              <a:spcBef>
-                <a:spcPts val="800"/>
-              </a:spcBef>
-            </a:pPr>
-            <a:endParaRPr lang="de-DE" sz="1600" dirty="0" err="1"/>
-          </a:p>
-        </p:txBody>
-      </p:sp>
-      <p:sp>
-        <p:nvSpPr>
-          <p:cNvPr id="10" name="Rechteck 9">
-            <a:extLst>
-              <a:ext uri="{FF2B5EF4-FFF2-40B4-BE49-F238E27FC236}">
-                <a16:creationId xmlns:a16="http://schemas.microsoft.com/office/drawing/2014/main" id="{3F6261C1-1D5A-E0AB-DB36-FF7274F8A9E3}"/>
-              </a:ext>
-            </a:extLst>
-          </p:cNvPr>
-          <p:cNvSpPr/>
-          <p:nvPr/>
-        </p:nvSpPr>
-        <p:spPr>
-          <a:xfrm>
-            <a:off x="6294426" y="1510902"/>
-            <a:ext cx="1043705" cy="163038"/>
-          </a:xfrm>
-          <a:prstGeom prst="rect">
-            <a:avLst/>
-          </a:prstGeom>
-          <a:solidFill>
-            <a:srgbClr val="878787"/>
-          </a:solidFill>
-          <a:ln>
-            <a:noFill/>
-          </a:ln>
-        </p:spPr>
-        <p:style>
-          <a:lnRef idx="2">
-            <a:schemeClr val="accent1">
-              <a:shade val="50000"/>
-            </a:schemeClr>
-          </a:lnRef>
-          <a:fillRef idx="1">
-            <a:schemeClr val="accent1"/>
-          </a:fillRef>
-          <a:effectRef idx="0">
-            <a:schemeClr val="accent1"/>
-          </a:effectRef>
-          <a:fontRef idx="minor">
-            <a:schemeClr val="lt1"/>
-          </a:fontRef>
-        </p:style>
-        <p:txBody>
-          <a:bodyPr lIns="144000" tIns="108000" rIns="144000" bIns="144000" rtlCol="0" anchor="t"/>
-          <a:lstStyle/>
-          <a:p>
-            <a:pPr algn="l">
-              <a:spcBef>
-                <a:spcPts val="800"/>
-              </a:spcBef>
-            </a:pPr>
-            <a:endParaRPr lang="de-DE" sz="1600" dirty="0" err="1"/>
-          </a:p>
-        </p:txBody>
-      </p:sp>
-      <p:sp>
-        <p:nvSpPr>
-          <p:cNvPr id="11" name="Rechteck 10">
-            <a:extLst>
-              <a:ext uri="{FF2B5EF4-FFF2-40B4-BE49-F238E27FC236}">
-                <a16:creationId xmlns:a16="http://schemas.microsoft.com/office/drawing/2014/main" id="{736C4567-27A0-FDC5-8B34-A6D4DB2402E8}"/>
-              </a:ext>
-            </a:extLst>
-          </p:cNvPr>
-          <p:cNvSpPr/>
-          <p:nvPr/>
-        </p:nvSpPr>
-        <p:spPr>
-          <a:xfrm>
-            <a:off x="7719541" y="1510902"/>
-            <a:ext cx="1043705" cy="163038"/>
-          </a:xfrm>
-          <a:prstGeom prst="rect">
-            <a:avLst/>
-          </a:prstGeom>
-          <a:solidFill>
-            <a:srgbClr val="878787"/>
-          </a:solidFill>
-          <a:ln>
-            <a:noFill/>
-          </a:ln>
-        </p:spPr>
-        <p:style>
-          <a:lnRef idx="2">
-            <a:schemeClr val="accent1">
-              <a:shade val="50000"/>
-            </a:schemeClr>
-          </a:lnRef>
-          <a:fillRef idx="1">
-            <a:schemeClr val="accent1"/>
-          </a:fillRef>
-          <a:effectRef idx="0">
-            <a:schemeClr val="accent1"/>
-          </a:effectRef>
-          <a:fontRef idx="minor">
-            <a:schemeClr val="lt1"/>
-          </a:fontRef>
-        </p:style>
-        <p:txBody>
-          <a:bodyPr lIns="144000" tIns="108000" rIns="144000" bIns="144000" rtlCol="0" anchor="t"/>
-          <a:lstStyle/>
-          <a:p>
-            <a:pPr algn="l">
-              <a:spcBef>
-                <a:spcPts val="800"/>
-              </a:spcBef>
-            </a:pPr>
-            <a:endParaRPr lang="de-DE" sz="1600" dirty="0" err="1"/>
-          </a:p>
-        </p:txBody>
-      </p:sp>
-      <p:sp>
-        <p:nvSpPr>
-          <p:cNvPr id="12" name="Rechteck 11">
-            <a:extLst>
-              <a:ext uri="{FF2B5EF4-FFF2-40B4-BE49-F238E27FC236}">
-                <a16:creationId xmlns:a16="http://schemas.microsoft.com/office/drawing/2014/main" id="{2F885A44-37E2-8E4C-1E5F-9410E1F4C25A}"/>
-              </a:ext>
-            </a:extLst>
-          </p:cNvPr>
-          <p:cNvSpPr/>
-          <p:nvPr/>
-        </p:nvSpPr>
-        <p:spPr>
-          <a:xfrm>
-            <a:off x="9144656" y="1510902"/>
-            <a:ext cx="1043705" cy="163038"/>
-          </a:xfrm>
-          <a:prstGeom prst="rect">
-            <a:avLst/>
-          </a:prstGeom>
-          <a:solidFill>
-            <a:srgbClr val="878787"/>
-          </a:solidFill>
-          <a:ln>
-            <a:noFill/>
-          </a:ln>
-        </p:spPr>
-        <p:style>
-          <a:lnRef idx="2">
-            <a:schemeClr val="accent1">
-              <a:shade val="50000"/>
-            </a:schemeClr>
-          </a:lnRef>
-          <a:fillRef idx="1">
-            <a:schemeClr val="accent1"/>
-          </a:fillRef>
-          <a:effectRef idx="0">
-            <a:schemeClr val="accent1"/>
-          </a:effectRef>
-          <a:fontRef idx="minor">
-            <a:schemeClr val="lt1"/>
-          </a:fontRef>
-        </p:style>
-        <p:txBody>
-          <a:bodyPr lIns="144000" tIns="108000" rIns="144000" bIns="144000" rtlCol="0" anchor="t"/>
-          <a:lstStyle/>
-          <a:p>
-            <a:pPr algn="l">
-              <a:spcBef>
-                <a:spcPts val="800"/>
-              </a:spcBef>
-            </a:pPr>
-            <a:endParaRPr lang="de-DE" sz="1600" dirty="0" err="1"/>
-          </a:p>
-        </p:txBody>
-      </p:sp>
-      <p:pic>
-        <p:nvPicPr>
-          <p:cNvPr id="14" name="Grafik 13">
-            <a:extLst>
-              <a:ext uri="{FF2B5EF4-FFF2-40B4-BE49-F238E27FC236}">
-                <a16:creationId xmlns:a16="http://schemas.microsoft.com/office/drawing/2014/main" id="{5AE5C259-F897-68CA-129B-3B6FB7F8D2E4}"/>
-              </a:ext>
-            </a:extLst>
-          </p:cNvPr>
-          <p:cNvPicPr>
-            <a:picLocks noChangeAspect="1"/>
-          </p:cNvPicPr>
-          <p:nvPr/>
-        </p:nvPicPr>
-        <p:blipFill>
-          <a:blip r:embed="rId3">
-            <a:extLst>
-              <a:ext uri="{28A0092B-C50C-407E-A947-70E740481C1C}">
-                <a14:useLocalDpi xmlns:a14="http://schemas.microsoft.com/office/drawing/2010/main" val="0"/>
-              </a:ext>
-            </a:extLst>
-          </a:blip>
-          <a:stretch>
-            <a:fillRect/>
-          </a:stretch>
-        </p:blipFill>
-        <p:spPr>
-          <a:xfrm>
-            <a:off x="4019258" y="3181141"/>
-            <a:ext cx="3105583" cy="1581371"/>
-          </a:xfrm>
-          <a:prstGeom prst="rect">
-            <a:avLst/>
-          </a:prstGeom>
-        </p:spPr>
-      </p:pic>
-      <p:pic>
-        <p:nvPicPr>
-          <p:cNvPr id="16" name="Grafik 15">
-            <a:extLst>
-              <a:ext uri="{FF2B5EF4-FFF2-40B4-BE49-F238E27FC236}">
-                <a16:creationId xmlns:a16="http://schemas.microsoft.com/office/drawing/2014/main" id="{45DFEDDC-8D12-4494-E993-FDE8945247E4}"/>
-              </a:ext>
-            </a:extLst>
-          </p:cNvPr>
-          <p:cNvPicPr>
-            <a:picLocks noChangeAspect="1"/>
-          </p:cNvPicPr>
-          <p:nvPr/>
-        </p:nvPicPr>
-        <p:blipFill>
-          <a:blip r:embed="rId4">
-            <a:extLst>
-              <a:ext uri="{28A0092B-C50C-407E-A947-70E740481C1C}">
-                <a14:useLocalDpi xmlns:a14="http://schemas.microsoft.com/office/drawing/2010/main" val="0"/>
-              </a:ext>
-            </a:extLst>
-          </a:blip>
-          <a:stretch>
-            <a:fillRect/>
-          </a:stretch>
-        </p:blipFill>
-        <p:spPr>
-          <a:xfrm rot="10800000">
-            <a:off x="1008531" y="1772747"/>
-            <a:ext cx="3181794" cy="1486107"/>
-          </a:xfrm>
-          <a:prstGeom prst="rect">
-            <a:avLst/>
-          </a:prstGeom>
-        </p:spPr>
-      </p:pic>
-      <p:sp>
-        <p:nvSpPr>
-          <p:cNvPr id="17" name="Rechteck 16">
-            <a:extLst>
-              <a:ext uri="{FF2B5EF4-FFF2-40B4-BE49-F238E27FC236}">
-                <a16:creationId xmlns:a16="http://schemas.microsoft.com/office/drawing/2014/main" id="{405243C3-24D0-EE33-6FC8-1F1B0586C854}"/>
-              </a:ext>
-            </a:extLst>
-          </p:cNvPr>
-          <p:cNvSpPr/>
-          <p:nvPr/>
-        </p:nvSpPr>
-        <p:spPr>
-          <a:xfrm>
-            <a:off x="925132" y="3217227"/>
-            <a:ext cx="10002880" cy="45719"/>
-          </a:xfrm>
-          <a:prstGeom prst="rect">
-            <a:avLst/>
-          </a:prstGeom>
-          <a:solidFill>
-            <a:srgbClr val="878787"/>
-          </a:solidFill>
-          <a:ln>
-            <a:noFill/>
-          </a:ln>
-        </p:spPr>
-        <p:style>
-          <a:lnRef idx="2">
-            <a:schemeClr val="accent1">
-              <a:shade val="50000"/>
-            </a:schemeClr>
-          </a:lnRef>
-          <a:fillRef idx="1">
-            <a:schemeClr val="accent1"/>
-          </a:fillRef>
-          <a:effectRef idx="0">
-            <a:schemeClr val="accent1"/>
-          </a:effectRef>
-          <a:fontRef idx="minor">
-            <a:schemeClr val="lt1"/>
-          </a:fontRef>
-        </p:style>
-        <p:txBody>
-          <a:bodyPr lIns="144000" tIns="108000" rIns="144000" bIns="144000" rtlCol="0" anchor="t"/>
-          <a:lstStyle/>
-          <a:p>
-            <a:pPr algn="l">
-              <a:spcBef>
-                <a:spcPts val="800"/>
-              </a:spcBef>
-            </a:pPr>
-            <a:endParaRPr lang="de-DE" sz="1600" dirty="0" err="1"/>
-          </a:p>
-        </p:txBody>
-      </p:sp>
-      <p:pic>
-        <p:nvPicPr>
-          <p:cNvPr id="18" name="Grafik 17">
-            <a:extLst>
-              <a:ext uri="{FF2B5EF4-FFF2-40B4-BE49-F238E27FC236}">
-                <a16:creationId xmlns:a16="http://schemas.microsoft.com/office/drawing/2014/main" id="{B0709E0F-11FC-523A-7EF0-5D5EF03A5CC5}"/>
-              </a:ext>
-            </a:extLst>
-          </p:cNvPr>
-          <p:cNvPicPr>
-            <a:picLocks noChangeAspect="1"/>
-          </p:cNvPicPr>
-          <p:nvPr/>
-        </p:nvPicPr>
-        <p:blipFill>
-          <a:blip r:embed="rId4">
-            <a:extLst>
-              <a:ext uri="{28A0092B-C50C-407E-A947-70E740481C1C}">
-                <a14:useLocalDpi xmlns:a14="http://schemas.microsoft.com/office/drawing/2010/main" val="0"/>
-              </a:ext>
-            </a:extLst>
-          </a:blip>
-          <a:stretch>
-            <a:fillRect/>
-          </a:stretch>
-        </p:blipFill>
-        <p:spPr>
-          <a:xfrm rot="10800000">
-            <a:off x="7719541" y="3276405"/>
-            <a:ext cx="3181794" cy="1486107"/>
-          </a:xfrm>
-          <a:prstGeom prst="rect">
-            <a:avLst/>
-          </a:prstGeom>
-        </p:spPr>
-      </p:pic>
-      <p:pic>
-        <p:nvPicPr>
-          <p:cNvPr id="24" name="Grafik 23">
-            <a:extLst>
-              <a:ext uri="{FF2B5EF4-FFF2-40B4-BE49-F238E27FC236}">
-                <a16:creationId xmlns:a16="http://schemas.microsoft.com/office/drawing/2014/main" id="{4C0C36A6-7B0E-E464-DFC5-B561019C5B1E}"/>
-              </a:ext>
-            </a:extLst>
-          </p:cNvPr>
-          <p:cNvPicPr>
-            <a:picLocks noChangeAspect="1"/>
-          </p:cNvPicPr>
-          <p:nvPr/>
-        </p:nvPicPr>
-        <p:blipFill>
-          <a:blip r:embed="rId5">
-            <a:extLst>
-              <a:ext uri="{28A0092B-C50C-407E-A947-70E740481C1C}">
-                <a14:useLocalDpi xmlns:a14="http://schemas.microsoft.com/office/drawing/2010/main" val="0"/>
-              </a:ext>
-            </a:extLst>
-          </a:blip>
-          <a:stretch>
-            <a:fillRect/>
-          </a:stretch>
-        </p:blipFill>
-        <p:spPr>
-          <a:xfrm>
-            <a:off x="7187965" y="3427919"/>
-            <a:ext cx="513300" cy="520205"/>
-          </a:xfrm>
-          <a:prstGeom prst="rect">
-            <a:avLst/>
-          </a:prstGeom>
-        </p:spPr>
-      </p:pic>
-    </p:spTree>
-    <p:extLst>
-      <p:ext uri="{BB962C8B-B14F-4D97-AF65-F5344CB8AC3E}">
-        <p14:creationId xmlns:p14="http://schemas.microsoft.com/office/powerpoint/2010/main" val="366581959"/>
-      </p:ext>
-    </p:extLst>
-  </p:cSld>
-  <p:clrMapOvr>
-    <a:masterClrMapping/>
-  </p:clrMapOvr>
-</p:sld>
-</file>
-
-<file path=ppt/slides/slide4.xml><?xml version="1.0" encoding="utf-8"?>
-<p:sld xmlns:a="http://schemas.openxmlformats.org/drawingml/2006/main" xmlns:r="http://schemas.openxmlformats.org/officeDocument/2006/relationships" xmlns:p="http://schemas.openxmlformats.org/presentationml/2006/main">
-  <p:cSld>
-    <p:spTree>
-      <p:nvGrpSpPr>
-        <p:cNvPr id="1" name=""/>
-        <p:cNvGrpSpPr/>
-        <p:nvPr/>
-      </p:nvGrpSpPr>
-      <p:grpSpPr>
-        <a:xfrm>
-          <a:off x="0" y="0"/>
-          <a:ext cx="0" cy="0"/>
-          <a:chOff x="0" y="0"/>
-          <a:chExt cx="0" cy="0"/>
-        </a:xfrm>
-      </p:grpSpPr>
-      <p:sp>
-        <p:nvSpPr>
-          <p:cNvPr id="3" name="Rechteck 2">
-            <a:extLst>
-              <a:ext uri="{FF2B5EF4-FFF2-40B4-BE49-F238E27FC236}">
-                <a16:creationId xmlns:a16="http://schemas.microsoft.com/office/drawing/2014/main" id="{8A9EB58F-12BC-325D-BD14-21D6FD48A91F}"/>
-              </a:ext>
-            </a:extLst>
-          </p:cNvPr>
-          <p:cNvSpPr/>
-          <p:nvPr/>
-        </p:nvSpPr>
-        <p:spPr>
-          <a:xfrm>
-            <a:off x="1166811" y="1451889"/>
+            <a:off x="890024" y="886663"/>
             <a:ext cx="9731238" cy="3240360"/>
           </a:xfrm>
           <a:prstGeom prst="rect">
@@ -12988,7 +11737,7 @@
         </p:nvSpPr>
         <p:spPr>
           <a:xfrm>
-            <a:off x="1171306" y="3158282"/>
+            <a:off x="894519" y="2593056"/>
             <a:ext cx="9731238" cy="1533967"/>
           </a:xfrm>
           <a:prstGeom prst="rect">
@@ -13057,10 +11806,9 @@
           <a:lstStyle/>
           <a:p>
             <a:r>
-              <a:rPr lang="en-US" dirty="0" err="1"/>
-              <a:t>TopView</a:t>
+              <a:rPr lang="en-US" dirty="0"/>
+              <a:t>Use Case</a:t>
             </a:r>
-            <a:endParaRPr lang="en-US" dirty="0"/>
           </a:p>
         </p:txBody>
       </p:sp>
@@ -13127,7 +11875,7 @@
             <a:fld id="{C651C7C4-31E4-E340-822E-DEA0EA75A835}" type="slidenum">
               <a:rPr lang="en-US" smtClean="0"/>
               <a:pPr/>
-              <a:t>4</a:t>
+              <a:t>2</a:t>
             </a:fld>
             <a:endParaRPr lang="en-US" dirty="0"/>
           </a:p>
@@ -13147,7 +11895,7 @@
         </p:nvSpPr>
         <p:spPr>
           <a:xfrm>
-            <a:off x="1403762" y="1510902"/>
+            <a:off x="1126975" y="945676"/>
             <a:ext cx="1043705" cy="145009"/>
           </a:xfrm>
           <a:prstGeom prst="rect">
@@ -13207,7 +11955,7 @@
         </p:nvSpPr>
         <p:spPr>
           <a:xfrm>
-            <a:off x="3146620" y="1510902"/>
+            <a:off x="2869833" y="945676"/>
             <a:ext cx="1043705" cy="145009"/>
           </a:xfrm>
           <a:prstGeom prst="rect">
@@ -13267,7 +12015,7 @@
         </p:nvSpPr>
         <p:spPr>
           <a:xfrm>
-            <a:off x="4720523" y="1510902"/>
+            <a:off x="4443736" y="945676"/>
             <a:ext cx="1043705" cy="145009"/>
           </a:xfrm>
           <a:prstGeom prst="rect">
@@ -13327,7 +12075,7 @@
         </p:nvSpPr>
         <p:spPr>
           <a:xfrm>
-            <a:off x="6294426" y="1510902"/>
+            <a:off x="6017639" y="945676"/>
             <a:ext cx="1043705" cy="145009"/>
           </a:xfrm>
           <a:prstGeom prst="rect">
@@ -13387,7 +12135,7 @@
         </p:nvSpPr>
         <p:spPr>
           <a:xfrm>
-            <a:off x="7719541" y="1510902"/>
+            <a:off x="7442754" y="945676"/>
             <a:ext cx="1043705" cy="145009"/>
           </a:xfrm>
           <a:prstGeom prst="rect">
@@ -13447,7 +12195,7 @@
         </p:nvSpPr>
         <p:spPr>
           <a:xfrm>
-            <a:off x="9144656" y="1510902"/>
+            <a:off x="8867869" y="945676"/>
             <a:ext cx="1043705" cy="145009"/>
           </a:xfrm>
           <a:prstGeom prst="rect">
@@ -13521,7 +12269,7 @@
         </p:blipFill>
         <p:spPr>
           <a:xfrm>
-            <a:off x="4019258" y="3181141"/>
+            <a:off x="3742471" y="2615915"/>
             <a:ext cx="3105583" cy="1581371"/>
           </a:xfrm>
           <a:prstGeom prst="rect">
@@ -13557,7 +12305,7 @@
         </p:blipFill>
         <p:spPr>
           <a:xfrm rot="10800000">
-            <a:off x="1051304" y="1681972"/>
+            <a:off x="774517" y="1116746"/>
             <a:ext cx="3181794" cy="1486107"/>
           </a:xfrm>
           <a:prstGeom prst="rect">
@@ -13593,7 +12341,7 @@
         </p:blipFill>
         <p:spPr>
           <a:xfrm flipH="1">
-            <a:off x="2196740" y="2180712"/>
+            <a:off x="1919953" y="1615486"/>
             <a:ext cx="501454" cy="440936"/>
           </a:xfrm>
           <a:prstGeom prst="rect">
@@ -13615,7 +12363,7 @@
         </p:nvSpPr>
         <p:spPr>
           <a:xfrm rot="3327987">
-            <a:off x="6586407" y="3228523"/>
+            <a:off x="6309620" y="2663297"/>
             <a:ext cx="373336" cy="328045"/>
           </a:xfrm>
           <a:prstGeom prst="irregularSeal2">
@@ -13671,7 +12419,7 @@
         </p:nvGrpSpPr>
         <p:grpSpPr>
           <a:xfrm>
-            <a:off x="7220349" y="3221597"/>
+            <a:off x="6943562" y="2656371"/>
             <a:ext cx="468917" cy="767700"/>
             <a:chOff x="5827757" y="2087959"/>
             <a:chExt cx="468917" cy="767700"/>
@@ -13950,7 +12698,7 @@
         </p:nvSpPr>
         <p:spPr>
           <a:xfrm>
-            <a:off x="4059070" y="3263896"/>
+            <a:off x="3782283" y="2698670"/>
             <a:ext cx="373336" cy="328045"/>
           </a:xfrm>
           <a:prstGeom prst="irregularSeal2">
@@ -14006,7 +12754,7 @@
         </p:nvGrpSpPr>
         <p:grpSpPr>
           <a:xfrm>
-            <a:off x="7236417" y="3874699"/>
+            <a:off x="6959630" y="3309473"/>
             <a:ext cx="468917" cy="767700"/>
             <a:chOff x="5827757" y="2087959"/>
             <a:chExt cx="468917" cy="767700"/>
@@ -14299,7 +13047,7 @@
         </p:blipFill>
         <p:spPr>
           <a:xfrm>
-            <a:off x="7188226" y="3484045"/>
+            <a:off x="6911439" y="2918819"/>
             <a:ext cx="513300" cy="520205"/>
           </a:xfrm>
           <a:prstGeom prst="rect">
@@ -14335,7 +13083,7 @@
         </p:blipFill>
         <p:spPr>
           <a:xfrm>
-            <a:off x="7837231" y="3157241"/>
+            <a:off x="7560444" y="2592015"/>
             <a:ext cx="3105583" cy="1581371"/>
           </a:xfrm>
           <a:prstGeom prst="rect">
@@ -14347,6 +13095,934 @@
     <p:extLst>
       <p:ext uri="{BB962C8B-B14F-4D97-AF65-F5344CB8AC3E}">
         <p14:creationId xmlns:p14="http://schemas.microsoft.com/office/powerpoint/2010/main" val="4170225626"/>
+      </p:ext>
+    </p:extLst>
+  </p:cSld>
+  <p:clrMapOvr>
+    <a:masterClrMapping/>
+  </p:clrMapOvr>
+</p:sld>
+</file>
+
+<file path=ppt/slides/slide3.xml><?xml version="1.0" encoding="utf-8"?>
+<p:sld xmlns:a="http://schemas.openxmlformats.org/drawingml/2006/main" xmlns:r="http://schemas.openxmlformats.org/officeDocument/2006/relationships" xmlns:p="http://schemas.openxmlformats.org/presentationml/2006/main">
+  <p:cSld>
+    <p:spTree>
+      <p:nvGrpSpPr>
+        <p:cNvPr id="1" name=""/>
+        <p:cNvGrpSpPr/>
+        <p:nvPr/>
+      </p:nvGrpSpPr>
+      <p:grpSpPr>
+        <a:xfrm>
+          <a:off x="0" y="0"/>
+          <a:ext cx="0" cy="0"/>
+          <a:chOff x="0" y="0"/>
+          <a:chExt cx="0" cy="0"/>
+        </a:xfrm>
+      </p:grpSpPr>
+      <p:sp>
+        <p:nvSpPr>
+          <p:cNvPr id="2" name="Titel 1">
+            <a:extLst>
+              <a:ext uri="{FF2B5EF4-FFF2-40B4-BE49-F238E27FC236}">
+                <a16:creationId xmlns:a16="http://schemas.microsoft.com/office/drawing/2014/main" id="{A14DF4DA-435B-C13D-16EA-58B12C1FD8D3}"/>
+              </a:ext>
+            </a:extLst>
+          </p:cNvPr>
+          <p:cNvSpPr>
+            <a:spLocks noGrp="1"/>
+          </p:cNvSpPr>
+          <p:nvPr>
+            <p:ph type="title"/>
+          </p:nvPr>
+        </p:nvSpPr>
+        <p:spPr/>
+        <p:txBody>
+          <a:bodyPr/>
+          <a:lstStyle/>
+          <a:p>
+            <a:r>
+              <a:rPr lang="de-DE" dirty="0"/>
+              <a:t>Business Case </a:t>
+            </a:r>
+          </a:p>
+        </p:txBody>
+      </p:sp>
+      <p:sp>
+        <p:nvSpPr>
+          <p:cNvPr id="3" name="Fußzeilenplatzhalter 2">
+            <a:extLst>
+              <a:ext uri="{FF2B5EF4-FFF2-40B4-BE49-F238E27FC236}">
+                <a16:creationId xmlns:a16="http://schemas.microsoft.com/office/drawing/2014/main" id="{2AD5488D-2994-9AD1-38C6-8D7355C3D5A5}"/>
+              </a:ext>
+            </a:extLst>
+          </p:cNvPr>
+          <p:cNvSpPr>
+            <a:spLocks noGrp="1"/>
+          </p:cNvSpPr>
+          <p:nvPr>
+            <p:ph type="ftr" sz="quarter" idx="10"/>
+          </p:nvPr>
+        </p:nvSpPr>
+        <p:spPr/>
+        <p:txBody>
+          <a:bodyPr/>
+          <a:lstStyle/>
+          <a:p>
+            <a:r>
+              <a:rPr lang="en-US"/>
+              <a:t>IAV  MM/YYYY  Department Code  Initials  Status: draft, confidential</a:t>
+            </a:r>
+            <a:endParaRPr lang="en-US" dirty="0"/>
+          </a:p>
+        </p:txBody>
+      </p:sp>
+      <p:sp>
+        <p:nvSpPr>
+          <p:cNvPr id="4" name="Foliennummernplatzhalter 3">
+            <a:extLst>
+              <a:ext uri="{FF2B5EF4-FFF2-40B4-BE49-F238E27FC236}">
+                <a16:creationId xmlns:a16="http://schemas.microsoft.com/office/drawing/2014/main" id="{105E8B0F-9C5B-B687-BE4C-9DB3ED3F882F}"/>
+              </a:ext>
+            </a:extLst>
+          </p:cNvPr>
+          <p:cNvSpPr>
+            <a:spLocks noGrp="1"/>
+          </p:cNvSpPr>
+          <p:nvPr>
+            <p:ph type="sldNum" sz="quarter" idx="11"/>
+          </p:nvPr>
+        </p:nvSpPr>
+        <p:spPr/>
+        <p:txBody>
+          <a:bodyPr/>
+          <a:lstStyle/>
+          <a:p>
+            <a:fld id="{C651C7C4-31E4-E340-822E-DEA0EA75A835}" type="slidenum">
+              <a:rPr lang="en-US" smtClean="0"/>
+              <a:pPr/>
+              <a:t>3</a:t>
+            </a:fld>
+            <a:endParaRPr lang="en-US" dirty="0"/>
+          </a:p>
+        </p:txBody>
+      </p:sp>
+      <p:sp>
+        <p:nvSpPr>
+          <p:cNvPr id="5" name="Textplatzhalter 4">
+            <a:extLst>
+              <a:ext uri="{FF2B5EF4-FFF2-40B4-BE49-F238E27FC236}">
+                <a16:creationId xmlns:a16="http://schemas.microsoft.com/office/drawing/2014/main" id="{7F314DE2-1506-FF93-4CB3-25BB9027C869}"/>
+              </a:ext>
+            </a:extLst>
+          </p:cNvPr>
+          <p:cNvSpPr>
+            <a:spLocks noGrp="1"/>
+          </p:cNvSpPr>
+          <p:nvPr>
+            <p:ph type="body" sz="quarter" idx="12"/>
+          </p:nvPr>
+        </p:nvSpPr>
+        <p:spPr>
+          <a:xfrm>
+            <a:off x="539750" y="1295400"/>
+            <a:ext cx="8280400" cy="3350148"/>
+          </a:xfrm>
+        </p:spPr>
+        <p:txBody>
+          <a:bodyPr/>
+          <a:lstStyle/>
+          <a:p>
+            <a:pPr marL="0" indent="0">
+              <a:buNone/>
+            </a:pPr>
+            <a:r>
+              <a:rPr lang="de-DE" b="1" dirty="0"/>
+              <a:t>Nutzen</a:t>
+            </a:r>
+          </a:p>
+          <a:p>
+            <a:pPr lvl="1"/>
+            <a:r>
+              <a:rPr lang="de-DE" dirty="0"/>
+              <a:t>Verbesserung der Verkehrssicherheit von Fußgänger.</a:t>
+            </a:r>
+          </a:p>
+          <a:p>
+            <a:pPr lvl="1"/>
+            <a:r>
+              <a:rPr lang="de-DE" dirty="0"/>
+              <a:t>Prädiktive Warnung des aktiven Straßenverkehr vor Gefahren.</a:t>
+            </a:r>
+          </a:p>
+          <a:p>
+            <a:pPr marL="0" indent="0">
+              <a:buNone/>
+            </a:pPr>
+            <a:r>
+              <a:rPr lang="de-DE" b="1" dirty="0"/>
+              <a:t>Kosten</a:t>
+            </a:r>
+          </a:p>
+          <a:p>
+            <a:pPr lvl="1"/>
+            <a:r>
+              <a:rPr lang="de-DE" dirty="0"/>
+              <a:t>Geringe Kosten da auf bestehen Sensorik im Fahrzeug zugegriffen wird und es sich um ein reines Software Produkt handelt.</a:t>
+            </a:r>
+          </a:p>
+          <a:p>
+            <a:pPr marL="0" indent="0">
+              <a:buNone/>
+            </a:pPr>
+            <a:r>
+              <a:rPr lang="de-DE" b="1" dirty="0"/>
+              <a:t>Risiken</a:t>
+            </a:r>
+          </a:p>
+          <a:p>
+            <a:pPr lvl="1"/>
+            <a:r>
+              <a:rPr lang="de-DE" dirty="0"/>
+              <a:t>Geringe Kundenakzeptanz durch Fehldetektion.</a:t>
+            </a:r>
+          </a:p>
+          <a:p>
+            <a:pPr lvl="1"/>
+            <a:endParaRPr lang="de-DE" dirty="0"/>
+          </a:p>
+        </p:txBody>
+      </p:sp>
+    </p:spTree>
+    <p:extLst>
+      <p:ext uri="{BB962C8B-B14F-4D97-AF65-F5344CB8AC3E}">
+        <p14:creationId xmlns:p14="http://schemas.microsoft.com/office/powerpoint/2010/main" val="116255603"/>
+      </p:ext>
+    </p:extLst>
+  </p:cSld>
+  <p:clrMapOvr>
+    <a:masterClrMapping/>
+  </p:clrMapOvr>
+</p:sld>
+</file>
+
+<file path=ppt/slides/slide4.xml><?xml version="1.0" encoding="utf-8"?>
+<p:sld xmlns:a="http://schemas.openxmlformats.org/drawingml/2006/main" xmlns:r="http://schemas.openxmlformats.org/officeDocument/2006/relationships" xmlns:p="http://schemas.openxmlformats.org/presentationml/2006/main">
+  <p:cSld>
+    <p:spTree>
+      <p:nvGrpSpPr>
+        <p:cNvPr id="1" name=""/>
+        <p:cNvGrpSpPr/>
+        <p:nvPr/>
+      </p:nvGrpSpPr>
+      <p:grpSpPr>
+        <a:xfrm>
+          <a:off x="0" y="0"/>
+          <a:ext cx="0" cy="0"/>
+          <a:chOff x="0" y="0"/>
+          <a:chExt cx="0" cy="0"/>
+        </a:xfrm>
+      </p:grpSpPr>
+      <p:sp>
+        <p:nvSpPr>
+          <p:cNvPr id="4" name="Titel 3">
+            <a:extLst>
+              <a:ext uri="{FF2B5EF4-FFF2-40B4-BE49-F238E27FC236}">
+                <a16:creationId xmlns:a16="http://schemas.microsoft.com/office/drawing/2014/main" id="{80750A73-FDEC-4A78-A501-53D5BE0CA08C}"/>
+              </a:ext>
+            </a:extLst>
+          </p:cNvPr>
+          <p:cNvSpPr>
+            <a:spLocks noGrp="1"/>
+          </p:cNvSpPr>
+          <p:nvPr>
+            <p:ph type="title"/>
+          </p:nvPr>
+        </p:nvSpPr>
+        <p:spPr>
+          <a:xfrm>
+            <a:off x="539750" y="359767"/>
+            <a:ext cx="10440988" cy="361875"/>
+          </a:xfrm>
+        </p:spPr>
+        <p:txBody>
+          <a:bodyPr/>
+          <a:lstStyle/>
+          <a:p>
+            <a:r>
+              <a:rPr lang="en-US" dirty="0" err="1"/>
+              <a:t>TopView</a:t>
+            </a:r>
+            <a:endParaRPr lang="en-US" dirty="0"/>
+          </a:p>
+        </p:txBody>
+      </p:sp>
+      <p:sp>
+        <p:nvSpPr>
+          <p:cNvPr id="2" name="Fußzeilenplatzhalter 1">
+            <a:extLst>
+              <a:ext uri="{FF2B5EF4-FFF2-40B4-BE49-F238E27FC236}">
+                <a16:creationId xmlns:a16="http://schemas.microsoft.com/office/drawing/2014/main" id="{7054490E-C206-42A8-A4EE-672A868A9F51}"/>
+              </a:ext>
+            </a:extLst>
+          </p:cNvPr>
+          <p:cNvSpPr>
+            <a:spLocks noGrp="1"/>
+          </p:cNvSpPr>
+          <p:nvPr>
+            <p:ph type="ftr" sz="quarter" idx="10"/>
+          </p:nvPr>
+        </p:nvSpPr>
+        <p:spPr>
+          <a:xfrm>
+            <a:off x="972123" y="6048375"/>
+            <a:ext cx="4608513" cy="179364"/>
+          </a:xfrm>
+        </p:spPr>
+        <p:txBody>
+          <a:bodyPr/>
+          <a:lstStyle/>
+          <a:p>
+            <a:r>
+              <a:rPr lang="en-US"/>
+              <a:t>IAV  MM/YYYY  Department Code  Initials  Status: draft, confidential</a:t>
+            </a:r>
+            <a:endParaRPr lang="en-US" dirty="0"/>
+          </a:p>
+        </p:txBody>
+      </p:sp>
+      <p:sp>
+        <p:nvSpPr>
+          <p:cNvPr id="6" name="Foliennummernplatzhalter 5">
+            <a:extLst>
+              <a:ext uri="{FF2B5EF4-FFF2-40B4-BE49-F238E27FC236}">
+                <a16:creationId xmlns:a16="http://schemas.microsoft.com/office/drawing/2014/main" id="{34777B78-1BE6-449D-96D3-3FB38AACD2CA}"/>
+              </a:ext>
+            </a:extLst>
+          </p:cNvPr>
+          <p:cNvSpPr>
+            <a:spLocks noGrp="1"/>
+          </p:cNvSpPr>
+          <p:nvPr>
+            <p:ph type="sldNum" sz="quarter" idx="11"/>
+          </p:nvPr>
+        </p:nvSpPr>
+        <p:spPr>
+          <a:xfrm>
+            <a:off x="539664" y="6048399"/>
+            <a:ext cx="360000" cy="179364"/>
+          </a:xfrm>
+        </p:spPr>
+        <p:txBody>
+          <a:bodyPr/>
+          <a:lstStyle/>
+          <a:p>
+            <a:fld id="{C651C7C4-31E4-E340-822E-DEA0EA75A835}" type="slidenum">
+              <a:rPr lang="en-US" smtClean="0"/>
+              <a:pPr/>
+              <a:t>4</a:t>
+            </a:fld>
+            <a:endParaRPr lang="en-US" dirty="0"/>
+          </a:p>
+        </p:txBody>
+      </p:sp>
+      <p:sp>
+        <p:nvSpPr>
+          <p:cNvPr id="3" name="Rechteck 2">
+            <a:extLst>
+              <a:ext uri="{FF2B5EF4-FFF2-40B4-BE49-F238E27FC236}">
+                <a16:creationId xmlns:a16="http://schemas.microsoft.com/office/drawing/2014/main" id="{8A9EB58F-12BC-325D-BD14-21D6FD48A91F}"/>
+              </a:ext>
+            </a:extLst>
+          </p:cNvPr>
+          <p:cNvSpPr/>
+          <p:nvPr/>
+        </p:nvSpPr>
+        <p:spPr>
+          <a:xfrm>
+            <a:off x="993063" y="824743"/>
+            <a:ext cx="9684665" cy="4647592"/>
+          </a:xfrm>
+          <a:prstGeom prst="rect">
+            <a:avLst/>
+          </a:prstGeom>
+          <a:solidFill>
+            <a:srgbClr val="6E6E6E"/>
+          </a:solidFill>
+          <a:ln>
+            <a:noFill/>
+          </a:ln>
+        </p:spPr>
+        <p:style>
+          <a:lnRef idx="2">
+            <a:schemeClr val="accent1">
+              <a:shade val="50000"/>
+            </a:schemeClr>
+          </a:lnRef>
+          <a:fillRef idx="1">
+            <a:schemeClr val="accent1"/>
+          </a:fillRef>
+          <a:effectRef idx="0">
+            <a:schemeClr val="accent1"/>
+          </a:effectRef>
+          <a:fontRef idx="minor">
+            <a:schemeClr val="lt1"/>
+          </a:fontRef>
+        </p:style>
+        <p:txBody>
+          <a:bodyPr lIns="144000" tIns="108000" rIns="144000" bIns="144000" rtlCol="0" anchor="t"/>
+          <a:lstStyle/>
+          <a:p>
+            <a:pPr algn="l">
+              <a:spcBef>
+                <a:spcPts val="800"/>
+              </a:spcBef>
+            </a:pPr>
+            <a:endParaRPr lang="de-DE" sz="1600" dirty="0" err="1"/>
+          </a:p>
+        </p:txBody>
+      </p:sp>
+      <p:sp>
+        <p:nvSpPr>
+          <p:cNvPr id="7" name="Rechteck 6">
+            <a:extLst>
+              <a:ext uri="{FF2B5EF4-FFF2-40B4-BE49-F238E27FC236}">
+                <a16:creationId xmlns:a16="http://schemas.microsoft.com/office/drawing/2014/main" id="{D4BD191B-5510-C4E8-9D07-0C578A76F599}"/>
+              </a:ext>
+            </a:extLst>
+          </p:cNvPr>
+          <p:cNvSpPr/>
+          <p:nvPr/>
+        </p:nvSpPr>
+        <p:spPr>
+          <a:xfrm>
+            <a:off x="1230014" y="2290988"/>
+            <a:ext cx="1043705" cy="163038"/>
+          </a:xfrm>
+          <a:prstGeom prst="rect">
+            <a:avLst/>
+          </a:prstGeom>
+          <a:solidFill>
+            <a:srgbClr val="878787"/>
+          </a:solidFill>
+          <a:ln>
+            <a:noFill/>
+          </a:ln>
+        </p:spPr>
+        <p:style>
+          <a:lnRef idx="2">
+            <a:schemeClr val="accent1">
+              <a:shade val="50000"/>
+            </a:schemeClr>
+          </a:lnRef>
+          <a:fillRef idx="1">
+            <a:schemeClr val="accent1"/>
+          </a:fillRef>
+          <a:effectRef idx="0">
+            <a:schemeClr val="accent1"/>
+          </a:effectRef>
+          <a:fontRef idx="minor">
+            <a:schemeClr val="lt1"/>
+          </a:fontRef>
+        </p:style>
+        <p:txBody>
+          <a:bodyPr lIns="144000" tIns="108000" rIns="144000" bIns="144000" rtlCol="0" anchor="t"/>
+          <a:lstStyle/>
+          <a:p>
+            <a:pPr algn="l">
+              <a:spcBef>
+                <a:spcPts val="800"/>
+              </a:spcBef>
+            </a:pPr>
+            <a:endParaRPr lang="de-DE" sz="1600" dirty="0" err="1"/>
+          </a:p>
+        </p:txBody>
+      </p:sp>
+      <p:sp>
+        <p:nvSpPr>
+          <p:cNvPr id="8" name="Rechteck 7">
+            <a:extLst>
+              <a:ext uri="{FF2B5EF4-FFF2-40B4-BE49-F238E27FC236}">
+                <a16:creationId xmlns:a16="http://schemas.microsoft.com/office/drawing/2014/main" id="{11861474-D18B-FB1E-CCD4-976D411B678D}"/>
+              </a:ext>
+            </a:extLst>
+          </p:cNvPr>
+          <p:cNvSpPr/>
+          <p:nvPr/>
+        </p:nvSpPr>
+        <p:spPr>
+          <a:xfrm>
+            <a:off x="2972872" y="2290988"/>
+            <a:ext cx="1043705" cy="163038"/>
+          </a:xfrm>
+          <a:prstGeom prst="rect">
+            <a:avLst/>
+          </a:prstGeom>
+          <a:solidFill>
+            <a:srgbClr val="878787"/>
+          </a:solidFill>
+          <a:ln>
+            <a:noFill/>
+          </a:ln>
+        </p:spPr>
+        <p:style>
+          <a:lnRef idx="2">
+            <a:schemeClr val="accent1">
+              <a:shade val="50000"/>
+            </a:schemeClr>
+          </a:lnRef>
+          <a:fillRef idx="1">
+            <a:schemeClr val="accent1"/>
+          </a:fillRef>
+          <a:effectRef idx="0">
+            <a:schemeClr val="accent1"/>
+          </a:effectRef>
+          <a:fontRef idx="minor">
+            <a:schemeClr val="lt1"/>
+          </a:fontRef>
+        </p:style>
+        <p:txBody>
+          <a:bodyPr lIns="144000" tIns="108000" rIns="144000" bIns="144000" rtlCol="0" anchor="t"/>
+          <a:lstStyle/>
+          <a:p>
+            <a:pPr algn="l">
+              <a:spcBef>
+                <a:spcPts val="800"/>
+              </a:spcBef>
+            </a:pPr>
+            <a:endParaRPr lang="de-DE" sz="1600" dirty="0" err="1"/>
+          </a:p>
+        </p:txBody>
+      </p:sp>
+      <p:sp>
+        <p:nvSpPr>
+          <p:cNvPr id="9" name="Rechteck 8">
+            <a:extLst>
+              <a:ext uri="{FF2B5EF4-FFF2-40B4-BE49-F238E27FC236}">
+                <a16:creationId xmlns:a16="http://schemas.microsoft.com/office/drawing/2014/main" id="{21086981-8198-3DE5-62D7-C81499FA3ADF}"/>
+              </a:ext>
+            </a:extLst>
+          </p:cNvPr>
+          <p:cNvSpPr/>
+          <p:nvPr/>
+        </p:nvSpPr>
+        <p:spPr>
+          <a:xfrm>
+            <a:off x="4546775" y="2290988"/>
+            <a:ext cx="1043705" cy="163038"/>
+          </a:xfrm>
+          <a:prstGeom prst="rect">
+            <a:avLst/>
+          </a:prstGeom>
+          <a:solidFill>
+            <a:srgbClr val="878787"/>
+          </a:solidFill>
+          <a:ln>
+            <a:noFill/>
+          </a:ln>
+        </p:spPr>
+        <p:style>
+          <a:lnRef idx="2">
+            <a:schemeClr val="accent1">
+              <a:shade val="50000"/>
+            </a:schemeClr>
+          </a:lnRef>
+          <a:fillRef idx="1">
+            <a:schemeClr val="accent1"/>
+          </a:fillRef>
+          <a:effectRef idx="0">
+            <a:schemeClr val="accent1"/>
+          </a:effectRef>
+          <a:fontRef idx="minor">
+            <a:schemeClr val="lt1"/>
+          </a:fontRef>
+        </p:style>
+        <p:txBody>
+          <a:bodyPr lIns="144000" tIns="108000" rIns="144000" bIns="144000" rtlCol="0" anchor="t"/>
+          <a:lstStyle/>
+          <a:p>
+            <a:pPr algn="l">
+              <a:spcBef>
+                <a:spcPts val="800"/>
+              </a:spcBef>
+            </a:pPr>
+            <a:endParaRPr lang="de-DE" sz="1600" dirty="0" err="1"/>
+          </a:p>
+        </p:txBody>
+      </p:sp>
+      <p:sp>
+        <p:nvSpPr>
+          <p:cNvPr id="10" name="Rechteck 9">
+            <a:extLst>
+              <a:ext uri="{FF2B5EF4-FFF2-40B4-BE49-F238E27FC236}">
+                <a16:creationId xmlns:a16="http://schemas.microsoft.com/office/drawing/2014/main" id="{3F6261C1-1D5A-E0AB-DB36-FF7274F8A9E3}"/>
+              </a:ext>
+            </a:extLst>
+          </p:cNvPr>
+          <p:cNvSpPr/>
+          <p:nvPr/>
+        </p:nvSpPr>
+        <p:spPr>
+          <a:xfrm>
+            <a:off x="6120678" y="2290988"/>
+            <a:ext cx="1043705" cy="163038"/>
+          </a:xfrm>
+          <a:prstGeom prst="rect">
+            <a:avLst/>
+          </a:prstGeom>
+          <a:solidFill>
+            <a:srgbClr val="878787"/>
+          </a:solidFill>
+          <a:ln>
+            <a:noFill/>
+          </a:ln>
+        </p:spPr>
+        <p:style>
+          <a:lnRef idx="2">
+            <a:schemeClr val="accent1">
+              <a:shade val="50000"/>
+            </a:schemeClr>
+          </a:lnRef>
+          <a:fillRef idx="1">
+            <a:schemeClr val="accent1"/>
+          </a:fillRef>
+          <a:effectRef idx="0">
+            <a:schemeClr val="accent1"/>
+          </a:effectRef>
+          <a:fontRef idx="minor">
+            <a:schemeClr val="lt1"/>
+          </a:fontRef>
+        </p:style>
+        <p:txBody>
+          <a:bodyPr lIns="144000" tIns="108000" rIns="144000" bIns="144000" rtlCol="0" anchor="t"/>
+          <a:lstStyle/>
+          <a:p>
+            <a:pPr algn="l">
+              <a:spcBef>
+                <a:spcPts val="800"/>
+              </a:spcBef>
+            </a:pPr>
+            <a:endParaRPr lang="de-DE" sz="1600" dirty="0" err="1"/>
+          </a:p>
+        </p:txBody>
+      </p:sp>
+      <p:sp>
+        <p:nvSpPr>
+          <p:cNvPr id="11" name="Rechteck 10">
+            <a:extLst>
+              <a:ext uri="{FF2B5EF4-FFF2-40B4-BE49-F238E27FC236}">
+                <a16:creationId xmlns:a16="http://schemas.microsoft.com/office/drawing/2014/main" id="{736C4567-27A0-FDC5-8B34-A6D4DB2402E8}"/>
+              </a:ext>
+            </a:extLst>
+          </p:cNvPr>
+          <p:cNvSpPr/>
+          <p:nvPr/>
+        </p:nvSpPr>
+        <p:spPr>
+          <a:xfrm>
+            <a:off x="7545793" y="2290988"/>
+            <a:ext cx="1043705" cy="163038"/>
+          </a:xfrm>
+          <a:prstGeom prst="rect">
+            <a:avLst/>
+          </a:prstGeom>
+          <a:solidFill>
+            <a:srgbClr val="878787"/>
+          </a:solidFill>
+          <a:ln>
+            <a:noFill/>
+          </a:ln>
+        </p:spPr>
+        <p:style>
+          <a:lnRef idx="2">
+            <a:schemeClr val="accent1">
+              <a:shade val="50000"/>
+            </a:schemeClr>
+          </a:lnRef>
+          <a:fillRef idx="1">
+            <a:schemeClr val="accent1"/>
+          </a:fillRef>
+          <a:effectRef idx="0">
+            <a:schemeClr val="accent1"/>
+          </a:effectRef>
+          <a:fontRef idx="minor">
+            <a:schemeClr val="lt1"/>
+          </a:fontRef>
+        </p:style>
+        <p:txBody>
+          <a:bodyPr lIns="144000" tIns="108000" rIns="144000" bIns="144000" rtlCol="0" anchor="t"/>
+          <a:lstStyle/>
+          <a:p>
+            <a:pPr algn="l">
+              <a:spcBef>
+                <a:spcPts val="800"/>
+              </a:spcBef>
+            </a:pPr>
+            <a:endParaRPr lang="de-DE" sz="1600" dirty="0" err="1"/>
+          </a:p>
+        </p:txBody>
+      </p:sp>
+      <p:sp>
+        <p:nvSpPr>
+          <p:cNvPr id="12" name="Rechteck 11">
+            <a:extLst>
+              <a:ext uri="{FF2B5EF4-FFF2-40B4-BE49-F238E27FC236}">
+                <a16:creationId xmlns:a16="http://schemas.microsoft.com/office/drawing/2014/main" id="{2F885A44-37E2-8E4C-1E5F-9410E1F4C25A}"/>
+              </a:ext>
+            </a:extLst>
+          </p:cNvPr>
+          <p:cNvSpPr/>
+          <p:nvPr/>
+        </p:nvSpPr>
+        <p:spPr>
+          <a:xfrm>
+            <a:off x="8970908" y="2290988"/>
+            <a:ext cx="1043705" cy="163038"/>
+          </a:xfrm>
+          <a:prstGeom prst="rect">
+            <a:avLst/>
+          </a:prstGeom>
+          <a:solidFill>
+            <a:srgbClr val="878787"/>
+          </a:solidFill>
+          <a:ln>
+            <a:noFill/>
+          </a:ln>
+        </p:spPr>
+        <p:style>
+          <a:lnRef idx="2">
+            <a:schemeClr val="accent1">
+              <a:shade val="50000"/>
+            </a:schemeClr>
+          </a:lnRef>
+          <a:fillRef idx="1">
+            <a:schemeClr val="accent1"/>
+          </a:fillRef>
+          <a:effectRef idx="0">
+            <a:schemeClr val="accent1"/>
+          </a:effectRef>
+          <a:fontRef idx="minor">
+            <a:schemeClr val="lt1"/>
+          </a:fontRef>
+        </p:style>
+        <p:txBody>
+          <a:bodyPr lIns="144000" tIns="108000" rIns="144000" bIns="144000" rtlCol="0" anchor="t"/>
+          <a:lstStyle/>
+          <a:p>
+            <a:pPr algn="l">
+              <a:spcBef>
+                <a:spcPts val="800"/>
+              </a:spcBef>
+            </a:pPr>
+            <a:endParaRPr lang="de-DE" sz="1600" dirty="0" err="1"/>
+          </a:p>
+        </p:txBody>
+      </p:sp>
+      <p:pic>
+        <p:nvPicPr>
+          <p:cNvPr id="14" name="Grafik 13">
+            <a:extLst>
+              <a:ext uri="{FF2B5EF4-FFF2-40B4-BE49-F238E27FC236}">
+                <a16:creationId xmlns:a16="http://schemas.microsoft.com/office/drawing/2014/main" id="{5AE5C259-F897-68CA-129B-3B6FB7F8D2E4}"/>
+              </a:ext>
+            </a:extLst>
+          </p:cNvPr>
+          <p:cNvPicPr>
+            <a:picLocks noChangeAspect="1"/>
+          </p:cNvPicPr>
+          <p:nvPr/>
+        </p:nvPicPr>
+        <p:blipFill>
+          <a:blip r:embed="rId3">
+            <a:extLst>
+              <a:ext uri="{28A0092B-C50C-407E-A947-70E740481C1C}">
+                <a14:useLocalDpi xmlns:a14="http://schemas.microsoft.com/office/drawing/2010/main" val="0"/>
+              </a:ext>
+            </a:extLst>
+          </a:blip>
+          <a:stretch>
+            <a:fillRect/>
+          </a:stretch>
+        </p:blipFill>
+        <p:spPr>
+          <a:xfrm>
+            <a:off x="3906386" y="3921301"/>
+            <a:ext cx="3105583" cy="1581371"/>
+          </a:xfrm>
+          <a:prstGeom prst="rect">
+            <a:avLst/>
+          </a:prstGeom>
+        </p:spPr>
+      </p:pic>
+      <p:pic>
+        <p:nvPicPr>
+          <p:cNvPr id="16" name="Grafik 15">
+            <a:extLst>
+              <a:ext uri="{FF2B5EF4-FFF2-40B4-BE49-F238E27FC236}">
+                <a16:creationId xmlns:a16="http://schemas.microsoft.com/office/drawing/2014/main" id="{45DFEDDC-8D12-4494-E993-FDE8945247E4}"/>
+              </a:ext>
+            </a:extLst>
+          </p:cNvPr>
+          <p:cNvPicPr>
+            <a:picLocks noChangeAspect="1"/>
+          </p:cNvPicPr>
+          <p:nvPr/>
+        </p:nvPicPr>
+        <p:blipFill>
+          <a:blip r:embed="rId4">
+            <a:extLst>
+              <a:ext uri="{28A0092B-C50C-407E-A947-70E740481C1C}">
+                <a14:useLocalDpi xmlns:a14="http://schemas.microsoft.com/office/drawing/2010/main" val="0"/>
+              </a:ext>
+            </a:extLst>
+          </a:blip>
+          <a:stretch>
+            <a:fillRect/>
+          </a:stretch>
+        </p:blipFill>
+        <p:spPr>
+          <a:xfrm rot="10800000">
+            <a:off x="958285" y="2442568"/>
+            <a:ext cx="3181794" cy="1486107"/>
+          </a:xfrm>
+          <a:prstGeom prst="rect">
+            <a:avLst/>
+          </a:prstGeom>
+        </p:spPr>
+      </p:pic>
+      <p:sp>
+        <p:nvSpPr>
+          <p:cNvPr id="17" name="Rechteck 16">
+            <a:extLst>
+              <a:ext uri="{FF2B5EF4-FFF2-40B4-BE49-F238E27FC236}">
+                <a16:creationId xmlns:a16="http://schemas.microsoft.com/office/drawing/2014/main" id="{405243C3-24D0-EE33-6FC8-1F1B0586C854}"/>
+              </a:ext>
+            </a:extLst>
+          </p:cNvPr>
+          <p:cNvSpPr/>
+          <p:nvPr/>
+        </p:nvSpPr>
+        <p:spPr>
+          <a:xfrm>
+            <a:off x="997558" y="3917216"/>
+            <a:ext cx="9731238" cy="66871"/>
+          </a:xfrm>
+          <a:prstGeom prst="rect">
+            <a:avLst/>
+          </a:prstGeom>
+          <a:solidFill>
+            <a:srgbClr val="878787"/>
+          </a:solidFill>
+          <a:ln>
+            <a:noFill/>
+          </a:ln>
+        </p:spPr>
+        <p:style>
+          <a:lnRef idx="2">
+            <a:schemeClr val="accent1">
+              <a:shade val="50000"/>
+            </a:schemeClr>
+          </a:lnRef>
+          <a:fillRef idx="1">
+            <a:schemeClr val="accent1"/>
+          </a:fillRef>
+          <a:effectRef idx="0">
+            <a:schemeClr val="accent1"/>
+          </a:effectRef>
+          <a:fontRef idx="minor">
+            <a:schemeClr val="lt1"/>
+          </a:fontRef>
+        </p:style>
+        <p:txBody>
+          <a:bodyPr lIns="144000" tIns="108000" rIns="144000" bIns="144000" rtlCol="0" anchor="t"/>
+          <a:lstStyle/>
+          <a:p>
+            <a:pPr algn="l">
+              <a:spcBef>
+                <a:spcPts val="800"/>
+              </a:spcBef>
+            </a:pPr>
+            <a:endParaRPr lang="de-DE" sz="1600" dirty="0" err="1"/>
+          </a:p>
+        </p:txBody>
+      </p:sp>
+      <p:pic>
+        <p:nvPicPr>
+          <p:cNvPr id="18" name="Grafik 17">
+            <a:extLst>
+              <a:ext uri="{FF2B5EF4-FFF2-40B4-BE49-F238E27FC236}">
+                <a16:creationId xmlns:a16="http://schemas.microsoft.com/office/drawing/2014/main" id="{B0709E0F-11FC-523A-7EF0-5D5EF03A5CC5}"/>
+              </a:ext>
+            </a:extLst>
+          </p:cNvPr>
+          <p:cNvPicPr>
+            <a:picLocks noChangeAspect="1"/>
+          </p:cNvPicPr>
+          <p:nvPr/>
+        </p:nvPicPr>
+        <p:blipFill>
+          <a:blip r:embed="rId4">
+            <a:extLst>
+              <a:ext uri="{28A0092B-C50C-407E-A947-70E740481C1C}">
+                <a14:useLocalDpi xmlns:a14="http://schemas.microsoft.com/office/drawing/2010/main" val="0"/>
+              </a:ext>
+            </a:extLst>
+          </a:blip>
+          <a:stretch>
+            <a:fillRect/>
+          </a:stretch>
+        </p:blipFill>
+        <p:spPr>
+          <a:xfrm rot="10800000">
+            <a:off x="7530712" y="3948165"/>
+            <a:ext cx="3181794" cy="1486107"/>
+          </a:xfrm>
+          <a:prstGeom prst="rect">
+            <a:avLst/>
+          </a:prstGeom>
+        </p:spPr>
+      </p:pic>
+      <p:pic>
+        <p:nvPicPr>
+          <p:cNvPr id="5" name="Grafik 4">
+            <a:extLst>
+              <a:ext uri="{FF2B5EF4-FFF2-40B4-BE49-F238E27FC236}">
+                <a16:creationId xmlns:a16="http://schemas.microsoft.com/office/drawing/2014/main" id="{93FCE6FA-841B-45FF-0338-4FBAFB9E5769}"/>
+              </a:ext>
+            </a:extLst>
+          </p:cNvPr>
+          <p:cNvPicPr>
+            <a:picLocks noChangeAspect="1"/>
+          </p:cNvPicPr>
+          <p:nvPr/>
+        </p:nvPicPr>
+        <p:blipFill>
+          <a:blip r:embed="rId5">
+            <a:extLst>
+              <a:ext uri="{28A0092B-C50C-407E-A947-70E740481C1C}">
+                <a14:useLocalDpi xmlns:a14="http://schemas.microsoft.com/office/drawing/2010/main" val="0"/>
+              </a:ext>
+            </a:extLst>
+          </a:blip>
+          <a:stretch>
+            <a:fillRect/>
+          </a:stretch>
+        </p:blipFill>
+        <p:spPr>
+          <a:xfrm>
+            <a:off x="7014217" y="4208005"/>
+            <a:ext cx="513300" cy="520205"/>
+          </a:xfrm>
+          <a:prstGeom prst="rect">
+            <a:avLst/>
+          </a:prstGeom>
+        </p:spPr>
+      </p:pic>
+    </p:spTree>
+    <p:extLst>
+      <p:ext uri="{BB962C8B-B14F-4D97-AF65-F5344CB8AC3E}">
+        <p14:creationId xmlns:p14="http://schemas.microsoft.com/office/powerpoint/2010/main" val="1459311777"/>
       </p:ext>
     </p:extLst>
   </p:cSld>
@@ -14400,9 +14076,10 @@
           <a:lstStyle/>
           <a:p>
             <a:r>
-              <a:rPr lang="en-US" dirty="0"/>
-              <a:t>AR Head-up-Display</a:t>
+              <a:rPr lang="en-US" dirty="0" err="1"/>
+              <a:t>TopView</a:t>
             </a:r>
+            <a:endParaRPr lang="en-US" dirty="0"/>
           </a:p>
         </p:txBody>
       </p:sp>
@@ -14470,6 +14147,730 @@
               <a:rPr lang="en-US" smtClean="0"/>
               <a:pPr/>
               <a:t>5</a:t>
+            </a:fld>
+            <a:endParaRPr lang="en-US" dirty="0"/>
+          </a:p>
+        </p:txBody>
+      </p:sp>
+      <p:sp>
+        <p:nvSpPr>
+          <p:cNvPr id="3" name="Rechteck 2">
+            <a:extLst>
+              <a:ext uri="{FF2B5EF4-FFF2-40B4-BE49-F238E27FC236}">
+                <a16:creationId xmlns:a16="http://schemas.microsoft.com/office/drawing/2014/main" id="{8A9EB58F-12BC-325D-BD14-21D6FD48A91F}"/>
+              </a:ext>
+            </a:extLst>
+          </p:cNvPr>
+          <p:cNvSpPr/>
+          <p:nvPr/>
+        </p:nvSpPr>
+        <p:spPr>
+          <a:xfrm>
+            <a:off x="899665" y="1451889"/>
+            <a:ext cx="9951812" cy="3240360"/>
+          </a:xfrm>
+          <a:prstGeom prst="rect">
+            <a:avLst/>
+          </a:prstGeom>
+          <a:solidFill>
+            <a:srgbClr val="6E6E6E"/>
+          </a:solidFill>
+          <a:ln>
+            <a:noFill/>
+          </a:ln>
+        </p:spPr>
+        <p:style>
+          <a:lnRef idx="2">
+            <a:schemeClr val="accent1">
+              <a:shade val="50000"/>
+            </a:schemeClr>
+          </a:lnRef>
+          <a:fillRef idx="1">
+            <a:schemeClr val="accent1"/>
+          </a:fillRef>
+          <a:effectRef idx="0">
+            <a:schemeClr val="accent1"/>
+          </a:effectRef>
+          <a:fontRef idx="minor">
+            <a:schemeClr val="lt1"/>
+          </a:fontRef>
+        </p:style>
+        <p:txBody>
+          <a:bodyPr lIns="144000" tIns="108000" rIns="144000" bIns="144000" rtlCol="0" anchor="t"/>
+          <a:lstStyle/>
+          <a:p>
+            <a:pPr algn="l">
+              <a:spcBef>
+                <a:spcPts val="800"/>
+              </a:spcBef>
+            </a:pPr>
+            <a:endParaRPr lang="de-DE" sz="1600" dirty="0" err="1"/>
+          </a:p>
+        </p:txBody>
+      </p:sp>
+      <p:sp>
+        <p:nvSpPr>
+          <p:cNvPr id="7" name="Rechteck 6">
+            <a:extLst>
+              <a:ext uri="{FF2B5EF4-FFF2-40B4-BE49-F238E27FC236}">
+                <a16:creationId xmlns:a16="http://schemas.microsoft.com/office/drawing/2014/main" id="{D4BD191B-5510-C4E8-9D07-0C578A76F599}"/>
+              </a:ext>
+            </a:extLst>
+          </p:cNvPr>
+          <p:cNvSpPr/>
+          <p:nvPr/>
+        </p:nvSpPr>
+        <p:spPr>
+          <a:xfrm>
+            <a:off x="1403762" y="1510902"/>
+            <a:ext cx="1043705" cy="163038"/>
+          </a:xfrm>
+          <a:prstGeom prst="rect">
+            <a:avLst/>
+          </a:prstGeom>
+          <a:solidFill>
+            <a:srgbClr val="878787"/>
+          </a:solidFill>
+          <a:ln>
+            <a:noFill/>
+          </a:ln>
+        </p:spPr>
+        <p:style>
+          <a:lnRef idx="2">
+            <a:schemeClr val="accent1">
+              <a:shade val="50000"/>
+            </a:schemeClr>
+          </a:lnRef>
+          <a:fillRef idx="1">
+            <a:schemeClr val="accent1"/>
+          </a:fillRef>
+          <a:effectRef idx="0">
+            <a:schemeClr val="accent1"/>
+          </a:effectRef>
+          <a:fontRef idx="minor">
+            <a:schemeClr val="lt1"/>
+          </a:fontRef>
+        </p:style>
+        <p:txBody>
+          <a:bodyPr lIns="144000" tIns="108000" rIns="144000" bIns="144000" rtlCol="0" anchor="t"/>
+          <a:lstStyle/>
+          <a:p>
+            <a:pPr algn="l">
+              <a:spcBef>
+                <a:spcPts val="800"/>
+              </a:spcBef>
+            </a:pPr>
+            <a:endParaRPr lang="de-DE" sz="1600" dirty="0" err="1"/>
+          </a:p>
+        </p:txBody>
+      </p:sp>
+      <p:sp>
+        <p:nvSpPr>
+          <p:cNvPr id="8" name="Rechteck 7">
+            <a:extLst>
+              <a:ext uri="{FF2B5EF4-FFF2-40B4-BE49-F238E27FC236}">
+                <a16:creationId xmlns:a16="http://schemas.microsoft.com/office/drawing/2014/main" id="{11861474-D18B-FB1E-CCD4-976D411B678D}"/>
+              </a:ext>
+            </a:extLst>
+          </p:cNvPr>
+          <p:cNvSpPr/>
+          <p:nvPr/>
+        </p:nvSpPr>
+        <p:spPr>
+          <a:xfrm>
+            <a:off x="3146620" y="1510902"/>
+            <a:ext cx="1043705" cy="163038"/>
+          </a:xfrm>
+          <a:prstGeom prst="rect">
+            <a:avLst/>
+          </a:prstGeom>
+          <a:solidFill>
+            <a:srgbClr val="878787"/>
+          </a:solidFill>
+          <a:ln>
+            <a:noFill/>
+          </a:ln>
+        </p:spPr>
+        <p:style>
+          <a:lnRef idx="2">
+            <a:schemeClr val="accent1">
+              <a:shade val="50000"/>
+            </a:schemeClr>
+          </a:lnRef>
+          <a:fillRef idx="1">
+            <a:schemeClr val="accent1"/>
+          </a:fillRef>
+          <a:effectRef idx="0">
+            <a:schemeClr val="accent1"/>
+          </a:effectRef>
+          <a:fontRef idx="minor">
+            <a:schemeClr val="lt1"/>
+          </a:fontRef>
+        </p:style>
+        <p:txBody>
+          <a:bodyPr lIns="144000" tIns="108000" rIns="144000" bIns="144000" rtlCol="0" anchor="t"/>
+          <a:lstStyle/>
+          <a:p>
+            <a:pPr algn="l">
+              <a:spcBef>
+                <a:spcPts val="800"/>
+              </a:spcBef>
+            </a:pPr>
+            <a:endParaRPr lang="de-DE" sz="1600" dirty="0" err="1"/>
+          </a:p>
+        </p:txBody>
+      </p:sp>
+      <p:sp>
+        <p:nvSpPr>
+          <p:cNvPr id="9" name="Rechteck 8">
+            <a:extLst>
+              <a:ext uri="{FF2B5EF4-FFF2-40B4-BE49-F238E27FC236}">
+                <a16:creationId xmlns:a16="http://schemas.microsoft.com/office/drawing/2014/main" id="{21086981-8198-3DE5-62D7-C81499FA3ADF}"/>
+              </a:ext>
+            </a:extLst>
+          </p:cNvPr>
+          <p:cNvSpPr/>
+          <p:nvPr/>
+        </p:nvSpPr>
+        <p:spPr>
+          <a:xfrm>
+            <a:off x="4720523" y="1510902"/>
+            <a:ext cx="1043705" cy="163038"/>
+          </a:xfrm>
+          <a:prstGeom prst="rect">
+            <a:avLst/>
+          </a:prstGeom>
+          <a:solidFill>
+            <a:srgbClr val="878787"/>
+          </a:solidFill>
+          <a:ln>
+            <a:noFill/>
+          </a:ln>
+        </p:spPr>
+        <p:style>
+          <a:lnRef idx="2">
+            <a:schemeClr val="accent1">
+              <a:shade val="50000"/>
+            </a:schemeClr>
+          </a:lnRef>
+          <a:fillRef idx="1">
+            <a:schemeClr val="accent1"/>
+          </a:fillRef>
+          <a:effectRef idx="0">
+            <a:schemeClr val="accent1"/>
+          </a:effectRef>
+          <a:fontRef idx="minor">
+            <a:schemeClr val="lt1"/>
+          </a:fontRef>
+        </p:style>
+        <p:txBody>
+          <a:bodyPr lIns="144000" tIns="108000" rIns="144000" bIns="144000" rtlCol="0" anchor="t"/>
+          <a:lstStyle/>
+          <a:p>
+            <a:pPr algn="l">
+              <a:spcBef>
+                <a:spcPts val="800"/>
+              </a:spcBef>
+            </a:pPr>
+            <a:endParaRPr lang="de-DE" sz="1600" dirty="0" err="1"/>
+          </a:p>
+        </p:txBody>
+      </p:sp>
+      <p:sp>
+        <p:nvSpPr>
+          <p:cNvPr id="10" name="Rechteck 9">
+            <a:extLst>
+              <a:ext uri="{FF2B5EF4-FFF2-40B4-BE49-F238E27FC236}">
+                <a16:creationId xmlns:a16="http://schemas.microsoft.com/office/drawing/2014/main" id="{3F6261C1-1D5A-E0AB-DB36-FF7274F8A9E3}"/>
+              </a:ext>
+            </a:extLst>
+          </p:cNvPr>
+          <p:cNvSpPr/>
+          <p:nvPr/>
+        </p:nvSpPr>
+        <p:spPr>
+          <a:xfrm>
+            <a:off x="6294426" y="1510902"/>
+            <a:ext cx="1043705" cy="163038"/>
+          </a:xfrm>
+          <a:prstGeom prst="rect">
+            <a:avLst/>
+          </a:prstGeom>
+          <a:solidFill>
+            <a:srgbClr val="878787"/>
+          </a:solidFill>
+          <a:ln>
+            <a:noFill/>
+          </a:ln>
+        </p:spPr>
+        <p:style>
+          <a:lnRef idx="2">
+            <a:schemeClr val="accent1">
+              <a:shade val="50000"/>
+            </a:schemeClr>
+          </a:lnRef>
+          <a:fillRef idx="1">
+            <a:schemeClr val="accent1"/>
+          </a:fillRef>
+          <a:effectRef idx="0">
+            <a:schemeClr val="accent1"/>
+          </a:effectRef>
+          <a:fontRef idx="minor">
+            <a:schemeClr val="lt1"/>
+          </a:fontRef>
+        </p:style>
+        <p:txBody>
+          <a:bodyPr lIns="144000" tIns="108000" rIns="144000" bIns="144000" rtlCol="0" anchor="t"/>
+          <a:lstStyle/>
+          <a:p>
+            <a:pPr algn="l">
+              <a:spcBef>
+                <a:spcPts val="800"/>
+              </a:spcBef>
+            </a:pPr>
+            <a:endParaRPr lang="de-DE" sz="1600" dirty="0" err="1"/>
+          </a:p>
+        </p:txBody>
+      </p:sp>
+      <p:sp>
+        <p:nvSpPr>
+          <p:cNvPr id="11" name="Rechteck 10">
+            <a:extLst>
+              <a:ext uri="{FF2B5EF4-FFF2-40B4-BE49-F238E27FC236}">
+                <a16:creationId xmlns:a16="http://schemas.microsoft.com/office/drawing/2014/main" id="{736C4567-27A0-FDC5-8B34-A6D4DB2402E8}"/>
+              </a:ext>
+            </a:extLst>
+          </p:cNvPr>
+          <p:cNvSpPr/>
+          <p:nvPr/>
+        </p:nvSpPr>
+        <p:spPr>
+          <a:xfrm>
+            <a:off x="7719541" y="1510902"/>
+            <a:ext cx="1043705" cy="163038"/>
+          </a:xfrm>
+          <a:prstGeom prst="rect">
+            <a:avLst/>
+          </a:prstGeom>
+          <a:solidFill>
+            <a:srgbClr val="878787"/>
+          </a:solidFill>
+          <a:ln>
+            <a:noFill/>
+          </a:ln>
+        </p:spPr>
+        <p:style>
+          <a:lnRef idx="2">
+            <a:schemeClr val="accent1">
+              <a:shade val="50000"/>
+            </a:schemeClr>
+          </a:lnRef>
+          <a:fillRef idx="1">
+            <a:schemeClr val="accent1"/>
+          </a:fillRef>
+          <a:effectRef idx="0">
+            <a:schemeClr val="accent1"/>
+          </a:effectRef>
+          <a:fontRef idx="minor">
+            <a:schemeClr val="lt1"/>
+          </a:fontRef>
+        </p:style>
+        <p:txBody>
+          <a:bodyPr lIns="144000" tIns="108000" rIns="144000" bIns="144000" rtlCol="0" anchor="t"/>
+          <a:lstStyle/>
+          <a:p>
+            <a:pPr algn="l">
+              <a:spcBef>
+                <a:spcPts val="800"/>
+              </a:spcBef>
+            </a:pPr>
+            <a:endParaRPr lang="de-DE" sz="1600" dirty="0" err="1"/>
+          </a:p>
+        </p:txBody>
+      </p:sp>
+      <p:sp>
+        <p:nvSpPr>
+          <p:cNvPr id="12" name="Rechteck 11">
+            <a:extLst>
+              <a:ext uri="{FF2B5EF4-FFF2-40B4-BE49-F238E27FC236}">
+                <a16:creationId xmlns:a16="http://schemas.microsoft.com/office/drawing/2014/main" id="{2F885A44-37E2-8E4C-1E5F-9410E1F4C25A}"/>
+              </a:ext>
+            </a:extLst>
+          </p:cNvPr>
+          <p:cNvSpPr/>
+          <p:nvPr/>
+        </p:nvSpPr>
+        <p:spPr>
+          <a:xfrm>
+            <a:off x="9144656" y="1510902"/>
+            <a:ext cx="1043705" cy="163038"/>
+          </a:xfrm>
+          <a:prstGeom prst="rect">
+            <a:avLst/>
+          </a:prstGeom>
+          <a:solidFill>
+            <a:srgbClr val="878787"/>
+          </a:solidFill>
+          <a:ln>
+            <a:noFill/>
+          </a:ln>
+        </p:spPr>
+        <p:style>
+          <a:lnRef idx="2">
+            <a:schemeClr val="accent1">
+              <a:shade val="50000"/>
+            </a:schemeClr>
+          </a:lnRef>
+          <a:fillRef idx="1">
+            <a:schemeClr val="accent1"/>
+          </a:fillRef>
+          <a:effectRef idx="0">
+            <a:schemeClr val="accent1"/>
+          </a:effectRef>
+          <a:fontRef idx="minor">
+            <a:schemeClr val="lt1"/>
+          </a:fontRef>
+        </p:style>
+        <p:txBody>
+          <a:bodyPr lIns="144000" tIns="108000" rIns="144000" bIns="144000" rtlCol="0" anchor="t"/>
+          <a:lstStyle/>
+          <a:p>
+            <a:pPr algn="l">
+              <a:spcBef>
+                <a:spcPts val="800"/>
+              </a:spcBef>
+            </a:pPr>
+            <a:endParaRPr lang="de-DE" sz="1600" dirty="0" err="1"/>
+          </a:p>
+        </p:txBody>
+      </p:sp>
+      <p:pic>
+        <p:nvPicPr>
+          <p:cNvPr id="14" name="Grafik 13">
+            <a:extLst>
+              <a:ext uri="{FF2B5EF4-FFF2-40B4-BE49-F238E27FC236}">
+                <a16:creationId xmlns:a16="http://schemas.microsoft.com/office/drawing/2014/main" id="{5AE5C259-F897-68CA-129B-3B6FB7F8D2E4}"/>
+              </a:ext>
+            </a:extLst>
+          </p:cNvPr>
+          <p:cNvPicPr>
+            <a:picLocks noChangeAspect="1"/>
+          </p:cNvPicPr>
+          <p:nvPr/>
+        </p:nvPicPr>
+        <p:blipFill>
+          <a:blip r:embed="rId3">
+            <a:extLst>
+              <a:ext uri="{28A0092B-C50C-407E-A947-70E740481C1C}">
+                <a14:useLocalDpi xmlns:a14="http://schemas.microsoft.com/office/drawing/2010/main" val="0"/>
+              </a:ext>
+            </a:extLst>
+          </a:blip>
+          <a:stretch>
+            <a:fillRect/>
+          </a:stretch>
+        </p:blipFill>
+        <p:spPr>
+          <a:xfrm>
+            <a:off x="4019258" y="3181141"/>
+            <a:ext cx="3105583" cy="1581371"/>
+          </a:xfrm>
+          <a:prstGeom prst="rect">
+            <a:avLst/>
+          </a:prstGeom>
+        </p:spPr>
+      </p:pic>
+      <p:pic>
+        <p:nvPicPr>
+          <p:cNvPr id="16" name="Grafik 15">
+            <a:extLst>
+              <a:ext uri="{FF2B5EF4-FFF2-40B4-BE49-F238E27FC236}">
+                <a16:creationId xmlns:a16="http://schemas.microsoft.com/office/drawing/2014/main" id="{45DFEDDC-8D12-4494-E993-FDE8945247E4}"/>
+              </a:ext>
+            </a:extLst>
+          </p:cNvPr>
+          <p:cNvPicPr>
+            <a:picLocks noChangeAspect="1"/>
+          </p:cNvPicPr>
+          <p:nvPr/>
+        </p:nvPicPr>
+        <p:blipFill>
+          <a:blip r:embed="rId4">
+            <a:extLst>
+              <a:ext uri="{28A0092B-C50C-407E-A947-70E740481C1C}">
+                <a14:useLocalDpi xmlns:a14="http://schemas.microsoft.com/office/drawing/2010/main" val="0"/>
+              </a:ext>
+            </a:extLst>
+          </a:blip>
+          <a:stretch>
+            <a:fillRect/>
+          </a:stretch>
+        </p:blipFill>
+        <p:spPr>
+          <a:xfrm rot="10800000">
+            <a:off x="1008531" y="1772747"/>
+            <a:ext cx="3181794" cy="1486107"/>
+          </a:xfrm>
+          <a:prstGeom prst="rect">
+            <a:avLst/>
+          </a:prstGeom>
+        </p:spPr>
+      </p:pic>
+      <p:sp>
+        <p:nvSpPr>
+          <p:cNvPr id="17" name="Rechteck 16">
+            <a:extLst>
+              <a:ext uri="{FF2B5EF4-FFF2-40B4-BE49-F238E27FC236}">
+                <a16:creationId xmlns:a16="http://schemas.microsoft.com/office/drawing/2014/main" id="{405243C3-24D0-EE33-6FC8-1F1B0586C854}"/>
+              </a:ext>
+            </a:extLst>
+          </p:cNvPr>
+          <p:cNvSpPr/>
+          <p:nvPr/>
+        </p:nvSpPr>
+        <p:spPr>
+          <a:xfrm>
+            <a:off x="925132" y="3217227"/>
+            <a:ext cx="10002880" cy="45719"/>
+          </a:xfrm>
+          <a:prstGeom prst="rect">
+            <a:avLst/>
+          </a:prstGeom>
+          <a:solidFill>
+            <a:srgbClr val="878787"/>
+          </a:solidFill>
+          <a:ln>
+            <a:noFill/>
+          </a:ln>
+        </p:spPr>
+        <p:style>
+          <a:lnRef idx="2">
+            <a:schemeClr val="accent1">
+              <a:shade val="50000"/>
+            </a:schemeClr>
+          </a:lnRef>
+          <a:fillRef idx="1">
+            <a:schemeClr val="accent1"/>
+          </a:fillRef>
+          <a:effectRef idx="0">
+            <a:schemeClr val="accent1"/>
+          </a:effectRef>
+          <a:fontRef idx="minor">
+            <a:schemeClr val="lt1"/>
+          </a:fontRef>
+        </p:style>
+        <p:txBody>
+          <a:bodyPr lIns="144000" tIns="108000" rIns="144000" bIns="144000" rtlCol="0" anchor="t"/>
+          <a:lstStyle/>
+          <a:p>
+            <a:pPr algn="l">
+              <a:spcBef>
+                <a:spcPts val="800"/>
+              </a:spcBef>
+            </a:pPr>
+            <a:endParaRPr lang="de-DE" sz="1600" dirty="0" err="1"/>
+          </a:p>
+        </p:txBody>
+      </p:sp>
+      <p:pic>
+        <p:nvPicPr>
+          <p:cNvPr id="18" name="Grafik 17">
+            <a:extLst>
+              <a:ext uri="{FF2B5EF4-FFF2-40B4-BE49-F238E27FC236}">
+                <a16:creationId xmlns:a16="http://schemas.microsoft.com/office/drawing/2014/main" id="{B0709E0F-11FC-523A-7EF0-5D5EF03A5CC5}"/>
+              </a:ext>
+            </a:extLst>
+          </p:cNvPr>
+          <p:cNvPicPr>
+            <a:picLocks noChangeAspect="1"/>
+          </p:cNvPicPr>
+          <p:nvPr/>
+        </p:nvPicPr>
+        <p:blipFill>
+          <a:blip r:embed="rId4">
+            <a:extLst>
+              <a:ext uri="{28A0092B-C50C-407E-A947-70E740481C1C}">
+                <a14:useLocalDpi xmlns:a14="http://schemas.microsoft.com/office/drawing/2010/main" val="0"/>
+              </a:ext>
+            </a:extLst>
+          </a:blip>
+          <a:stretch>
+            <a:fillRect/>
+          </a:stretch>
+        </p:blipFill>
+        <p:spPr>
+          <a:xfrm rot="10800000">
+            <a:off x="7719541" y="3276405"/>
+            <a:ext cx="3181794" cy="1486107"/>
+          </a:xfrm>
+          <a:prstGeom prst="rect">
+            <a:avLst/>
+          </a:prstGeom>
+        </p:spPr>
+      </p:pic>
+      <p:pic>
+        <p:nvPicPr>
+          <p:cNvPr id="24" name="Grafik 23">
+            <a:extLst>
+              <a:ext uri="{FF2B5EF4-FFF2-40B4-BE49-F238E27FC236}">
+                <a16:creationId xmlns:a16="http://schemas.microsoft.com/office/drawing/2014/main" id="{4C0C36A6-7B0E-E464-DFC5-B561019C5B1E}"/>
+              </a:ext>
+            </a:extLst>
+          </p:cNvPr>
+          <p:cNvPicPr>
+            <a:picLocks noChangeAspect="1"/>
+          </p:cNvPicPr>
+          <p:nvPr/>
+        </p:nvPicPr>
+        <p:blipFill>
+          <a:blip r:embed="rId5">
+            <a:extLst>
+              <a:ext uri="{28A0092B-C50C-407E-A947-70E740481C1C}">
+                <a14:useLocalDpi xmlns:a14="http://schemas.microsoft.com/office/drawing/2010/main" val="0"/>
+              </a:ext>
+            </a:extLst>
+          </a:blip>
+          <a:stretch>
+            <a:fillRect/>
+          </a:stretch>
+        </p:blipFill>
+        <p:spPr>
+          <a:xfrm>
+            <a:off x="7187965" y="3427919"/>
+            <a:ext cx="513300" cy="520205"/>
+          </a:xfrm>
+          <a:prstGeom prst="rect">
+            <a:avLst/>
+          </a:prstGeom>
+        </p:spPr>
+      </p:pic>
+    </p:spTree>
+    <p:extLst>
+      <p:ext uri="{BB962C8B-B14F-4D97-AF65-F5344CB8AC3E}">
+        <p14:creationId xmlns:p14="http://schemas.microsoft.com/office/powerpoint/2010/main" val="366581959"/>
+      </p:ext>
+    </p:extLst>
+  </p:cSld>
+  <p:clrMapOvr>
+    <a:masterClrMapping/>
+  </p:clrMapOvr>
+</p:sld>
+</file>
+
+<file path=ppt/slides/slide6.xml><?xml version="1.0" encoding="utf-8"?>
+<p:sld xmlns:a="http://schemas.openxmlformats.org/drawingml/2006/main" xmlns:r="http://schemas.openxmlformats.org/officeDocument/2006/relationships" xmlns:p="http://schemas.openxmlformats.org/presentationml/2006/main">
+  <p:cSld>
+    <p:spTree>
+      <p:nvGrpSpPr>
+        <p:cNvPr id="1" name=""/>
+        <p:cNvGrpSpPr/>
+        <p:nvPr/>
+      </p:nvGrpSpPr>
+      <p:grpSpPr>
+        <a:xfrm>
+          <a:off x="0" y="0"/>
+          <a:ext cx="0" cy="0"/>
+          <a:chOff x="0" y="0"/>
+          <a:chExt cx="0" cy="0"/>
+        </a:xfrm>
+      </p:grpSpPr>
+      <p:sp>
+        <p:nvSpPr>
+          <p:cNvPr id="4" name="Titel 3">
+            <a:extLst>
+              <a:ext uri="{FF2B5EF4-FFF2-40B4-BE49-F238E27FC236}">
+                <a16:creationId xmlns:a16="http://schemas.microsoft.com/office/drawing/2014/main" id="{80750A73-FDEC-4A78-A501-53D5BE0CA08C}"/>
+              </a:ext>
+            </a:extLst>
+          </p:cNvPr>
+          <p:cNvSpPr>
+            <a:spLocks noGrp="1"/>
+          </p:cNvSpPr>
+          <p:nvPr>
+            <p:ph type="title"/>
+          </p:nvPr>
+        </p:nvSpPr>
+        <p:spPr>
+          <a:xfrm>
+            <a:off x="539750" y="359767"/>
+            <a:ext cx="10440988" cy="361875"/>
+          </a:xfrm>
+        </p:spPr>
+        <p:txBody>
+          <a:bodyPr/>
+          <a:lstStyle/>
+          <a:p>
+            <a:r>
+              <a:rPr lang="en-US" dirty="0"/>
+              <a:t>AR Head-up-Display</a:t>
+            </a:r>
+          </a:p>
+        </p:txBody>
+      </p:sp>
+      <p:sp>
+        <p:nvSpPr>
+          <p:cNvPr id="2" name="Fußzeilenplatzhalter 1">
+            <a:extLst>
+              <a:ext uri="{FF2B5EF4-FFF2-40B4-BE49-F238E27FC236}">
+                <a16:creationId xmlns:a16="http://schemas.microsoft.com/office/drawing/2014/main" id="{7054490E-C206-42A8-A4EE-672A868A9F51}"/>
+              </a:ext>
+            </a:extLst>
+          </p:cNvPr>
+          <p:cNvSpPr>
+            <a:spLocks noGrp="1"/>
+          </p:cNvSpPr>
+          <p:nvPr>
+            <p:ph type="ftr" sz="quarter" idx="10"/>
+          </p:nvPr>
+        </p:nvSpPr>
+        <p:spPr>
+          <a:xfrm>
+            <a:off x="972123" y="6048375"/>
+            <a:ext cx="4608513" cy="179364"/>
+          </a:xfrm>
+        </p:spPr>
+        <p:txBody>
+          <a:bodyPr/>
+          <a:lstStyle/>
+          <a:p>
+            <a:r>
+              <a:rPr lang="en-US"/>
+              <a:t>IAV  MM/YYYY  Department Code  Initials  Status: draft, confidential</a:t>
+            </a:r>
+            <a:endParaRPr lang="en-US" dirty="0"/>
+          </a:p>
+        </p:txBody>
+      </p:sp>
+      <p:sp>
+        <p:nvSpPr>
+          <p:cNvPr id="6" name="Foliennummernplatzhalter 5">
+            <a:extLst>
+              <a:ext uri="{FF2B5EF4-FFF2-40B4-BE49-F238E27FC236}">
+                <a16:creationId xmlns:a16="http://schemas.microsoft.com/office/drawing/2014/main" id="{34777B78-1BE6-449D-96D3-3FB38AACD2CA}"/>
+              </a:ext>
+            </a:extLst>
+          </p:cNvPr>
+          <p:cNvSpPr>
+            <a:spLocks noGrp="1"/>
+          </p:cNvSpPr>
+          <p:nvPr>
+            <p:ph type="sldNum" sz="quarter" idx="11"/>
+          </p:nvPr>
+        </p:nvSpPr>
+        <p:spPr>
+          <a:xfrm>
+            <a:off x="539664" y="6048399"/>
+            <a:ext cx="360000" cy="179364"/>
+          </a:xfrm>
+        </p:spPr>
+        <p:txBody>
+          <a:bodyPr/>
+          <a:lstStyle/>
+          <a:p>
+            <a:fld id="{C651C7C4-31E4-E340-822E-DEA0EA75A835}" type="slidenum">
+              <a:rPr lang="en-US" smtClean="0"/>
+              <a:pPr/>
+              <a:t>6</a:t>
             </a:fld>
             <a:endParaRPr lang="en-US" dirty="0"/>
           </a:p>
@@ -14646,7 +15047,7 @@
 </p:sld>
 </file>
 
-<file path=ppt/slides/slide6.xml><?xml version="1.0" encoding="utf-8"?>
+<file path=ppt/slides/slide7.xml><?xml version="1.0" encoding="utf-8"?>
 <p:sld xmlns:a="http://schemas.openxmlformats.org/drawingml/2006/main" xmlns:r="http://schemas.openxmlformats.org/officeDocument/2006/relationships" xmlns:p="http://schemas.openxmlformats.org/presentationml/2006/main">
   <p:cSld>
     <p:spTree>
@@ -14716,7 +15117,7 @@
             <a:fld id="{DD6C52D8-AF7F-4297-9A35-2617B7FF1801}" type="slidenum">
               <a:rPr lang="en-US" smtClean="0"/>
               <a:pPr/>
-              <a:t>6</a:t>
+              <a:t>7</a:t>
             </a:fld>
             <a:endParaRPr lang="en-US" dirty="0"/>
           </a:p>
@@ -14831,199 +15232,6 @@
 </p:sld>
 </file>
 
-<file path=ppt/slides/slide7.xml><?xml version="1.0" encoding="utf-8"?>
-<p:sld xmlns:a="http://schemas.openxmlformats.org/drawingml/2006/main" xmlns:r="http://schemas.openxmlformats.org/officeDocument/2006/relationships" xmlns:p="http://schemas.openxmlformats.org/presentationml/2006/main">
-  <p:cSld>
-    <p:spTree>
-      <p:nvGrpSpPr>
-        <p:cNvPr id="1" name=""/>
-        <p:cNvGrpSpPr/>
-        <p:nvPr/>
-      </p:nvGrpSpPr>
-      <p:grpSpPr>
-        <a:xfrm>
-          <a:off x="0" y="0"/>
-          <a:ext cx="0" cy="0"/>
-          <a:chOff x="0" y="0"/>
-          <a:chExt cx="0" cy="0"/>
-        </a:xfrm>
-      </p:grpSpPr>
-      <p:pic>
-        <p:nvPicPr>
-          <p:cNvPr id="27" name="Bildplatzhalter 26">
-            <a:extLst>
-              <a:ext uri="{FF2B5EF4-FFF2-40B4-BE49-F238E27FC236}">
-                <a16:creationId xmlns:a16="http://schemas.microsoft.com/office/drawing/2014/main" id="{AA7D4377-EB53-4F7B-BAA3-1931CE3F3BBC}"/>
-              </a:ext>
-            </a:extLst>
-          </p:cNvPr>
-          <p:cNvPicPr>
-            <a:picLocks noGrp="1" noRot="1" noChangeAspect="1" noMove="1" noResize="1" noEditPoints="1" noAdjustHandles="1" noChangeArrowheads="1" noChangeShapeType="1" noCrop="1"/>
-          </p:cNvPicPr>
-          <p:nvPr>
-            <p:ph type="pic" sz="quarter" idx="12"/>
-          </p:nvPr>
-        </p:nvPicPr>
-        <p:blipFill rotWithShape="1">
-          <a:blip r:embed="rId5">
-            <a:extLst>
-              <a:ext uri="{28A0092B-C50C-407E-A947-70E740481C1C}">
-                <a14:useLocalDpi xmlns:a14="http://schemas.microsoft.com/office/drawing/2010/main" val="0"/>
-              </a:ext>
-            </a:extLst>
-          </a:blip>
-          <a:srcRect l="118" r="118"/>
-          <a:stretch/>
-        </p:blipFill>
-        <p:spPr/>
-      </p:pic>
-      <p:sp>
-        <p:nvSpPr>
-          <p:cNvPr id="7" name="Titel 6">
-            <a:extLst>
-              <a:ext uri="{FF2B5EF4-FFF2-40B4-BE49-F238E27FC236}">
-                <a16:creationId xmlns:a16="http://schemas.microsoft.com/office/drawing/2014/main" id="{756A48F5-3F6F-47EA-B09F-3B3E65980B59}"/>
-              </a:ext>
-            </a:extLst>
-          </p:cNvPr>
-          <p:cNvSpPr>
-            <a:spLocks noGrp="1"/>
-          </p:cNvSpPr>
-          <p:nvPr>
-            <p:ph type="title"/>
-          </p:nvPr>
-        </p:nvSpPr>
-        <p:spPr/>
-        <p:txBody>
-          <a:bodyPr/>
-          <a:lstStyle/>
-          <a:p>
-            <a:endParaRPr lang="en-US" dirty="0">
-              <a:solidFill>
-                <a:srgbClr val="BBE9FF"/>
-              </a:solidFill>
-            </a:endParaRPr>
-          </a:p>
-        </p:txBody>
-      </p:sp>
-      <p:sp>
-        <p:nvSpPr>
-          <p:cNvPr id="4" name="Foliennummernplatzhalter 3">
-            <a:extLst>
-              <a:ext uri="{FF2B5EF4-FFF2-40B4-BE49-F238E27FC236}">
-                <a16:creationId xmlns:a16="http://schemas.microsoft.com/office/drawing/2014/main" id="{796D58B4-DB43-4B06-ACFF-112EEA3F2188}"/>
-              </a:ext>
-            </a:extLst>
-          </p:cNvPr>
-          <p:cNvSpPr>
-            <a:spLocks noGrp="1"/>
-          </p:cNvSpPr>
-          <p:nvPr>
-            <p:ph type="sldNum" sz="quarter" idx="11"/>
-          </p:nvPr>
-        </p:nvSpPr>
-        <p:spPr/>
-        <p:txBody>
-          <a:bodyPr/>
-          <a:lstStyle/>
-          <a:p>
-            <a:fld id="{C651C7C4-31E4-E340-822E-DEA0EA75A835}" type="slidenum">
-              <a:rPr lang="en-US" smtClean="0"/>
-              <a:pPr/>
-              <a:t>7</a:t>
-            </a:fld>
-            <a:endParaRPr lang="en-US" dirty="0"/>
-          </a:p>
-        </p:txBody>
-      </p:sp>
-      <p:pic>
-        <p:nvPicPr>
-          <p:cNvPr id="23" name="Grafik 22">
-            <a:extLst>
-              <a:ext uri="{FF2B5EF4-FFF2-40B4-BE49-F238E27FC236}">
-                <a16:creationId xmlns:a16="http://schemas.microsoft.com/office/drawing/2014/main" id="{7E64BB16-6BA0-4940-BEF2-7E66B02F1EA0}"/>
-              </a:ext>
-            </a:extLst>
-          </p:cNvPr>
-          <p:cNvPicPr>
-            <a:picLocks noGrp="1" noRot="1" noChangeAspect="1" noMove="1" noResize="1" noEditPoints="1" noAdjustHandles="1" noChangeArrowheads="1" noChangeShapeType="1" noCrop="1"/>
-          </p:cNvPicPr>
-          <p:nvPr>
-            <p:custDataLst>
-              <p:tags r:id="rId2"/>
-            </p:custDataLst>
-          </p:nvPr>
-        </p:nvPicPr>
-        <p:blipFill>
-          <a:blip r:embed="rId6" cstate="hqprint">
-            <a:extLst>
-              <a:ext uri="{28A0092B-C50C-407E-A947-70E740481C1C}">
-                <a14:useLocalDpi xmlns:a14="http://schemas.microsoft.com/office/drawing/2010/main" val="0"/>
-              </a:ext>
-              <a:ext uri="{96DAC541-7B7A-43D3-8B79-37D633B846F1}">
-                <asvg:svgBlip xmlns:asvg="http://schemas.microsoft.com/office/drawing/2016/SVG/main" r:embed="rId7"/>
-              </a:ext>
-            </a:extLst>
-          </a:blip>
-          <a:stretch>
-            <a:fillRect/>
-          </a:stretch>
-        </p:blipFill>
-        <p:spPr bwMode="gray">
-          <a:xfrm>
-            <a:off x="10148244" y="5868379"/>
-            <a:ext cx="976596" cy="540000"/>
-          </a:xfrm>
-          <a:prstGeom prst="rect">
-            <a:avLst/>
-          </a:prstGeom>
-        </p:spPr>
-      </p:pic>
-      <p:sp>
-        <p:nvSpPr>
-          <p:cNvPr id="2" name="Fußzeilenplatzhalter 1">
-            <a:extLst>
-              <a:ext uri="{FF2B5EF4-FFF2-40B4-BE49-F238E27FC236}">
-                <a16:creationId xmlns:a16="http://schemas.microsoft.com/office/drawing/2014/main" id="{71E122A1-75BB-4CD0-82EA-ED92046C51F5}"/>
-              </a:ext>
-            </a:extLst>
-          </p:cNvPr>
-          <p:cNvSpPr>
-            <a:spLocks noGrp="1"/>
-          </p:cNvSpPr>
-          <p:nvPr>
-            <p:ph type="ftr" sz="quarter" idx="10"/>
-          </p:nvPr>
-        </p:nvSpPr>
-        <p:spPr/>
-        <p:txBody>
-          <a:bodyPr/>
-          <a:lstStyle/>
-          <a:p>
-            <a:r>
-              <a:rPr lang="en-US"/>
-              <a:t>IAV  MM/YYYY  Department Code  Initials  Status: draft, confidential</a:t>
-            </a:r>
-            <a:endParaRPr lang="en-US" dirty="0"/>
-          </a:p>
-        </p:txBody>
-      </p:sp>
-    </p:spTree>
-    <p:custDataLst>
-      <p:tags r:id="rId1"/>
-    </p:custDataLst>
-    <p:extLst>
-      <p:ext uri="{BB962C8B-B14F-4D97-AF65-F5344CB8AC3E}">
-        <p14:creationId xmlns:p14="http://schemas.microsoft.com/office/powerpoint/2010/main" val="1029638147"/>
-      </p:ext>
-    </p:extLst>
-  </p:cSld>
-  <p:clrMapOvr>
-    <a:masterClrMapping/>
-  </p:clrMapOvr>
-</p:sld>
-</file>
-
 <file path=ppt/slides/slide8.xml><?xml version="1.0" encoding="utf-8"?>
 <p:sld xmlns:a="http://schemas.openxmlformats.org/drawingml/2006/main" xmlns:r="http://schemas.openxmlformats.org/officeDocument/2006/relationships" xmlns:p="http://schemas.openxmlformats.org/presentationml/2006/main">
   <p:cSld>
@@ -15075,7 +15283,7 @@
           <p:cNvPr id="7" name="Titel 6">
             <a:extLst>
               <a:ext uri="{FF2B5EF4-FFF2-40B4-BE49-F238E27FC236}">
-                <a16:creationId xmlns:a16="http://schemas.microsoft.com/office/drawing/2014/main" id="{DB356E49-AFAF-4D4E-AF41-1B69AFC9C233}"/>
+                <a16:creationId xmlns:a16="http://schemas.microsoft.com/office/drawing/2014/main" id="{756A48F5-3F6F-47EA-B09F-3B3E65980B59}"/>
               </a:ext>
             </a:extLst>
           </p:cNvPr>
@@ -15086,19 +15294,14 @@
             <p:ph type="title"/>
           </p:nvPr>
         </p:nvSpPr>
-        <p:spPr>
-          <a:xfrm>
-            <a:off x="539750" y="4078843"/>
-            <a:ext cx="10440988" cy="890032"/>
-          </a:xfrm>
-        </p:spPr>
+        <p:spPr/>
         <p:txBody>
           <a:bodyPr/>
           <a:lstStyle/>
           <a:p>
             <a:endParaRPr lang="en-US" dirty="0">
               <a:solidFill>
-                <a:schemeClr val="accent5"/>
+                <a:srgbClr val="BBE9FF"/>
               </a:solidFill>
             </a:endParaRPr>
           </a:p>
@@ -15182,7 +15385,7 @@
           <p:cNvPr id="2" name="Fußzeilenplatzhalter 1">
             <a:extLst>
               <a:ext uri="{FF2B5EF4-FFF2-40B4-BE49-F238E27FC236}">
-                <a16:creationId xmlns:a16="http://schemas.microsoft.com/office/drawing/2014/main" id="{C43FA90D-2AD7-4A87-A70A-32B851B5E471}"/>
+                <a16:creationId xmlns:a16="http://schemas.microsoft.com/office/drawing/2014/main" id="{71E122A1-75BB-4CD0-82EA-ED92046C51F5}"/>
               </a:ext>
             </a:extLst>
           </p:cNvPr>
@@ -15212,7 +15415,7 @@
     </p:custDataLst>
     <p:extLst>
       <p:ext uri="{BB962C8B-B14F-4D97-AF65-F5344CB8AC3E}">
-        <p14:creationId xmlns:p14="http://schemas.microsoft.com/office/powerpoint/2010/main" val="1155898757"/>
+        <p14:creationId xmlns:p14="http://schemas.microsoft.com/office/powerpoint/2010/main" val="1029638147"/>
       </p:ext>
     </p:extLst>
   </p:cSld>
@@ -15241,10 +15444,10 @@
       </p:grpSpPr>
       <p:pic>
         <p:nvPicPr>
-          <p:cNvPr id="7" name="Bildplatzhalter 6">
+          <p:cNvPr id="27" name="Bildplatzhalter 26">
             <a:extLst>
               <a:ext uri="{FF2B5EF4-FFF2-40B4-BE49-F238E27FC236}">
-                <a16:creationId xmlns:a16="http://schemas.microsoft.com/office/drawing/2014/main" id="{E2F7A1D1-1B2F-428C-91B3-5612ECE95774}"/>
+                <a16:creationId xmlns:a16="http://schemas.microsoft.com/office/drawing/2014/main" id="{AA7D4377-EB53-4F7B-BAA3-1931CE3F3BBC}"/>
               </a:ext>
             </a:extLst>
           </p:cNvPr>
@@ -15270,10 +15473,10 @@
       </p:pic>
       <p:sp>
         <p:nvSpPr>
-          <p:cNvPr id="8" name="Titel 7">
+          <p:cNvPr id="7" name="Titel 6">
             <a:extLst>
               <a:ext uri="{FF2B5EF4-FFF2-40B4-BE49-F238E27FC236}">
-                <a16:creationId xmlns:a16="http://schemas.microsoft.com/office/drawing/2014/main" id="{FBE802F5-13B6-4876-AE68-233AF281D73A}"/>
+                <a16:creationId xmlns:a16="http://schemas.microsoft.com/office/drawing/2014/main" id="{DB356E49-AFAF-4D4E-AF41-1B69AFC9C233}"/>
               </a:ext>
             </a:extLst>
           </p:cNvPr>
@@ -15296,7 +15499,7 @@
           <a:p>
             <a:endParaRPr lang="en-US" dirty="0">
               <a:solidFill>
-                <a:schemeClr val="accent3"/>
+                <a:schemeClr val="accent5"/>
               </a:solidFill>
             </a:endParaRPr>
           </a:p>
@@ -15380,7 +15583,7 @@
           <p:cNvPr id="2" name="Fußzeilenplatzhalter 1">
             <a:extLst>
               <a:ext uri="{FF2B5EF4-FFF2-40B4-BE49-F238E27FC236}">
-                <a16:creationId xmlns:a16="http://schemas.microsoft.com/office/drawing/2014/main" id="{193ADC23-38F3-4A40-AEA5-C9788B533DCB}"/>
+                <a16:creationId xmlns:a16="http://schemas.microsoft.com/office/drawing/2014/main" id="{C43FA90D-2AD7-4A87-A70A-32B851B5E471}"/>
               </a:ext>
             </a:extLst>
           </p:cNvPr>
@@ -15410,7 +15613,7 @@
     </p:custDataLst>
     <p:extLst>
       <p:ext uri="{BB962C8B-B14F-4D97-AF65-F5344CB8AC3E}">
-        <p14:creationId xmlns:p14="http://schemas.microsoft.com/office/powerpoint/2010/main" val="671522703"/>
+        <p14:creationId xmlns:p14="http://schemas.microsoft.com/office/powerpoint/2010/main" val="1155898757"/>
       </p:ext>
     </p:extLst>
   </p:cSld>
